--- a/BuyNote.pptx
+++ b/BuyNote.pptx
@@ -5,100 +5,101 @@
     <p:sldMasterId id="2147483659" r:id="rId1"/>
   </p:sldMasterIdLst>
   <p:notesMasterIdLst>
-    <p:notesMasterId r:id="rId62"/>
+    <p:notesMasterId r:id="rId63"/>
   </p:notesMasterIdLst>
   <p:sldIdLst>
     <p:sldId id="256" r:id="rId2"/>
     <p:sldId id="257" r:id="rId3"/>
     <p:sldId id="258" r:id="rId4"/>
     <p:sldId id="259" r:id="rId5"/>
-    <p:sldId id="261" r:id="rId6"/>
-    <p:sldId id="262" r:id="rId7"/>
-    <p:sldId id="263" r:id="rId8"/>
-    <p:sldId id="264" r:id="rId9"/>
-    <p:sldId id="265" r:id="rId10"/>
-    <p:sldId id="266" r:id="rId11"/>
-    <p:sldId id="267" r:id="rId12"/>
-    <p:sldId id="268" r:id="rId13"/>
-    <p:sldId id="269" r:id="rId14"/>
-    <p:sldId id="270" r:id="rId15"/>
-    <p:sldId id="271" r:id="rId16"/>
-    <p:sldId id="272" r:id="rId17"/>
-    <p:sldId id="273" r:id="rId18"/>
-    <p:sldId id="274" r:id="rId19"/>
-    <p:sldId id="275" r:id="rId20"/>
-    <p:sldId id="276" r:id="rId21"/>
-    <p:sldId id="277" r:id="rId22"/>
-    <p:sldId id="278" r:id="rId23"/>
-    <p:sldId id="279" r:id="rId24"/>
-    <p:sldId id="280" r:id="rId25"/>
-    <p:sldId id="281" r:id="rId26"/>
-    <p:sldId id="282" r:id="rId27"/>
-    <p:sldId id="283" r:id="rId28"/>
-    <p:sldId id="284" r:id="rId29"/>
-    <p:sldId id="285" r:id="rId30"/>
-    <p:sldId id="286" r:id="rId31"/>
-    <p:sldId id="287" r:id="rId32"/>
-    <p:sldId id="288" r:id="rId33"/>
-    <p:sldId id="289" r:id="rId34"/>
-    <p:sldId id="290" r:id="rId35"/>
-    <p:sldId id="291" r:id="rId36"/>
-    <p:sldId id="292" r:id="rId37"/>
-    <p:sldId id="293" r:id="rId38"/>
-    <p:sldId id="294" r:id="rId39"/>
-    <p:sldId id="295" r:id="rId40"/>
-    <p:sldId id="296" r:id="rId41"/>
-    <p:sldId id="297" r:id="rId42"/>
-    <p:sldId id="298" r:id="rId43"/>
-    <p:sldId id="299" r:id="rId44"/>
-    <p:sldId id="300" r:id="rId45"/>
-    <p:sldId id="301" r:id="rId46"/>
-    <p:sldId id="302" r:id="rId47"/>
-    <p:sldId id="303" r:id="rId48"/>
-    <p:sldId id="304" r:id="rId49"/>
-    <p:sldId id="305" r:id="rId50"/>
-    <p:sldId id="306" r:id="rId51"/>
-    <p:sldId id="307" r:id="rId52"/>
-    <p:sldId id="308" r:id="rId53"/>
-    <p:sldId id="309" r:id="rId54"/>
-    <p:sldId id="310" r:id="rId55"/>
-    <p:sldId id="311" r:id="rId56"/>
-    <p:sldId id="312" r:id="rId57"/>
-    <p:sldId id="313" r:id="rId58"/>
-    <p:sldId id="314" r:id="rId59"/>
-    <p:sldId id="315" r:id="rId60"/>
-    <p:sldId id="316" r:id="rId61"/>
+    <p:sldId id="260" r:id="rId6"/>
+    <p:sldId id="261" r:id="rId7"/>
+    <p:sldId id="262" r:id="rId8"/>
+    <p:sldId id="263" r:id="rId9"/>
+    <p:sldId id="264" r:id="rId10"/>
+    <p:sldId id="265" r:id="rId11"/>
+    <p:sldId id="266" r:id="rId12"/>
+    <p:sldId id="267" r:id="rId13"/>
+    <p:sldId id="268" r:id="rId14"/>
+    <p:sldId id="269" r:id="rId15"/>
+    <p:sldId id="270" r:id="rId16"/>
+    <p:sldId id="271" r:id="rId17"/>
+    <p:sldId id="272" r:id="rId18"/>
+    <p:sldId id="273" r:id="rId19"/>
+    <p:sldId id="274" r:id="rId20"/>
+    <p:sldId id="275" r:id="rId21"/>
+    <p:sldId id="276" r:id="rId22"/>
+    <p:sldId id="277" r:id="rId23"/>
+    <p:sldId id="278" r:id="rId24"/>
+    <p:sldId id="279" r:id="rId25"/>
+    <p:sldId id="280" r:id="rId26"/>
+    <p:sldId id="281" r:id="rId27"/>
+    <p:sldId id="282" r:id="rId28"/>
+    <p:sldId id="283" r:id="rId29"/>
+    <p:sldId id="284" r:id="rId30"/>
+    <p:sldId id="285" r:id="rId31"/>
+    <p:sldId id="286" r:id="rId32"/>
+    <p:sldId id="287" r:id="rId33"/>
+    <p:sldId id="288" r:id="rId34"/>
+    <p:sldId id="289" r:id="rId35"/>
+    <p:sldId id="290" r:id="rId36"/>
+    <p:sldId id="291" r:id="rId37"/>
+    <p:sldId id="292" r:id="rId38"/>
+    <p:sldId id="293" r:id="rId39"/>
+    <p:sldId id="294" r:id="rId40"/>
+    <p:sldId id="295" r:id="rId41"/>
+    <p:sldId id="296" r:id="rId42"/>
+    <p:sldId id="297" r:id="rId43"/>
+    <p:sldId id="298" r:id="rId44"/>
+    <p:sldId id="299" r:id="rId45"/>
+    <p:sldId id="300" r:id="rId46"/>
+    <p:sldId id="301" r:id="rId47"/>
+    <p:sldId id="302" r:id="rId48"/>
+    <p:sldId id="303" r:id="rId49"/>
+    <p:sldId id="304" r:id="rId50"/>
+    <p:sldId id="305" r:id="rId51"/>
+    <p:sldId id="306" r:id="rId52"/>
+    <p:sldId id="307" r:id="rId53"/>
+    <p:sldId id="308" r:id="rId54"/>
+    <p:sldId id="309" r:id="rId55"/>
+    <p:sldId id="310" r:id="rId56"/>
+    <p:sldId id="311" r:id="rId57"/>
+    <p:sldId id="312" r:id="rId58"/>
+    <p:sldId id="313" r:id="rId59"/>
+    <p:sldId id="314" r:id="rId60"/>
+    <p:sldId id="315" r:id="rId61"/>
+    <p:sldId id="316" r:id="rId62"/>
   </p:sldIdLst>
   <p:sldSz cx="9144000" cy="5143500" type="screen16x9"/>
   <p:notesSz cx="6858000" cy="9144000"/>
   <p:embeddedFontLst>
     <p:embeddedFont>
       <p:font typeface="Lato" panose="020F0502020204030203" pitchFamily="34" charset="0"/>
-      <p:regular r:id="rId63"/>
-      <p:bold r:id="rId64"/>
-      <p:italic r:id="rId65"/>
-      <p:boldItalic r:id="rId66"/>
+      <p:regular r:id="rId64"/>
+      <p:bold r:id="rId65"/>
+      <p:italic r:id="rId66"/>
+      <p:boldItalic r:id="rId67"/>
     </p:embeddedFont>
     <p:embeddedFont>
       <p:font typeface="Montserrat" panose="00000500000000000000" pitchFamily="2" charset="0"/>
-      <p:regular r:id="rId67"/>
-      <p:bold r:id="rId68"/>
-      <p:italic r:id="rId69"/>
-      <p:boldItalic r:id="rId70"/>
+      <p:regular r:id="rId68"/>
+      <p:bold r:id="rId69"/>
+      <p:italic r:id="rId70"/>
+      <p:boldItalic r:id="rId71"/>
     </p:embeddedFont>
     <p:embeddedFont>
       <p:font typeface="Roboto" panose="02000000000000000000" pitchFamily="2" charset="0"/>
-      <p:regular r:id="rId71"/>
-      <p:bold r:id="rId72"/>
-      <p:italic r:id="rId73"/>
-      <p:boldItalic r:id="rId74"/>
+      <p:regular r:id="rId72"/>
+      <p:bold r:id="rId73"/>
+      <p:italic r:id="rId74"/>
+      <p:boldItalic r:id="rId75"/>
     </p:embeddedFont>
     <p:embeddedFont>
       <p:font typeface="Roboto Mono" panose="00000009000000000000" pitchFamily="49" charset="0"/>
-      <p:regular r:id="rId75"/>
-      <p:bold r:id="rId76"/>
-      <p:italic r:id="rId77"/>
-      <p:boldItalic r:id="rId78"/>
+      <p:regular r:id="rId76"/>
+      <p:bold r:id="rId77"/>
+      <p:italic r:id="rId78"/>
+      <p:boldItalic r:id="rId79"/>
     </p:embeddedFont>
   </p:embeddedFontLst>
   <p:defaultTextStyle>
@@ -819,8 +820,8 @@
         </p:nvSpPr>
         <p:spPr>
           <a:xfrm>
-            <a:off x="381300" y="685800"/>
-            <a:ext cx="6096075" cy="3429000"/>
+            <a:off x="381000" y="685800"/>
+            <a:ext cx="6096000" cy="3429000"/>
           </a:xfrm>
           <a:custGeom>
             <a:avLst/>
@@ -895,6 +896,110 @@
 </file>
 
 <file path=ppt/notesSlides/notesSlide10.xml><?xml version="1.0" encoding="utf-8"?>
+<p:notes xmlns:a="http://schemas.openxmlformats.org/drawingml/2006/main" xmlns:r="http://schemas.openxmlformats.org/officeDocument/2006/relationships" xmlns:p="http://schemas.openxmlformats.org/presentationml/2006/main" showMasterSp="0" showMasterPhAnim="0">
+  <p:cSld>
+    <p:spTree>
+      <p:nvGrpSpPr>
+        <p:cNvPr id="1" name="Shape 184"/>
+        <p:cNvGrpSpPr/>
+        <p:nvPr/>
+      </p:nvGrpSpPr>
+      <p:grpSpPr>
+        <a:xfrm>
+          <a:off x="0" y="0"/>
+          <a:ext cx="0" cy="0"/>
+          <a:chOff x="0" y="0"/>
+          <a:chExt cx="0" cy="0"/>
+        </a:xfrm>
+      </p:grpSpPr>
+      <p:sp>
+        <p:nvSpPr>
+          <p:cNvPr id="185" name="Google Shape;185;g34ca80ebf23_0_24:notes"/>
+          <p:cNvSpPr>
+            <a:spLocks noGrp="1" noRot="1" noChangeAspect="1"/>
+          </p:cNvSpPr>
+          <p:nvPr>
+            <p:ph type="sldImg" idx="2"/>
+          </p:nvPr>
+        </p:nvSpPr>
+        <p:spPr>
+          <a:xfrm>
+            <a:off x="381300" y="685800"/>
+            <a:ext cx="6096000" cy="3429000"/>
+          </a:xfrm>
+          <a:custGeom>
+            <a:avLst/>
+            <a:gdLst/>
+            <a:ahLst/>
+            <a:cxnLst/>
+            <a:rect l="l" t="t" r="r" b="b"/>
+            <a:pathLst>
+              <a:path w="120000" h="120000" extrusionOk="0">
+                <a:moveTo>
+                  <a:pt x="0" y="0"/>
+                </a:moveTo>
+                <a:lnTo>
+                  <a:pt x="120000" y="0"/>
+                </a:lnTo>
+                <a:lnTo>
+                  <a:pt x="120000" y="120000"/>
+                </a:lnTo>
+                <a:lnTo>
+                  <a:pt x="0" y="120000"/>
+                </a:lnTo>
+                <a:close/>
+              </a:path>
+            </a:pathLst>
+          </a:custGeom>
+        </p:spPr>
+      </p:sp>
+      <p:sp>
+        <p:nvSpPr>
+          <p:cNvPr id="186" name="Google Shape;186;g34ca80ebf23_0_24:notes"/>
+          <p:cNvSpPr txBox="1">
+            <a:spLocks noGrp="1"/>
+          </p:cNvSpPr>
+          <p:nvPr>
+            <p:ph type="body" idx="1"/>
+          </p:nvPr>
+        </p:nvSpPr>
+        <p:spPr>
+          <a:xfrm>
+            <a:off x="685800" y="4343400"/>
+            <a:ext cx="5486400" cy="4114800"/>
+          </a:xfrm>
+          <a:prstGeom prst="rect">
+            <a:avLst/>
+          </a:prstGeom>
+        </p:spPr>
+        <p:txBody>
+          <a:bodyPr spcFirstLastPara="1" wrap="square" lIns="91425" tIns="91425" rIns="91425" bIns="91425" anchor="t" anchorCtr="0">
+            <a:noAutofit/>
+          </a:bodyPr>
+          <a:lstStyle/>
+          <a:p>
+            <a:pPr marL="0" lvl="0" indent="0" algn="l" rtl="0">
+              <a:spcBef>
+                <a:spcPts val="0"/>
+              </a:spcBef>
+              <a:spcAft>
+                <a:spcPts val="0"/>
+              </a:spcAft>
+              <a:buNone/>
+            </a:pPr>
+            <a:endParaRPr/>
+          </a:p>
+        </p:txBody>
+      </p:sp>
+    </p:spTree>
+  </p:cSld>
+  <p:clrMapOvr>
+    <a:masterClrMapping/>
+  </p:clrMapOvr>
+</p:notes>
+</file>
+
+<file path=ppt/notesSlides/notesSlide11.xml><?xml version="1.0" encoding="utf-8"?>
 <p:notes xmlns:a="http://schemas.openxmlformats.org/drawingml/2006/main" xmlns:r="http://schemas.openxmlformats.org/officeDocument/2006/relationships" xmlns:p="http://schemas.openxmlformats.org/presentationml/2006/main" showMasterSp="0" showMasterPhAnim="0">
   <p:cSld>
     <p:spTree>
@@ -998,7 +1103,7 @@
 </p:notes>
 </file>
 
-<file path=ppt/notesSlides/notesSlide11.xml><?xml version="1.0" encoding="utf-8"?>
+<file path=ppt/notesSlides/notesSlide12.xml><?xml version="1.0" encoding="utf-8"?>
 <p:notes xmlns:a="http://schemas.openxmlformats.org/drawingml/2006/main" xmlns:r="http://schemas.openxmlformats.org/officeDocument/2006/relationships" xmlns:p="http://schemas.openxmlformats.org/presentationml/2006/main" showMasterSp="0" showMasterPhAnim="0">
   <p:cSld>
     <p:spTree>
@@ -1102,7 +1207,7 @@
 </p:notes>
 </file>
 
-<file path=ppt/notesSlides/notesSlide12.xml><?xml version="1.0" encoding="utf-8"?>
+<file path=ppt/notesSlides/notesSlide13.xml><?xml version="1.0" encoding="utf-8"?>
 <p:notes xmlns:a="http://schemas.openxmlformats.org/drawingml/2006/main" xmlns:r="http://schemas.openxmlformats.org/officeDocument/2006/relationships" xmlns:p="http://schemas.openxmlformats.org/presentationml/2006/main" showMasterSp="0" showMasterPhAnim="0">
   <p:cSld>
     <p:spTree>
@@ -1206,7 +1311,7 @@
 </p:notes>
 </file>
 
-<file path=ppt/notesSlides/notesSlide13.xml><?xml version="1.0" encoding="utf-8"?>
+<file path=ppt/notesSlides/notesSlide14.xml><?xml version="1.0" encoding="utf-8"?>
 <p:notes xmlns:a="http://schemas.openxmlformats.org/drawingml/2006/main" xmlns:r="http://schemas.openxmlformats.org/officeDocument/2006/relationships" xmlns:p="http://schemas.openxmlformats.org/presentationml/2006/main" showMasterSp="0" showMasterPhAnim="0">
   <p:cSld>
     <p:spTree>
@@ -1310,7 +1415,7 @@
 </p:notes>
 </file>
 
-<file path=ppt/notesSlides/notesSlide14.xml><?xml version="1.0" encoding="utf-8"?>
+<file path=ppt/notesSlides/notesSlide15.xml><?xml version="1.0" encoding="utf-8"?>
 <p:notes xmlns:a="http://schemas.openxmlformats.org/drawingml/2006/main" xmlns:r="http://schemas.openxmlformats.org/officeDocument/2006/relationships" xmlns:p="http://schemas.openxmlformats.org/presentationml/2006/main" showMasterSp="0" showMasterPhAnim="0">
   <p:cSld>
     <p:spTree>
@@ -1414,7 +1519,7 @@
 </p:notes>
 </file>
 
-<file path=ppt/notesSlides/notesSlide15.xml><?xml version="1.0" encoding="utf-8"?>
+<file path=ppt/notesSlides/notesSlide16.xml><?xml version="1.0" encoding="utf-8"?>
 <p:notes xmlns:a="http://schemas.openxmlformats.org/drawingml/2006/main" xmlns:r="http://schemas.openxmlformats.org/officeDocument/2006/relationships" xmlns:p="http://schemas.openxmlformats.org/presentationml/2006/main" showMasterSp="0" showMasterPhAnim="0">
   <p:cSld>
     <p:spTree>
@@ -1518,7 +1623,7 @@
 </p:notes>
 </file>
 
-<file path=ppt/notesSlides/notesSlide16.xml><?xml version="1.0" encoding="utf-8"?>
+<file path=ppt/notesSlides/notesSlide17.xml><?xml version="1.0" encoding="utf-8"?>
 <p:notes xmlns:a="http://schemas.openxmlformats.org/drawingml/2006/main" xmlns:r="http://schemas.openxmlformats.org/officeDocument/2006/relationships" xmlns:p="http://schemas.openxmlformats.org/presentationml/2006/main" showMasterSp="0" showMasterPhAnim="0">
   <p:cSld>
     <p:spTree>
@@ -1622,7 +1727,7 @@
 </p:notes>
 </file>
 
-<file path=ppt/notesSlides/notesSlide17.xml><?xml version="1.0" encoding="utf-8"?>
+<file path=ppt/notesSlides/notesSlide18.xml><?xml version="1.0" encoding="utf-8"?>
 <p:notes xmlns:a="http://schemas.openxmlformats.org/drawingml/2006/main" xmlns:r="http://schemas.openxmlformats.org/officeDocument/2006/relationships" xmlns:p="http://schemas.openxmlformats.org/presentationml/2006/main" showMasterSp="0" showMasterPhAnim="0">
   <p:cSld>
     <p:spTree>
@@ -1726,7 +1831,7 @@
 </p:notes>
 </file>
 
-<file path=ppt/notesSlides/notesSlide18.xml><?xml version="1.0" encoding="utf-8"?>
+<file path=ppt/notesSlides/notesSlide19.xml><?xml version="1.0" encoding="utf-8"?>
 <p:notes xmlns:a="http://schemas.openxmlformats.org/drawingml/2006/main" xmlns:r="http://schemas.openxmlformats.org/officeDocument/2006/relationships" xmlns:p="http://schemas.openxmlformats.org/presentationml/2006/main" showMasterSp="0" showMasterPhAnim="0">
   <p:cSld>
     <p:spTree>
@@ -1787,110 +1892,6 @@
       <p:sp>
         <p:nvSpPr>
           <p:cNvPr id="239" name="Google Shape;239;g387ccd45540_0_76:notes"/>
-          <p:cNvSpPr txBox="1">
-            <a:spLocks noGrp="1"/>
-          </p:cNvSpPr>
-          <p:nvPr>
-            <p:ph type="body" idx="1"/>
-          </p:nvPr>
-        </p:nvSpPr>
-        <p:spPr>
-          <a:xfrm>
-            <a:off x="685800" y="4343400"/>
-            <a:ext cx="5486400" cy="4114800"/>
-          </a:xfrm>
-          <a:prstGeom prst="rect">
-            <a:avLst/>
-          </a:prstGeom>
-        </p:spPr>
-        <p:txBody>
-          <a:bodyPr spcFirstLastPara="1" wrap="square" lIns="91425" tIns="91425" rIns="91425" bIns="91425" anchor="t" anchorCtr="0">
-            <a:noAutofit/>
-          </a:bodyPr>
-          <a:lstStyle/>
-          <a:p>
-            <a:pPr marL="0" lvl="0" indent="0" algn="l" rtl="0">
-              <a:spcBef>
-                <a:spcPts val="0"/>
-              </a:spcBef>
-              <a:spcAft>
-                <a:spcPts val="0"/>
-              </a:spcAft>
-              <a:buNone/>
-            </a:pPr>
-            <a:endParaRPr/>
-          </a:p>
-        </p:txBody>
-      </p:sp>
-    </p:spTree>
-  </p:cSld>
-  <p:clrMapOvr>
-    <a:masterClrMapping/>
-  </p:clrMapOvr>
-</p:notes>
-</file>
-
-<file path=ppt/notesSlides/notesSlide19.xml><?xml version="1.0" encoding="utf-8"?>
-<p:notes xmlns:a="http://schemas.openxmlformats.org/drawingml/2006/main" xmlns:r="http://schemas.openxmlformats.org/officeDocument/2006/relationships" xmlns:p="http://schemas.openxmlformats.org/presentationml/2006/main" showMasterSp="0" showMasterPhAnim="0">
-  <p:cSld>
-    <p:spTree>
-      <p:nvGrpSpPr>
-        <p:cNvPr id="1" name="Shape 243"/>
-        <p:cNvGrpSpPr/>
-        <p:nvPr/>
-      </p:nvGrpSpPr>
-      <p:grpSpPr>
-        <a:xfrm>
-          <a:off x="0" y="0"/>
-          <a:ext cx="0" cy="0"/>
-          <a:chOff x="0" y="0"/>
-          <a:chExt cx="0" cy="0"/>
-        </a:xfrm>
-      </p:grpSpPr>
-      <p:sp>
-        <p:nvSpPr>
-          <p:cNvPr id="244" name="Google Shape;244;g387ccd45540_0_81:notes"/>
-          <p:cNvSpPr>
-            <a:spLocks noGrp="1" noRot="1" noChangeAspect="1"/>
-          </p:cNvSpPr>
-          <p:nvPr>
-            <p:ph type="sldImg" idx="2"/>
-          </p:nvPr>
-        </p:nvSpPr>
-        <p:spPr>
-          <a:xfrm>
-            <a:off x="381300" y="685800"/>
-            <a:ext cx="6096000" cy="3429000"/>
-          </a:xfrm>
-          <a:custGeom>
-            <a:avLst/>
-            <a:gdLst/>
-            <a:ahLst/>
-            <a:cxnLst/>
-            <a:rect l="l" t="t" r="r" b="b"/>
-            <a:pathLst>
-              <a:path w="120000" h="120000" extrusionOk="0">
-                <a:moveTo>
-                  <a:pt x="0" y="0"/>
-                </a:moveTo>
-                <a:lnTo>
-                  <a:pt x="120000" y="0"/>
-                </a:lnTo>
-                <a:lnTo>
-                  <a:pt x="120000" y="120000"/>
-                </a:lnTo>
-                <a:lnTo>
-                  <a:pt x="0" y="120000"/>
-                </a:lnTo>
-                <a:close/>
-              </a:path>
-            </a:pathLst>
-          </a:custGeom>
-        </p:spPr>
-      </p:sp>
-      <p:sp>
-        <p:nvSpPr>
-          <p:cNvPr id="245" name="Google Shape;245;g387ccd45540_0_81:notes"/>
           <p:cNvSpPr txBox="1">
             <a:spLocks noGrp="1"/>
           </p:cNvSpPr>
@@ -2043,6 +2044,110 @@
   <p:cSld>
     <p:spTree>
       <p:nvGrpSpPr>
+        <p:cNvPr id="1" name="Shape 243"/>
+        <p:cNvGrpSpPr/>
+        <p:nvPr/>
+      </p:nvGrpSpPr>
+      <p:grpSpPr>
+        <a:xfrm>
+          <a:off x="0" y="0"/>
+          <a:ext cx="0" cy="0"/>
+          <a:chOff x="0" y="0"/>
+          <a:chExt cx="0" cy="0"/>
+        </a:xfrm>
+      </p:grpSpPr>
+      <p:sp>
+        <p:nvSpPr>
+          <p:cNvPr id="244" name="Google Shape;244;g387ccd45540_0_81:notes"/>
+          <p:cNvSpPr>
+            <a:spLocks noGrp="1" noRot="1" noChangeAspect="1"/>
+          </p:cNvSpPr>
+          <p:nvPr>
+            <p:ph type="sldImg" idx="2"/>
+          </p:nvPr>
+        </p:nvSpPr>
+        <p:spPr>
+          <a:xfrm>
+            <a:off x="381300" y="685800"/>
+            <a:ext cx="6096000" cy="3429000"/>
+          </a:xfrm>
+          <a:custGeom>
+            <a:avLst/>
+            <a:gdLst/>
+            <a:ahLst/>
+            <a:cxnLst/>
+            <a:rect l="l" t="t" r="r" b="b"/>
+            <a:pathLst>
+              <a:path w="120000" h="120000" extrusionOk="0">
+                <a:moveTo>
+                  <a:pt x="0" y="0"/>
+                </a:moveTo>
+                <a:lnTo>
+                  <a:pt x="120000" y="0"/>
+                </a:lnTo>
+                <a:lnTo>
+                  <a:pt x="120000" y="120000"/>
+                </a:lnTo>
+                <a:lnTo>
+                  <a:pt x="0" y="120000"/>
+                </a:lnTo>
+                <a:close/>
+              </a:path>
+            </a:pathLst>
+          </a:custGeom>
+        </p:spPr>
+      </p:sp>
+      <p:sp>
+        <p:nvSpPr>
+          <p:cNvPr id="245" name="Google Shape;245;g387ccd45540_0_81:notes"/>
+          <p:cNvSpPr txBox="1">
+            <a:spLocks noGrp="1"/>
+          </p:cNvSpPr>
+          <p:nvPr>
+            <p:ph type="body" idx="1"/>
+          </p:nvPr>
+        </p:nvSpPr>
+        <p:spPr>
+          <a:xfrm>
+            <a:off x="685800" y="4343400"/>
+            <a:ext cx="5486400" cy="4114800"/>
+          </a:xfrm>
+          <a:prstGeom prst="rect">
+            <a:avLst/>
+          </a:prstGeom>
+        </p:spPr>
+        <p:txBody>
+          <a:bodyPr spcFirstLastPara="1" wrap="square" lIns="91425" tIns="91425" rIns="91425" bIns="91425" anchor="t" anchorCtr="0">
+            <a:noAutofit/>
+          </a:bodyPr>
+          <a:lstStyle/>
+          <a:p>
+            <a:pPr marL="0" lvl="0" indent="0" algn="l" rtl="0">
+              <a:spcBef>
+                <a:spcPts val="0"/>
+              </a:spcBef>
+              <a:spcAft>
+                <a:spcPts val="0"/>
+              </a:spcAft>
+              <a:buNone/>
+            </a:pPr>
+            <a:endParaRPr/>
+          </a:p>
+        </p:txBody>
+      </p:sp>
+    </p:spTree>
+  </p:cSld>
+  <p:clrMapOvr>
+    <a:masterClrMapping/>
+  </p:clrMapOvr>
+</p:notes>
+</file>
+
+<file path=ppt/notesSlides/notesSlide21.xml><?xml version="1.0" encoding="utf-8"?>
+<p:notes xmlns:a="http://schemas.openxmlformats.org/drawingml/2006/main" xmlns:r="http://schemas.openxmlformats.org/officeDocument/2006/relationships" xmlns:p="http://schemas.openxmlformats.org/presentationml/2006/main" showMasterSp="0" showMasterPhAnim="0">
+  <p:cSld>
+    <p:spTree>
+      <p:nvGrpSpPr>
         <p:cNvPr id="1" name="Shape 249"/>
         <p:cNvGrpSpPr/>
         <p:nvPr/>
@@ -2142,7 +2247,7 @@
 </p:notes>
 </file>
 
-<file path=ppt/notesSlides/notesSlide21.xml><?xml version="1.0" encoding="utf-8"?>
+<file path=ppt/notesSlides/notesSlide22.xml><?xml version="1.0" encoding="utf-8"?>
 <p:notes xmlns:a="http://schemas.openxmlformats.org/drawingml/2006/main" xmlns:r="http://schemas.openxmlformats.org/officeDocument/2006/relationships" xmlns:p="http://schemas.openxmlformats.org/presentationml/2006/main" showMasterSp="0" showMasterPhAnim="0">
   <p:cSld>
     <p:spTree>
@@ -2246,7 +2351,7 @@
 </p:notes>
 </file>
 
-<file path=ppt/notesSlides/notesSlide22.xml><?xml version="1.0" encoding="utf-8"?>
+<file path=ppt/notesSlides/notesSlide23.xml><?xml version="1.0" encoding="utf-8"?>
 <p:notes xmlns:a="http://schemas.openxmlformats.org/drawingml/2006/main" xmlns:r="http://schemas.openxmlformats.org/officeDocument/2006/relationships" xmlns:p="http://schemas.openxmlformats.org/presentationml/2006/main" showMasterSp="0" showMasterPhAnim="0">
   <p:cSld>
     <p:spTree>
@@ -2350,7 +2455,7 @@
 </p:notes>
 </file>
 
-<file path=ppt/notesSlides/notesSlide23.xml><?xml version="1.0" encoding="utf-8"?>
+<file path=ppt/notesSlides/notesSlide24.xml><?xml version="1.0" encoding="utf-8"?>
 <p:notes xmlns:a="http://schemas.openxmlformats.org/drawingml/2006/main" xmlns:r="http://schemas.openxmlformats.org/officeDocument/2006/relationships" xmlns:p="http://schemas.openxmlformats.org/presentationml/2006/main" showMasterSp="0" showMasterPhAnim="0">
   <p:cSld>
     <p:spTree>
@@ -2454,7 +2559,7 @@
 </p:notes>
 </file>
 
-<file path=ppt/notesSlides/notesSlide24.xml><?xml version="1.0" encoding="utf-8"?>
+<file path=ppt/notesSlides/notesSlide25.xml><?xml version="1.0" encoding="utf-8"?>
 <p:notes xmlns:a="http://schemas.openxmlformats.org/drawingml/2006/main" xmlns:r="http://schemas.openxmlformats.org/officeDocument/2006/relationships" xmlns:p="http://schemas.openxmlformats.org/presentationml/2006/main" showMasterSp="0" showMasterPhAnim="0">
   <p:cSld>
     <p:spTree>
@@ -2558,7 +2663,7 @@
 </p:notes>
 </file>
 
-<file path=ppt/notesSlides/notesSlide25.xml><?xml version="1.0" encoding="utf-8"?>
+<file path=ppt/notesSlides/notesSlide26.xml><?xml version="1.0" encoding="utf-8"?>
 <p:notes xmlns:a="http://schemas.openxmlformats.org/drawingml/2006/main" xmlns:r="http://schemas.openxmlformats.org/officeDocument/2006/relationships" xmlns:p="http://schemas.openxmlformats.org/presentationml/2006/main" showMasterSp="0" showMasterPhAnim="0">
   <p:cSld>
     <p:spTree>
@@ -2662,7 +2767,7 @@
 </p:notes>
 </file>
 
-<file path=ppt/notesSlides/notesSlide26.xml><?xml version="1.0" encoding="utf-8"?>
+<file path=ppt/notesSlides/notesSlide27.xml><?xml version="1.0" encoding="utf-8"?>
 <p:notes xmlns:a="http://schemas.openxmlformats.org/drawingml/2006/main" xmlns:r="http://schemas.openxmlformats.org/officeDocument/2006/relationships" xmlns:p="http://schemas.openxmlformats.org/presentationml/2006/main" showMasterSp="0" showMasterPhAnim="0">
   <p:cSld>
     <p:spTree>
@@ -2766,7 +2871,7 @@
 </p:notes>
 </file>
 
-<file path=ppt/notesSlides/notesSlide27.xml><?xml version="1.0" encoding="utf-8"?>
+<file path=ppt/notesSlides/notesSlide28.xml><?xml version="1.0" encoding="utf-8"?>
 <p:notes xmlns:a="http://schemas.openxmlformats.org/drawingml/2006/main" xmlns:r="http://schemas.openxmlformats.org/officeDocument/2006/relationships" xmlns:p="http://schemas.openxmlformats.org/presentationml/2006/main" showMasterSp="0" showMasterPhAnim="0">
   <p:cSld>
     <p:spTree>
@@ -2870,7 +2975,7 @@
 </p:notes>
 </file>
 
-<file path=ppt/notesSlides/notesSlide28.xml><?xml version="1.0" encoding="utf-8"?>
+<file path=ppt/notesSlides/notesSlide29.xml><?xml version="1.0" encoding="utf-8"?>
 <p:notes xmlns:a="http://schemas.openxmlformats.org/drawingml/2006/main" xmlns:r="http://schemas.openxmlformats.org/officeDocument/2006/relationships" xmlns:p="http://schemas.openxmlformats.org/presentationml/2006/main" showMasterSp="0" showMasterPhAnim="0">
   <p:cSld>
     <p:spTree>
@@ -2931,110 +3036,6 @@
       <p:sp>
         <p:nvSpPr>
           <p:cNvPr id="299" name="Google Shape;299;g387ccd45540_0_143:notes"/>
-          <p:cNvSpPr txBox="1">
-            <a:spLocks noGrp="1"/>
-          </p:cNvSpPr>
-          <p:nvPr>
-            <p:ph type="body" idx="1"/>
-          </p:nvPr>
-        </p:nvSpPr>
-        <p:spPr>
-          <a:xfrm>
-            <a:off x="685800" y="4343400"/>
-            <a:ext cx="5486400" cy="4114800"/>
-          </a:xfrm>
-          <a:prstGeom prst="rect">
-            <a:avLst/>
-          </a:prstGeom>
-        </p:spPr>
-        <p:txBody>
-          <a:bodyPr spcFirstLastPara="1" wrap="square" lIns="91425" tIns="91425" rIns="91425" bIns="91425" anchor="t" anchorCtr="0">
-            <a:noAutofit/>
-          </a:bodyPr>
-          <a:lstStyle/>
-          <a:p>
-            <a:pPr marL="0" lvl="0" indent="0" algn="l" rtl="0">
-              <a:spcBef>
-                <a:spcPts val="0"/>
-              </a:spcBef>
-              <a:spcAft>
-                <a:spcPts val="0"/>
-              </a:spcAft>
-              <a:buNone/>
-            </a:pPr>
-            <a:endParaRPr/>
-          </a:p>
-        </p:txBody>
-      </p:sp>
-    </p:spTree>
-  </p:cSld>
-  <p:clrMapOvr>
-    <a:masterClrMapping/>
-  </p:clrMapOvr>
-</p:notes>
-</file>
-
-<file path=ppt/notesSlides/notesSlide29.xml><?xml version="1.0" encoding="utf-8"?>
-<p:notes xmlns:a="http://schemas.openxmlformats.org/drawingml/2006/main" xmlns:r="http://schemas.openxmlformats.org/officeDocument/2006/relationships" xmlns:p="http://schemas.openxmlformats.org/presentationml/2006/main" showMasterSp="0" showMasterPhAnim="0">
-  <p:cSld>
-    <p:spTree>
-      <p:nvGrpSpPr>
-        <p:cNvPr id="1" name="Shape 303"/>
-        <p:cNvGrpSpPr/>
-        <p:nvPr/>
-      </p:nvGrpSpPr>
-      <p:grpSpPr>
-        <a:xfrm>
-          <a:off x="0" y="0"/>
-          <a:ext cx="0" cy="0"/>
-          <a:chOff x="0" y="0"/>
-          <a:chExt cx="0" cy="0"/>
-        </a:xfrm>
-      </p:grpSpPr>
-      <p:sp>
-        <p:nvSpPr>
-          <p:cNvPr id="304" name="Google Shape;304;g387ccd45540_0_52:notes"/>
-          <p:cNvSpPr>
-            <a:spLocks noGrp="1" noRot="1" noChangeAspect="1"/>
-          </p:cNvSpPr>
-          <p:nvPr>
-            <p:ph type="sldImg" idx="2"/>
-          </p:nvPr>
-        </p:nvSpPr>
-        <p:spPr>
-          <a:xfrm>
-            <a:off x="381300" y="685800"/>
-            <a:ext cx="6096000" cy="3429000"/>
-          </a:xfrm>
-          <a:custGeom>
-            <a:avLst/>
-            <a:gdLst/>
-            <a:ahLst/>
-            <a:cxnLst/>
-            <a:rect l="l" t="t" r="r" b="b"/>
-            <a:pathLst>
-              <a:path w="120000" h="120000" extrusionOk="0">
-                <a:moveTo>
-                  <a:pt x="0" y="0"/>
-                </a:moveTo>
-                <a:lnTo>
-                  <a:pt x="120000" y="0"/>
-                </a:lnTo>
-                <a:lnTo>
-                  <a:pt x="120000" y="120000"/>
-                </a:lnTo>
-                <a:lnTo>
-                  <a:pt x="0" y="120000"/>
-                </a:lnTo>
-                <a:close/>
-              </a:path>
-            </a:pathLst>
-          </a:custGeom>
-        </p:spPr>
-      </p:sp>
-      <p:sp>
-        <p:nvSpPr>
-          <p:cNvPr id="305" name="Google Shape;305;g387ccd45540_0_52:notes"/>
           <p:cNvSpPr txBox="1">
             <a:spLocks noGrp="1"/>
           </p:cNvSpPr>
@@ -3187,6 +3188,110 @@
   <p:cSld>
     <p:spTree>
       <p:nvGrpSpPr>
+        <p:cNvPr id="1" name="Shape 303"/>
+        <p:cNvGrpSpPr/>
+        <p:nvPr/>
+      </p:nvGrpSpPr>
+      <p:grpSpPr>
+        <a:xfrm>
+          <a:off x="0" y="0"/>
+          <a:ext cx="0" cy="0"/>
+          <a:chOff x="0" y="0"/>
+          <a:chExt cx="0" cy="0"/>
+        </a:xfrm>
+      </p:grpSpPr>
+      <p:sp>
+        <p:nvSpPr>
+          <p:cNvPr id="304" name="Google Shape;304;g387ccd45540_0_52:notes"/>
+          <p:cNvSpPr>
+            <a:spLocks noGrp="1" noRot="1" noChangeAspect="1"/>
+          </p:cNvSpPr>
+          <p:nvPr>
+            <p:ph type="sldImg" idx="2"/>
+          </p:nvPr>
+        </p:nvSpPr>
+        <p:spPr>
+          <a:xfrm>
+            <a:off x="381300" y="685800"/>
+            <a:ext cx="6096000" cy="3429000"/>
+          </a:xfrm>
+          <a:custGeom>
+            <a:avLst/>
+            <a:gdLst/>
+            <a:ahLst/>
+            <a:cxnLst/>
+            <a:rect l="l" t="t" r="r" b="b"/>
+            <a:pathLst>
+              <a:path w="120000" h="120000" extrusionOk="0">
+                <a:moveTo>
+                  <a:pt x="0" y="0"/>
+                </a:moveTo>
+                <a:lnTo>
+                  <a:pt x="120000" y="0"/>
+                </a:lnTo>
+                <a:lnTo>
+                  <a:pt x="120000" y="120000"/>
+                </a:lnTo>
+                <a:lnTo>
+                  <a:pt x="0" y="120000"/>
+                </a:lnTo>
+                <a:close/>
+              </a:path>
+            </a:pathLst>
+          </a:custGeom>
+        </p:spPr>
+      </p:sp>
+      <p:sp>
+        <p:nvSpPr>
+          <p:cNvPr id="305" name="Google Shape;305;g387ccd45540_0_52:notes"/>
+          <p:cNvSpPr txBox="1">
+            <a:spLocks noGrp="1"/>
+          </p:cNvSpPr>
+          <p:nvPr>
+            <p:ph type="body" idx="1"/>
+          </p:nvPr>
+        </p:nvSpPr>
+        <p:spPr>
+          <a:xfrm>
+            <a:off x="685800" y="4343400"/>
+            <a:ext cx="5486400" cy="4114800"/>
+          </a:xfrm>
+          <a:prstGeom prst="rect">
+            <a:avLst/>
+          </a:prstGeom>
+        </p:spPr>
+        <p:txBody>
+          <a:bodyPr spcFirstLastPara="1" wrap="square" lIns="91425" tIns="91425" rIns="91425" bIns="91425" anchor="t" anchorCtr="0">
+            <a:noAutofit/>
+          </a:bodyPr>
+          <a:lstStyle/>
+          <a:p>
+            <a:pPr marL="0" lvl="0" indent="0" algn="l" rtl="0">
+              <a:spcBef>
+                <a:spcPts val="0"/>
+              </a:spcBef>
+              <a:spcAft>
+                <a:spcPts val="0"/>
+              </a:spcAft>
+              <a:buNone/>
+            </a:pPr>
+            <a:endParaRPr/>
+          </a:p>
+        </p:txBody>
+      </p:sp>
+    </p:spTree>
+  </p:cSld>
+  <p:clrMapOvr>
+    <a:masterClrMapping/>
+  </p:clrMapOvr>
+</p:notes>
+</file>
+
+<file path=ppt/notesSlides/notesSlide31.xml><?xml version="1.0" encoding="utf-8"?>
+<p:notes xmlns:a="http://schemas.openxmlformats.org/drawingml/2006/main" xmlns:r="http://schemas.openxmlformats.org/officeDocument/2006/relationships" xmlns:p="http://schemas.openxmlformats.org/presentationml/2006/main" showMasterSp="0" showMasterPhAnim="0">
+  <p:cSld>
+    <p:spTree>
+      <p:nvGrpSpPr>
         <p:cNvPr id="1" name="Shape 309"/>
         <p:cNvGrpSpPr/>
         <p:nvPr/>
@@ -3286,7 +3391,7 @@
 </p:notes>
 </file>
 
-<file path=ppt/notesSlides/notesSlide31.xml><?xml version="1.0" encoding="utf-8"?>
+<file path=ppt/notesSlides/notesSlide32.xml><?xml version="1.0" encoding="utf-8"?>
 <p:notes xmlns:a="http://schemas.openxmlformats.org/drawingml/2006/main" xmlns:r="http://schemas.openxmlformats.org/officeDocument/2006/relationships" xmlns:p="http://schemas.openxmlformats.org/presentationml/2006/main" showMasterSp="0" showMasterPhAnim="0">
   <p:cSld>
     <p:spTree>
@@ -3390,7 +3495,7 @@
 </p:notes>
 </file>
 
-<file path=ppt/notesSlides/notesSlide32.xml><?xml version="1.0" encoding="utf-8"?>
+<file path=ppt/notesSlides/notesSlide33.xml><?xml version="1.0" encoding="utf-8"?>
 <p:notes xmlns:a="http://schemas.openxmlformats.org/drawingml/2006/main" xmlns:r="http://schemas.openxmlformats.org/officeDocument/2006/relationships" xmlns:p="http://schemas.openxmlformats.org/presentationml/2006/main" showMasterSp="0" showMasterPhAnim="0">
   <p:cSld>
     <p:spTree>
@@ -3494,7 +3599,7 @@
 </p:notes>
 </file>
 
-<file path=ppt/notesSlides/notesSlide33.xml><?xml version="1.0" encoding="utf-8"?>
+<file path=ppt/notesSlides/notesSlide34.xml><?xml version="1.0" encoding="utf-8"?>
 <p:notes xmlns:a="http://schemas.openxmlformats.org/drawingml/2006/main" xmlns:r="http://schemas.openxmlformats.org/officeDocument/2006/relationships" xmlns:p="http://schemas.openxmlformats.org/presentationml/2006/main" showMasterSp="0" showMasterPhAnim="0">
   <p:cSld>
     <p:spTree>
@@ -3598,7 +3703,7 @@
 </p:notes>
 </file>
 
-<file path=ppt/notesSlides/notesSlide34.xml><?xml version="1.0" encoding="utf-8"?>
+<file path=ppt/notesSlides/notesSlide35.xml><?xml version="1.0" encoding="utf-8"?>
 <p:notes xmlns:a="http://schemas.openxmlformats.org/drawingml/2006/main" xmlns:r="http://schemas.openxmlformats.org/officeDocument/2006/relationships" xmlns:p="http://schemas.openxmlformats.org/presentationml/2006/main" showMasterSp="0" showMasterPhAnim="0">
   <p:cSld>
     <p:spTree>
@@ -3702,7 +3807,7 @@
 </p:notes>
 </file>
 
-<file path=ppt/notesSlides/notesSlide35.xml><?xml version="1.0" encoding="utf-8"?>
+<file path=ppt/notesSlides/notesSlide36.xml><?xml version="1.0" encoding="utf-8"?>
 <p:notes xmlns:a="http://schemas.openxmlformats.org/drawingml/2006/main" xmlns:r="http://schemas.openxmlformats.org/officeDocument/2006/relationships" xmlns:p="http://schemas.openxmlformats.org/presentationml/2006/main" showMasterSp="0" showMasterPhAnim="0">
   <p:cSld>
     <p:spTree>
@@ -3806,7 +3911,7 @@
 </p:notes>
 </file>
 
-<file path=ppt/notesSlides/notesSlide36.xml><?xml version="1.0" encoding="utf-8"?>
+<file path=ppt/notesSlides/notesSlide37.xml><?xml version="1.0" encoding="utf-8"?>
 <p:notes xmlns:a="http://schemas.openxmlformats.org/drawingml/2006/main" xmlns:r="http://schemas.openxmlformats.org/officeDocument/2006/relationships" xmlns:p="http://schemas.openxmlformats.org/presentationml/2006/main" showMasterSp="0" showMasterPhAnim="0">
   <p:cSld>
     <p:spTree>
@@ -3910,7 +4015,7 @@
 </p:notes>
 </file>
 
-<file path=ppt/notesSlides/notesSlide37.xml><?xml version="1.0" encoding="utf-8"?>
+<file path=ppt/notesSlides/notesSlide38.xml><?xml version="1.0" encoding="utf-8"?>
 <p:notes xmlns:a="http://schemas.openxmlformats.org/drawingml/2006/main" xmlns:r="http://schemas.openxmlformats.org/officeDocument/2006/relationships" xmlns:p="http://schemas.openxmlformats.org/presentationml/2006/main" showMasterSp="0" showMasterPhAnim="0">
   <p:cSld>
     <p:spTree>
@@ -4014,7 +4119,7 @@
 </p:notes>
 </file>
 
-<file path=ppt/notesSlides/notesSlide38.xml><?xml version="1.0" encoding="utf-8"?>
+<file path=ppt/notesSlides/notesSlide39.xml><?xml version="1.0" encoding="utf-8"?>
 <p:notes xmlns:a="http://schemas.openxmlformats.org/drawingml/2006/main" xmlns:r="http://schemas.openxmlformats.org/officeDocument/2006/relationships" xmlns:p="http://schemas.openxmlformats.org/presentationml/2006/main" showMasterSp="0" showMasterPhAnim="0">
   <p:cSld>
     <p:spTree>
@@ -4118,7 +4223,111 @@
 </p:notes>
 </file>
 
-<file path=ppt/notesSlides/notesSlide39.xml><?xml version="1.0" encoding="utf-8"?>
+<file path=ppt/notesSlides/notesSlide4.xml><?xml version="1.0" encoding="utf-8"?>
+<p:notes xmlns:a="http://schemas.openxmlformats.org/drawingml/2006/main" xmlns:r="http://schemas.openxmlformats.org/officeDocument/2006/relationships" xmlns:p="http://schemas.openxmlformats.org/presentationml/2006/main" showMasterSp="0" showMasterPhAnim="0">
+  <p:cSld>
+    <p:spTree>
+      <p:nvGrpSpPr>
+        <p:cNvPr id="1" name="Shape 149"/>
+        <p:cNvGrpSpPr/>
+        <p:nvPr/>
+      </p:nvGrpSpPr>
+      <p:grpSpPr>
+        <a:xfrm>
+          <a:off x="0" y="0"/>
+          <a:ext cx="0" cy="0"/>
+          <a:chOff x="0" y="0"/>
+          <a:chExt cx="0" cy="0"/>
+        </a:xfrm>
+      </p:grpSpPr>
+      <p:sp>
+        <p:nvSpPr>
+          <p:cNvPr id="150" name="Google Shape;150;g387fc3b36c7_0_10:notes"/>
+          <p:cNvSpPr>
+            <a:spLocks noGrp="1" noRot="1" noChangeAspect="1"/>
+          </p:cNvSpPr>
+          <p:nvPr>
+            <p:ph type="sldImg" idx="2"/>
+          </p:nvPr>
+        </p:nvSpPr>
+        <p:spPr>
+          <a:xfrm>
+            <a:off x="381300" y="685800"/>
+            <a:ext cx="6096000" cy="3429000"/>
+          </a:xfrm>
+          <a:custGeom>
+            <a:avLst/>
+            <a:gdLst/>
+            <a:ahLst/>
+            <a:cxnLst/>
+            <a:rect l="l" t="t" r="r" b="b"/>
+            <a:pathLst>
+              <a:path w="120000" h="120000" extrusionOk="0">
+                <a:moveTo>
+                  <a:pt x="0" y="0"/>
+                </a:moveTo>
+                <a:lnTo>
+                  <a:pt x="120000" y="0"/>
+                </a:lnTo>
+                <a:lnTo>
+                  <a:pt x="120000" y="120000"/>
+                </a:lnTo>
+                <a:lnTo>
+                  <a:pt x="0" y="120000"/>
+                </a:lnTo>
+                <a:close/>
+              </a:path>
+            </a:pathLst>
+          </a:custGeom>
+        </p:spPr>
+      </p:sp>
+      <p:sp>
+        <p:nvSpPr>
+          <p:cNvPr id="151" name="Google Shape;151;g387fc3b36c7_0_10:notes"/>
+          <p:cNvSpPr txBox="1">
+            <a:spLocks noGrp="1"/>
+          </p:cNvSpPr>
+          <p:nvPr>
+            <p:ph type="body" idx="1"/>
+          </p:nvPr>
+        </p:nvSpPr>
+        <p:spPr>
+          <a:xfrm>
+            <a:off x="685800" y="4343400"/>
+            <a:ext cx="5486400" cy="4114800"/>
+          </a:xfrm>
+          <a:prstGeom prst="rect">
+            <a:avLst/>
+          </a:prstGeom>
+        </p:spPr>
+        <p:txBody>
+          <a:bodyPr spcFirstLastPara="1" wrap="square" lIns="91425" tIns="91425" rIns="91425" bIns="91425" anchor="t" anchorCtr="0">
+            <a:noAutofit/>
+          </a:bodyPr>
+          <a:lstStyle/>
+          <a:p>
+            <a:pPr marL="0" lvl="0" indent="0" algn="l" rtl="0">
+              <a:spcBef>
+                <a:spcPts val="0"/>
+              </a:spcBef>
+              <a:spcAft>
+                <a:spcPts val="0"/>
+              </a:spcAft>
+              <a:buNone/>
+            </a:pPr>
+            <a:endParaRPr/>
+          </a:p>
+        </p:txBody>
+      </p:sp>
+    </p:spTree>
+  </p:cSld>
+  <p:clrMapOvr>
+    <a:masterClrMapping/>
+  </p:clrMapOvr>
+</p:notes>
+</file>
+
+<file path=ppt/notesSlides/notesSlide40.xml><?xml version="1.0" encoding="utf-8"?>
 <p:notes xmlns:a="http://schemas.openxmlformats.org/drawingml/2006/main" xmlns:r="http://schemas.openxmlformats.org/officeDocument/2006/relationships" xmlns:p="http://schemas.openxmlformats.org/presentationml/2006/main" showMasterSp="0" showMasterPhAnim="0">
   <p:cSld>
     <p:spTree>
@@ -4222,111 +4431,7 @@
 </p:notes>
 </file>
 
-<file path=ppt/notesSlides/notesSlide4.xml><?xml version="1.0" encoding="utf-8"?>
-<p:notes xmlns:a="http://schemas.openxmlformats.org/drawingml/2006/main" xmlns:r="http://schemas.openxmlformats.org/officeDocument/2006/relationships" xmlns:p="http://schemas.openxmlformats.org/presentationml/2006/main" showMasterSp="0" showMasterPhAnim="0">
-  <p:cSld>
-    <p:spTree>
-      <p:nvGrpSpPr>
-        <p:cNvPr id="1" name="Shape 149"/>
-        <p:cNvGrpSpPr/>
-        <p:nvPr/>
-      </p:nvGrpSpPr>
-      <p:grpSpPr>
-        <a:xfrm>
-          <a:off x="0" y="0"/>
-          <a:ext cx="0" cy="0"/>
-          <a:chOff x="0" y="0"/>
-          <a:chExt cx="0" cy="0"/>
-        </a:xfrm>
-      </p:grpSpPr>
-      <p:sp>
-        <p:nvSpPr>
-          <p:cNvPr id="150" name="Google Shape;150;g387fc3b36c7_0_10:notes"/>
-          <p:cNvSpPr>
-            <a:spLocks noGrp="1" noRot="1" noChangeAspect="1"/>
-          </p:cNvSpPr>
-          <p:nvPr>
-            <p:ph type="sldImg" idx="2"/>
-          </p:nvPr>
-        </p:nvSpPr>
-        <p:spPr>
-          <a:xfrm>
-            <a:off x="381000" y="685800"/>
-            <a:ext cx="6096000" cy="3429000"/>
-          </a:xfrm>
-          <a:custGeom>
-            <a:avLst/>
-            <a:gdLst/>
-            <a:ahLst/>
-            <a:cxnLst/>
-            <a:rect l="l" t="t" r="r" b="b"/>
-            <a:pathLst>
-              <a:path w="120000" h="120000" extrusionOk="0">
-                <a:moveTo>
-                  <a:pt x="0" y="0"/>
-                </a:moveTo>
-                <a:lnTo>
-                  <a:pt x="120000" y="0"/>
-                </a:lnTo>
-                <a:lnTo>
-                  <a:pt x="120000" y="120000"/>
-                </a:lnTo>
-                <a:lnTo>
-                  <a:pt x="0" y="120000"/>
-                </a:lnTo>
-                <a:close/>
-              </a:path>
-            </a:pathLst>
-          </a:custGeom>
-        </p:spPr>
-      </p:sp>
-      <p:sp>
-        <p:nvSpPr>
-          <p:cNvPr id="151" name="Google Shape;151;g387fc3b36c7_0_10:notes"/>
-          <p:cNvSpPr txBox="1">
-            <a:spLocks noGrp="1"/>
-          </p:cNvSpPr>
-          <p:nvPr>
-            <p:ph type="body" idx="1"/>
-          </p:nvPr>
-        </p:nvSpPr>
-        <p:spPr>
-          <a:xfrm>
-            <a:off x="685800" y="4343400"/>
-            <a:ext cx="5486400" cy="4114800"/>
-          </a:xfrm>
-          <a:prstGeom prst="rect">
-            <a:avLst/>
-          </a:prstGeom>
-        </p:spPr>
-        <p:txBody>
-          <a:bodyPr spcFirstLastPara="1" wrap="square" lIns="91425" tIns="91425" rIns="91425" bIns="91425" anchor="t" anchorCtr="0">
-            <a:noAutofit/>
-          </a:bodyPr>
-          <a:lstStyle/>
-          <a:p>
-            <a:pPr marL="0" lvl="0" indent="0" algn="l" rtl="0">
-              <a:spcBef>
-                <a:spcPts val="0"/>
-              </a:spcBef>
-              <a:spcAft>
-                <a:spcPts val="0"/>
-              </a:spcAft>
-              <a:buNone/>
-            </a:pPr>
-            <a:endParaRPr/>
-          </a:p>
-        </p:txBody>
-      </p:sp>
-    </p:spTree>
-  </p:cSld>
-  <p:clrMapOvr>
-    <a:masterClrMapping/>
-  </p:clrMapOvr>
-</p:notes>
-</file>
-
-<file path=ppt/notesSlides/notesSlide40.xml><?xml version="1.0" encoding="utf-8"?>
+<file path=ppt/notesSlides/notesSlide41.xml><?xml version="1.0" encoding="utf-8"?>
 <p:notes xmlns:a="http://schemas.openxmlformats.org/drawingml/2006/main" xmlns:r="http://schemas.openxmlformats.org/officeDocument/2006/relationships" xmlns:p="http://schemas.openxmlformats.org/presentationml/2006/main" showMasterSp="0" showMasterPhAnim="0">
   <p:cSld>
     <p:spTree>
@@ -4430,7 +4535,7 @@
 </p:notes>
 </file>
 
-<file path=ppt/notesSlides/notesSlide41.xml><?xml version="1.0" encoding="utf-8"?>
+<file path=ppt/notesSlides/notesSlide42.xml><?xml version="1.0" encoding="utf-8"?>
 <p:notes xmlns:a="http://schemas.openxmlformats.org/drawingml/2006/main" xmlns:r="http://schemas.openxmlformats.org/officeDocument/2006/relationships" xmlns:p="http://schemas.openxmlformats.org/presentationml/2006/main" showMasterSp="0" showMasterPhAnim="0">
   <p:cSld>
     <p:spTree>
@@ -4534,7 +4639,7 @@
 </p:notes>
 </file>
 
-<file path=ppt/notesSlides/notesSlide42.xml><?xml version="1.0" encoding="utf-8"?>
+<file path=ppt/notesSlides/notesSlide43.xml><?xml version="1.0" encoding="utf-8"?>
 <p:notes xmlns:a="http://schemas.openxmlformats.org/drawingml/2006/main" xmlns:r="http://schemas.openxmlformats.org/officeDocument/2006/relationships" xmlns:p="http://schemas.openxmlformats.org/presentationml/2006/main" showMasterSp="0" showMasterPhAnim="0">
   <p:cSld>
     <p:spTree>
@@ -4638,7 +4743,7 @@
 </p:notes>
 </file>
 
-<file path=ppt/notesSlides/notesSlide43.xml><?xml version="1.0" encoding="utf-8"?>
+<file path=ppt/notesSlides/notesSlide44.xml><?xml version="1.0" encoding="utf-8"?>
 <p:notes xmlns:a="http://schemas.openxmlformats.org/drawingml/2006/main" xmlns:r="http://schemas.openxmlformats.org/officeDocument/2006/relationships" xmlns:p="http://schemas.openxmlformats.org/presentationml/2006/main" showMasterSp="0" showMasterPhAnim="0">
   <p:cSld>
     <p:spTree>
@@ -4742,7 +4847,7 @@
 </p:notes>
 </file>
 
-<file path=ppt/notesSlides/notesSlide44.xml><?xml version="1.0" encoding="utf-8"?>
+<file path=ppt/notesSlides/notesSlide45.xml><?xml version="1.0" encoding="utf-8"?>
 <p:notes xmlns:a="http://schemas.openxmlformats.org/drawingml/2006/main" xmlns:r="http://schemas.openxmlformats.org/officeDocument/2006/relationships" xmlns:p="http://schemas.openxmlformats.org/presentationml/2006/main" showMasterSp="0" showMasterPhAnim="0">
   <p:cSld>
     <p:spTree>
@@ -4846,7 +4951,7 @@
 </p:notes>
 </file>
 
-<file path=ppt/notesSlides/notesSlide45.xml><?xml version="1.0" encoding="utf-8"?>
+<file path=ppt/notesSlides/notesSlide46.xml><?xml version="1.0" encoding="utf-8"?>
 <p:notes xmlns:a="http://schemas.openxmlformats.org/drawingml/2006/main" xmlns:r="http://schemas.openxmlformats.org/officeDocument/2006/relationships" xmlns:p="http://schemas.openxmlformats.org/presentationml/2006/main" showMasterSp="0" showMasterPhAnim="0">
   <p:cSld>
     <p:spTree>
@@ -4950,7 +5055,7 @@
 </p:notes>
 </file>
 
-<file path=ppt/notesSlides/notesSlide46.xml><?xml version="1.0" encoding="utf-8"?>
+<file path=ppt/notesSlides/notesSlide47.xml><?xml version="1.0" encoding="utf-8"?>
 <p:notes xmlns:a="http://schemas.openxmlformats.org/drawingml/2006/main" xmlns:r="http://schemas.openxmlformats.org/officeDocument/2006/relationships" xmlns:p="http://schemas.openxmlformats.org/presentationml/2006/main" showMasterSp="0" showMasterPhAnim="0">
   <p:cSld>
     <p:spTree>
@@ -5054,7 +5159,7 @@
 </p:notes>
 </file>
 
-<file path=ppt/notesSlides/notesSlide47.xml><?xml version="1.0" encoding="utf-8"?>
+<file path=ppt/notesSlides/notesSlide48.xml><?xml version="1.0" encoding="utf-8"?>
 <p:notes xmlns:a="http://schemas.openxmlformats.org/drawingml/2006/main" xmlns:r="http://schemas.openxmlformats.org/officeDocument/2006/relationships" xmlns:p="http://schemas.openxmlformats.org/presentationml/2006/main" showMasterSp="0" showMasterPhAnim="0">
   <p:cSld>
     <p:spTree>
@@ -5158,7 +5263,7 @@
 </p:notes>
 </file>
 
-<file path=ppt/notesSlides/notesSlide48.xml><?xml version="1.0" encoding="utf-8"?>
+<file path=ppt/notesSlides/notesSlide49.xml><?xml version="1.0" encoding="utf-8"?>
 <p:notes xmlns:a="http://schemas.openxmlformats.org/drawingml/2006/main" xmlns:r="http://schemas.openxmlformats.org/officeDocument/2006/relationships" xmlns:p="http://schemas.openxmlformats.org/presentationml/2006/main" showMasterSp="0" showMasterPhAnim="0">
   <p:cSld>
     <p:spTree>
@@ -5262,7 +5367,111 @@
 </p:notes>
 </file>
 
-<file path=ppt/notesSlides/notesSlide49.xml><?xml version="1.0" encoding="utf-8"?>
+<file path=ppt/notesSlides/notesSlide5.xml><?xml version="1.0" encoding="utf-8"?>
+<p:notes xmlns:a="http://schemas.openxmlformats.org/drawingml/2006/main" xmlns:r="http://schemas.openxmlformats.org/officeDocument/2006/relationships" xmlns:p="http://schemas.openxmlformats.org/presentationml/2006/main" showMasterSp="0" showMasterPhAnim="0">
+  <p:cSld>
+    <p:spTree>
+      <p:nvGrpSpPr>
+        <p:cNvPr id="1" name="Shape 155"/>
+        <p:cNvGrpSpPr/>
+        <p:nvPr/>
+      </p:nvGrpSpPr>
+      <p:grpSpPr>
+        <a:xfrm>
+          <a:off x="0" y="0"/>
+          <a:ext cx="0" cy="0"/>
+          <a:chOff x="0" y="0"/>
+          <a:chExt cx="0" cy="0"/>
+        </a:xfrm>
+      </p:grpSpPr>
+      <p:sp>
+        <p:nvSpPr>
+          <p:cNvPr id="156" name="Google Shape;156;g387fc3b36c7_0_17:notes"/>
+          <p:cNvSpPr>
+            <a:spLocks noGrp="1" noRot="1" noChangeAspect="1"/>
+          </p:cNvSpPr>
+          <p:nvPr>
+            <p:ph type="sldImg" idx="2"/>
+          </p:nvPr>
+        </p:nvSpPr>
+        <p:spPr>
+          <a:xfrm>
+            <a:off x="381300" y="685800"/>
+            <a:ext cx="6096000" cy="3429000"/>
+          </a:xfrm>
+          <a:custGeom>
+            <a:avLst/>
+            <a:gdLst/>
+            <a:ahLst/>
+            <a:cxnLst/>
+            <a:rect l="l" t="t" r="r" b="b"/>
+            <a:pathLst>
+              <a:path w="120000" h="120000" extrusionOk="0">
+                <a:moveTo>
+                  <a:pt x="0" y="0"/>
+                </a:moveTo>
+                <a:lnTo>
+                  <a:pt x="120000" y="0"/>
+                </a:lnTo>
+                <a:lnTo>
+                  <a:pt x="120000" y="120000"/>
+                </a:lnTo>
+                <a:lnTo>
+                  <a:pt x="0" y="120000"/>
+                </a:lnTo>
+                <a:close/>
+              </a:path>
+            </a:pathLst>
+          </a:custGeom>
+        </p:spPr>
+      </p:sp>
+      <p:sp>
+        <p:nvSpPr>
+          <p:cNvPr id="157" name="Google Shape;157;g387fc3b36c7_0_17:notes"/>
+          <p:cNvSpPr txBox="1">
+            <a:spLocks noGrp="1"/>
+          </p:cNvSpPr>
+          <p:nvPr>
+            <p:ph type="body" idx="1"/>
+          </p:nvPr>
+        </p:nvSpPr>
+        <p:spPr>
+          <a:xfrm>
+            <a:off x="685800" y="4343400"/>
+            <a:ext cx="5486400" cy="4114800"/>
+          </a:xfrm>
+          <a:prstGeom prst="rect">
+            <a:avLst/>
+          </a:prstGeom>
+        </p:spPr>
+        <p:txBody>
+          <a:bodyPr spcFirstLastPara="1" wrap="square" lIns="91425" tIns="91425" rIns="91425" bIns="91425" anchor="t" anchorCtr="0">
+            <a:noAutofit/>
+          </a:bodyPr>
+          <a:lstStyle/>
+          <a:p>
+            <a:pPr marL="0" lvl="0" indent="0" algn="l" rtl="0">
+              <a:spcBef>
+                <a:spcPts val="0"/>
+              </a:spcBef>
+              <a:spcAft>
+                <a:spcPts val="0"/>
+              </a:spcAft>
+              <a:buNone/>
+            </a:pPr>
+            <a:endParaRPr/>
+          </a:p>
+        </p:txBody>
+      </p:sp>
+    </p:spTree>
+  </p:cSld>
+  <p:clrMapOvr>
+    <a:masterClrMapping/>
+  </p:clrMapOvr>
+</p:notes>
+</file>
+
+<file path=ppt/notesSlides/notesSlide50.xml><?xml version="1.0" encoding="utf-8"?>
 <p:notes xmlns:a="http://schemas.openxmlformats.org/drawingml/2006/main" xmlns:r="http://schemas.openxmlformats.org/officeDocument/2006/relationships" xmlns:p="http://schemas.openxmlformats.org/presentationml/2006/main" showMasterSp="0" showMasterPhAnim="0">
   <p:cSld>
     <p:spTree>
@@ -5366,7 +5575,943 @@
 </p:notes>
 </file>
 
-<file path=ppt/notesSlides/notesSlide5.xml><?xml version="1.0" encoding="utf-8"?>
+<file path=ppt/notesSlides/notesSlide51.xml><?xml version="1.0" encoding="utf-8"?>
+<p:notes xmlns:a="http://schemas.openxmlformats.org/drawingml/2006/main" xmlns:r="http://schemas.openxmlformats.org/officeDocument/2006/relationships" xmlns:p="http://schemas.openxmlformats.org/presentationml/2006/main" showMasterSp="0" showMasterPhAnim="0">
+  <p:cSld>
+    <p:spTree>
+      <p:nvGrpSpPr>
+        <p:cNvPr id="1" name="Shape 425"/>
+        <p:cNvGrpSpPr/>
+        <p:nvPr/>
+      </p:nvGrpSpPr>
+      <p:grpSpPr>
+        <a:xfrm>
+          <a:off x="0" y="0"/>
+          <a:ext cx="0" cy="0"/>
+          <a:chOff x="0" y="0"/>
+          <a:chExt cx="0" cy="0"/>
+        </a:xfrm>
+      </p:grpSpPr>
+      <p:sp>
+        <p:nvSpPr>
+          <p:cNvPr id="426" name="Google Shape;426;g387ccd45540_0_277:notes"/>
+          <p:cNvSpPr>
+            <a:spLocks noGrp="1" noRot="1" noChangeAspect="1"/>
+          </p:cNvSpPr>
+          <p:nvPr>
+            <p:ph type="sldImg" idx="2"/>
+          </p:nvPr>
+        </p:nvSpPr>
+        <p:spPr>
+          <a:xfrm>
+            <a:off x="381300" y="685800"/>
+            <a:ext cx="6096000" cy="3429000"/>
+          </a:xfrm>
+          <a:custGeom>
+            <a:avLst/>
+            <a:gdLst/>
+            <a:ahLst/>
+            <a:cxnLst/>
+            <a:rect l="l" t="t" r="r" b="b"/>
+            <a:pathLst>
+              <a:path w="120000" h="120000" extrusionOk="0">
+                <a:moveTo>
+                  <a:pt x="0" y="0"/>
+                </a:moveTo>
+                <a:lnTo>
+                  <a:pt x="120000" y="0"/>
+                </a:lnTo>
+                <a:lnTo>
+                  <a:pt x="120000" y="120000"/>
+                </a:lnTo>
+                <a:lnTo>
+                  <a:pt x="0" y="120000"/>
+                </a:lnTo>
+                <a:close/>
+              </a:path>
+            </a:pathLst>
+          </a:custGeom>
+        </p:spPr>
+      </p:sp>
+      <p:sp>
+        <p:nvSpPr>
+          <p:cNvPr id="427" name="Google Shape;427;g387ccd45540_0_277:notes"/>
+          <p:cNvSpPr txBox="1">
+            <a:spLocks noGrp="1"/>
+          </p:cNvSpPr>
+          <p:nvPr>
+            <p:ph type="body" idx="1"/>
+          </p:nvPr>
+        </p:nvSpPr>
+        <p:spPr>
+          <a:xfrm>
+            <a:off x="685800" y="4343400"/>
+            <a:ext cx="5486400" cy="4114800"/>
+          </a:xfrm>
+          <a:prstGeom prst="rect">
+            <a:avLst/>
+          </a:prstGeom>
+        </p:spPr>
+        <p:txBody>
+          <a:bodyPr spcFirstLastPara="1" wrap="square" lIns="91425" tIns="91425" rIns="91425" bIns="91425" anchor="t" anchorCtr="0">
+            <a:noAutofit/>
+          </a:bodyPr>
+          <a:lstStyle/>
+          <a:p>
+            <a:pPr marL="0" lvl="0" indent="0" algn="l" rtl="0">
+              <a:spcBef>
+                <a:spcPts val="0"/>
+              </a:spcBef>
+              <a:spcAft>
+                <a:spcPts val="0"/>
+              </a:spcAft>
+              <a:buNone/>
+            </a:pPr>
+            <a:endParaRPr/>
+          </a:p>
+        </p:txBody>
+      </p:sp>
+    </p:spTree>
+  </p:cSld>
+  <p:clrMapOvr>
+    <a:masterClrMapping/>
+  </p:clrMapOvr>
+</p:notes>
+</file>
+
+<file path=ppt/notesSlides/notesSlide52.xml><?xml version="1.0" encoding="utf-8"?>
+<p:notes xmlns:a="http://schemas.openxmlformats.org/drawingml/2006/main" xmlns:r="http://schemas.openxmlformats.org/officeDocument/2006/relationships" xmlns:p="http://schemas.openxmlformats.org/presentationml/2006/main" showMasterSp="0" showMasterPhAnim="0">
+  <p:cSld>
+    <p:spTree>
+      <p:nvGrpSpPr>
+        <p:cNvPr id="1" name="Shape 430"/>
+        <p:cNvGrpSpPr/>
+        <p:nvPr/>
+      </p:nvGrpSpPr>
+      <p:grpSpPr>
+        <a:xfrm>
+          <a:off x="0" y="0"/>
+          <a:ext cx="0" cy="0"/>
+          <a:chOff x="0" y="0"/>
+          <a:chExt cx="0" cy="0"/>
+        </a:xfrm>
+      </p:grpSpPr>
+      <p:sp>
+        <p:nvSpPr>
+          <p:cNvPr id="431" name="Google Shape;431;g387ccd45540_0_252:notes"/>
+          <p:cNvSpPr>
+            <a:spLocks noGrp="1" noRot="1" noChangeAspect="1"/>
+          </p:cNvSpPr>
+          <p:nvPr>
+            <p:ph type="sldImg" idx="2"/>
+          </p:nvPr>
+        </p:nvSpPr>
+        <p:spPr>
+          <a:xfrm>
+            <a:off x="381300" y="685800"/>
+            <a:ext cx="6096000" cy="3429000"/>
+          </a:xfrm>
+          <a:custGeom>
+            <a:avLst/>
+            <a:gdLst/>
+            <a:ahLst/>
+            <a:cxnLst/>
+            <a:rect l="l" t="t" r="r" b="b"/>
+            <a:pathLst>
+              <a:path w="120000" h="120000" extrusionOk="0">
+                <a:moveTo>
+                  <a:pt x="0" y="0"/>
+                </a:moveTo>
+                <a:lnTo>
+                  <a:pt x="120000" y="0"/>
+                </a:lnTo>
+                <a:lnTo>
+                  <a:pt x="120000" y="120000"/>
+                </a:lnTo>
+                <a:lnTo>
+                  <a:pt x="0" y="120000"/>
+                </a:lnTo>
+                <a:close/>
+              </a:path>
+            </a:pathLst>
+          </a:custGeom>
+        </p:spPr>
+      </p:sp>
+      <p:sp>
+        <p:nvSpPr>
+          <p:cNvPr id="432" name="Google Shape;432;g387ccd45540_0_252:notes"/>
+          <p:cNvSpPr txBox="1">
+            <a:spLocks noGrp="1"/>
+          </p:cNvSpPr>
+          <p:nvPr>
+            <p:ph type="body" idx="1"/>
+          </p:nvPr>
+        </p:nvSpPr>
+        <p:spPr>
+          <a:xfrm>
+            <a:off x="685800" y="4343400"/>
+            <a:ext cx="5486400" cy="4114800"/>
+          </a:xfrm>
+          <a:prstGeom prst="rect">
+            <a:avLst/>
+          </a:prstGeom>
+        </p:spPr>
+        <p:txBody>
+          <a:bodyPr spcFirstLastPara="1" wrap="square" lIns="91425" tIns="91425" rIns="91425" bIns="91425" anchor="t" anchorCtr="0">
+            <a:noAutofit/>
+          </a:bodyPr>
+          <a:lstStyle/>
+          <a:p>
+            <a:pPr marL="0" lvl="0" indent="0" algn="l" rtl="0">
+              <a:spcBef>
+                <a:spcPts val="0"/>
+              </a:spcBef>
+              <a:spcAft>
+                <a:spcPts val="0"/>
+              </a:spcAft>
+              <a:buNone/>
+            </a:pPr>
+            <a:endParaRPr/>
+          </a:p>
+        </p:txBody>
+      </p:sp>
+    </p:spTree>
+  </p:cSld>
+  <p:clrMapOvr>
+    <a:masterClrMapping/>
+  </p:clrMapOvr>
+</p:notes>
+</file>
+
+<file path=ppt/notesSlides/notesSlide53.xml><?xml version="1.0" encoding="utf-8"?>
+<p:notes xmlns:a="http://schemas.openxmlformats.org/drawingml/2006/main" xmlns:r="http://schemas.openxmlformats.org/officeDocument/2006/relationships" xmlns:p="http://schemas.openxmlformats.org/presentationml/2006/main" showMasterSp="0" showMasterPhAnim="0">
+  <p:cSld>
+    <p:spTree>
+      <p:nvGrpSpPr>
+        <p:cNvPr id="1" name="Shape 436"/>
+        <p:cNvGrpSpPr/>
+        <p:nvPr/>
+      </p:nvGrpSpPr>
+      <p:grpSpPr>
+        <a:xfrm>
+          <a:off x="0" y="0"/>
+          <a:ext cx="0" cy="0"/>
+          <a:chOff x="0" y="0"/>
+          <a:chExt cx="0" cy="0"/>
+        </a:xfrm>
+      </p:grpSpPr>
+      <p:sp>
+        <p:nvSpPr>
+          <p:cNvPr id="437" name="Google Shape;437;g387ccd45540_0_259:notes"/>
+          <p:cNvSpPr>
+            <a:spLocks noGrp="1" noRot="1" noChangeAspect="1"/>
+          </p:cNvSpPr>
+          <p:nvPr>
+            <p:ph type="sldImg" idx="2"/>
+          </p:nvPr>
+        </p:nvSpPr>
+        <p:spPr>
+          <a:xfrm>
+            <a:off x="381300" y="685800"/>
+            <a:ext cx="6096000" cy="3429000"/>
+          </a:xfrm>
+          <a:custGeom>
+            <a:avLst/>
+            <a:gdLst/>
+            <a:ahLst/>
+            <a:cxnLst/>
+            <a:rect l="l" t="t" r="r" b="b"/>
+            <a:pathLst>
+              <a:path w="120000" h="120000" extrusionOk="0">
+                <a:moveTo>
+                  <a:pt x="0" y="0"/>
+                </a:moveTo>
+                <a:lnTo>
+                  <a:pt x="120000" y="0"/>
+                </a:lnTo>
+                <a:lnTo>
+                  <a:pt x="120000" y="120000"/>
+                </a:lnTo>
+                <a:lnTo>
+                  <a:pt x="0" y="120000"/>
+                </a:lnTo>
+                <a:close/>
+              </a:path>
+            </a:pathLst>
+          </a:custGeom>
+        </p:spPr>
+      </p:sp>
+      <p:sp>
+        <p:nvSpPr>
+          <p:cNvPr id="438" name="Google Shape;438;g387ccd45540_0_259:notes"/>
+          <p:cNvSpPr txBox="1">
+            <a:spLocks noGrp="1"/>
+          </p:cNvSpPr>
+          <p:nvPr>
+            <p:ph type="body" idx="1"/>
+          </p:nvPr>
+        </p:nvSpPr>
+        <p:spPr>
+          <a:xfrm>
+            <a:off x="685800" y="4343400"/>
+            <a:ext cx="5486400" cy="4114800"/>
+          </a:xfrm>
+          <a:prstGeom prst="rect">
+            <a:avLst/>
+          </a:prstGeom>
+        </p:spPr>
+        <p:txBody>
+          <a:bodyPr spcFirstLastPara="1" wrap="square" lIns="91425" tIns="91425" rIns="91425" bIns="91425" anchor="t" anchorCtr="0">
+            <a:noAutofit/>
+          </a:bodyPr>
+          <a:lstStyle/>
+          <a:p>
+            <a:pPr marL="0" lvl="0" indent="0" algn="l" rtl="0">
+              <a:spcBef>
+                <a:spcPts val="0"/>
+              </a:spcBef>
+              <a:spcAft>
+                <a:spcPts val="0"/>
+              </a:spcAft>
+              <a:buNone/>
+            </a:pPr>
+            <a:endParaRPr/>
+          </a:p>
+        </p:txBody>
+      </p:sp>
+    </p:spTree>
+  </p:cSld>
+  <p:clrMapOvr>
+    <a:masterClrMapping/>
+  </p:clrMapOvr>
+</p:notes>
+</file>
+
+<file path=ppt/notesSlides/notesSlide54.xml><?xml version="1.0" encoding="utf-8"?>
+<p:notes xmlns:a="http://schemas.openxmlformats.org/drawingml/2006/main" xmlns:r="http://schemas.openxmlformats.org/officeDocument/2006/relationships" xmlns:p="http://schemas.openxmlformats.org/presentationml/2006/main" showMasterSp="0" showMasterPhAnim="0">
+  <p:cSld>
+    <p:spTree>
+      <p:nvGrpSpPr>
+        <p:cNvPr id="1" name="Shape 442"/>
+        <p:cNvGrpSpPr/>
+        <p:nvPr/>
+      </p:nvGrpSpPr>
+      <p:grpSpPr>
+        <a:xfrm>
+          <a:off x="0" y="0"/>
+          <a:ext cx="0" cy="0"/>
+          <a:chOff x="0" y="0"/>
+          <a:chExt cx="0" cy="0"/>
+        </a:xfrm>
+      </p:grpSpPr>
+      <p:sp>
+        <p:nvSpPr>
+          <p:cNvPr id="443" name="Google Shape;443;g387ccd45540_0_264:notes"/>
+          <p:cNvSpPr>
+            <a:spLocks noGrp="1" noRot="1" noChangeAspect="1"/>
+          </p:cNvSpPr>
+          <p:nvPr>
+            <p:ph type="sldImg" idx="2"/>
+          </p:nvPr>
+        </p:nvSpPr>
+        <p:spPr>
+          <a:xfrm>
+            <a:off x="381300" y="685800"/>
+            <a:ext cx="6096000" cy="3429000"/>
+          </a:xfrm>
+          <a:custGeom>
+            <a:avLst/>
+            <a:gdLst/>
+            <a:ahLst/>
+            <a:cxnLst/>
+            <a:rect l="l" t="t" r="r" b="b"/>
+            <a:pathLst>
+              <a:path w="120000" h="120000" extrusionOk="0">
+                <a:moveTo>
+                  <a:pt x="0" y="0"/>
+                </a:moveTo>
+                <a:lnTo>
+                  <a:pt x="120000" y="0"/>
+                </a:lnTo>
+                <a:lnTo>
+                  <a:pt x="120000" y="120000"/>
+                </a:lnTo>
+                <a:lnTo>
+                  <a:pt x="0" y="120000"/>
+                </a:lnTo>
+                <a:close/>
+              </a:path>
+            </a:pathLst>
+          </a:custGeom>
+        </p:spPr>
+      </p:sp>
+      <p:sp>
+        <p:nvSpPr>
+          <p:cNvPr id="444" name="Google Shape;444;g387ccd45540_0_264:notes"/>
+          <p:cNvSpPr txBox="1">
+            <a:spLocks noGrp="1"/>
+          </p:cNvSpPr>
+          <p:nvPr>
+            <p:ph type="body" idx="1"/>
+          </p:nvPr>
+        </p:nvSpPr>
+        <p:spPr>
+          <a:xfrm>
+            <a:off x="685800" y="4343400"/>
+            <a:ext cx="5486400" cy="4114800"/>
+          </a:xfrm>
+          <a:prstGeom prst="rect">
+            <a:avLst/>
+          </a:prstGeom>
+        </p:spPr>
+        <p:txBody>
+          <a:bodyPr spcFirstLastPara="1" wrap="square" lIns="91425" tIns="91425" rIns="91425" bIns="91425" anchor="t" anchorCtr="0">
+            <a:noAutofit/>
+          </a:bodyPr>
+          <a:lstStyle/>
+          <a:p>
+            <a:pPr marL="0" lvl="0" indent="0" algn="l" rtl="0">
+              <a:spcBef>
+                <a:spcPts val="0"/>
+              </a:spcBef>
+              <a:spcAft>
+                <a:spcPts val="0"/>
+              </a:spcAft>
+              <a:buNone/>
+            </a:pPr>
+            <a:endParaRPr/>
+          </a:p>
+        </p:txBody>
+      </p:sp>
+    </p:spTree>
+  </p:cSld>
+  <p:clrMapOvr>
+    <a:masterClrMapping/>
+  </p:clrMapOvr>
+</p:notes>
+</file>
+
+<file path=ppt/notesSlides/notesSlide55.xml><?xml version="1.0" encoding="utf-8"?>
+<p:notes xmlns:a="http://schemas.openxmlformats.org/drawingml/2006/main" xmlns:r="http://schemas.openxmlformats.org/officeDocument/2006/relationships" xmlns:p="http://schemas.openxmlformats.org/presentationml/2006/main" showMasterSp="0" showMasterPhAnim="0">
+  <p:cSld>
+    <p:spTree>
+      <p:nvGrpSpPr>
+        <p:cNvPr id="1" name="Shape 448"/>
+        <p:cNvGrpSpPr/>
+        <p:nvPr/>
+      </p:nvGrpSpPr>
+      <p:grpSpPr>
+        <a:xfrm>
+          <a:off x="0" y="0"/>
+          <a:ext cx="0" cy="0"/>
+          <a:chOff x="0" y="0"/>
+          <a:chExt cx="0" cy="0"/>
+        </a:xfrm>
+      </p:grpSpPr>
+      <p:sp>
+        <p:nvSpPr>
+          <p:cNvPr id="449" name="Google Shape;449;g387ccd45540_0_293:notes"/>
+          <p:cNvSpPr>
+            <a:spLocks noGrp="1" noRot="1" noChangeAspect="1"/>
+          </p:cNvSpPr>
+          <p:nvPr>
+            <p:ph type="sldImg" idx="2"/>
+          </p:nvPr>
+        </p:nvSpPr>
+        <p:spPr>
+          <a:xfrm>
+            <a:off x="381300" y="685800"/>
+            <a:ext cx="6096000" cy="3429000"/>
+          </a:xfrm>
+          <a:custGeom>
+            <a:avLst/>
+            <a:gdLst/>
+            <a:ahLst/>
+            <a:cxnLst/>
+            <a:rect l="l" t="t" r="r" b="b"/>
+            <a:pathLst>
+              <a:path w="120000" h="120000" extrusionOk="0">
+                <a:moveTo>
+                  <a:pt x="0" y="0"/>
+                </a:moveTo>
+                <a:lnTo>
+                  <a:pt x="120000" y="0"/>
+                </a:lnTo>
+                <a:lnTo>
+                  <a:pt x="120000" y="120000"/>
+                </a:lnTo>
+                <a:lnTo>
+                  <a:pt x="0" y="120000"/>
+                </a:lnTo>
+                <a:close/>
+              </a:path>
+            </a:pathLst>
+          </a:custGeom>
+        </p:spPr>
+      </p:sp>
+      <p:sp>
+        <p:nvSpPr>
+          <p:cNvPr id="450" name="Google Shape;450;g387ccd45540_0_293:notes"/>
+          <p:cNvSpPr txBox="1">
+            <a:spLocks noGrp="1"/>
+          </p:cNvSpPr>
+          <p:nvPr>
+            <p:ph type="body" idx="1"/>
+          </p:nvPr>
+        </p:nvSpPr>
+        <p:spPr>
+          <a:xfrm>
+            <a:off x="685800" y="4343400"/>
+            <a:ext cx="5486400" cy="4114800"/>
+          </a:xfrm>
+          <a:prstGeom prst="rect">
+            <a:avLst/>
+          </a:prstGeom>
+        </p:spPr>
+        <p:txBody>
+          <a:bodyPr spcFirstLastPara="1" wrap="square" lIns="91425" tIns="91425" rIns="91425" bIns="91425" anchor="t" anchorCtr="0">
+            <a:noAutofit/>
+          </a:bodyPr>
+          <a:lstStyle/>
+          <a:p>
+            <a:pPr marL="0" lvl="0" indent="0" algn="l" rtl="0">
+              <a:spcBef>
+                <a:spcPts val="0"/>
+              </a:spcBef>
+              <a:spcAft>
+                <a:spcPts val="0"/>
+              </a:spcAft>
+              <a:buNone/>
+            </a:pPr>
+            <a:endParaRPr/>
+          </a:p>
+        </p:txBody>
+      </p:sp>
+    </p:spTree>
+  </p:cSld>
+  <p:clrMapOvr>
+    <a:masterClrMapping/>
+  </p:clrMapOvr>
+</p:notes>
+</file>
+
+<file path=ppt/notesSlides/notesSlide56.xml><?xml version="1.0" encoding="utf-8"?>
+<p:notes xmlns:a="http://schemas.openxmlformats.org/drawingml/2006/main" xmlns:r="http://schemas.openxmlformats.org/officeDocument/2006/relationships" xmlns:p="http://schemas.openxmlformats.org/presentationml/2006/main" showMasterSp="0" showMasterPhAnim="0">
+  <p:cSld>
+    <p:spTree>
+      <p:nvGrpSpPr>
+        <p:cNvPr id="1" name="Shape 453"/>
+        <p:cNvGrpSpPr/>
+        <p:nvPr/>
+      </p:nvGrpSpPr>
+      <p:grpSpPr>
+        <a:xfrm>
+          <a:off x="0" y="0"/>
+          <a:ext cx="0" cy="0"/>
+          <a:chOff x="0" y="0"/>
+          <a:chExt cx="0" cy="0"/>
+        </a:xfrm>
+      </p:grpSpPr>
+      <p:sp>
+        <p:nvSpPr>
+          <p:cNvPr id="454" name="Google Shape;454;g387ccd45540_0_298:notes"/>
+          <p:cNvSpPr>
+            <a:spLocks noGrp="1" noRot="1" noChangeAspect="1"/>
+          </p:cNvSpPr>
+          <p:nvPr>
+            <p:ph type="sldImg" idx="2"/>
+          </p:nvPr>
+        </p:nvSpPr>
+        <p:spPr>
+          <a:xfrm>
+            <a:off x="381300" y="685800"/>
+            <a:ext cx="6096000" cy="3429000"/>
+          </a:xfrm>
+          <a:custGeom>
+            <a:avLst/>
+            <a:gdLst/>
+            <a:ahLst/>
+            <a:cxnLst/>
+            <a:rect l="l" t="t" r="r" b="b"/>
+            <a:pathLst>
+              <a:path w="120000" h="120000" extrusionOk="0">
+                <a:moveTo>
+                  <a:pt x="0" y="0"/>
+                </a:moveTo>
+                <a:lnTo>
+                  <a:pt x="120000" y="0"/>
+                </a:lnTo>
+                <a:lnTo>
+                  <a:pt x="120000" y="120000"/>
+                </a:lnTo>
+                <a:lnTo>
+                  <a:pt x="0" y="120000"/>
+                </a:lnTo>
+                <a:close/>
+              </a:path>
+            </a:pathLst>
+          </a:custGeom>
+        </p:spPr>
+      </p:sp>
+      <p:sp>
+        <p:nvSpPr>
+          <p:cNvPr id="455" name="Google Shape;455;g387ccd45540_0_298:notes"/>
+          <p:cNvSpPr txBox="1">
+            <a:spLocks noGrp="1"/>
+          </p:cNvSpPr>
+          <p:nvPr>
+            <p:ph type="body" idx="1"/>
+          </p:nvPr>
+        </p:nvSpPr>
+        <p:spPr>
+          <a:xfrm>
+            <a:off x="685800" y="4343400"/>
+            <a:ext cx="5486400" cy="4114800"/>
+          </a:xfrm>
+          <a:prstGeom prst="rect">
+            <a:avLst/>
+          </a:prstGeom>
+        </p:spPr>
+        <p:txBody>
+          <a:bodyPr spcFirstLastPara="1" wrap="square" lIns="91425" tIns="91425" rIns="91425" bIns="91425" anchor="t" anchorCtr="0">
+            <a:noAutofit/>
+          </a:bodyPr>
+          <a:lstStyle/>
+          <a:p>
+            <a:pPr marL="0" lvl="0" indent="0" algn="l" rtl="0">
+              <a:spcBef>
+                <a:spcPts val="0"/>
+              </a:spcBef>
+              <a:spcAft>
+                <a:spcPts val="0"/>
+              </a:spcAft>
+              <a:buNone/>
+            </a:pPr>
+            <a:endParaRPr/>
+          </a:p>
+        </p:txBody>
+      </p:sp>
+    </p:spTree>
+  </p:cSld>
+  <p:clrMapOvr>
+    <a:masterClrMapping/>
+  </p:clrMapOvr>
+</p:notes>
+</file>
+
+<file path=ppt/notesSlides/notesSlide57.xml><?xml version="1.0" encoding="utf-8"?>
+<p:notes xmlns:a="http://schemas.openxmlformats.org/drawingml/2006/main" xmlns:r="http://schemas.openxmlformats.org/officeDocument/2006/relationships" xmlns:p="http://schemas.openxmlformats.org/presentationml/2006/main" showMasterSp="0" showMasterPhAnim="0">
+  <p:cSld>
+    <p:spTree>
+      <p:nvGrpSpPr>
+        <p:cNvPr id="1" name="Shape 458"/>
+        <p:cNvGrpSpPr/>
+        <p:nvPr/>
+      </p:nvGrpSpPr>
+      <p:grpSpPr>
+        <a:xfrm>
+          <a:off x="0" y="0"/>
+          <a:ext cx="0" cy="0"/>
+          <a:chOff x="0" y="0"/>
+          <a:chExt cx="0" cy="0"/>
+        </a:xfrm>
+      </p:grpSpPr>
+      <p:sp>
+        <p:nvSpPr>
+          <p:cNvPr id="459" name="Google Shape;459;g387ccd45540_0_304:notes"/>
+          <p:cNvSpPr>
+            <a:spLocks noGrp="1" noRot="1" noChangeAspect="1"/>
+          </p:cNvSpPr>
+          <p:nvPr>
+            <p:ph type="sldImg" idx="2"/>
+          </p:nvPr>
+        </p:nvSpPr>
+        <p:spPr>
+          <a:xfrm>
+            <a:off x="381300" y="685800"/>
+            <a:ext cx="6096000" cy="3429000"/>
+          </a:xfrm>
+          <a:custGeom>
+            <a:avLst/>
+            <a:gdLst/>
+            <a:ahLst/>
+            <a:cxnLst/>
+            <a:rect l="l" t="t" r="r" b="b"/>
+            <a:pathLst>
+              <a:path w="120000" h="120000" extrusionOk="0">
+                <a:moveTo>
+                  <a:pt x="0" y="0"/>
+                </a:moveTo>
+                <a:lnTo>
+                  <a:pt x="120000" y="0"/>
+                </a:lnTo>
+                <a:lnTo>
+                  <a:pt x="120000" y="120000"/>
+                </a:lnTo>
+                <a:lnTo>
+                  <a:pt x="0" y="120000"/>
+                </a:lnTo>
+                <a:close/>
+              </a:path>
+            </a:pathLst>
+          </a:custGeom>
+        </p:spPr>
+      </p:sp>
+      <p:sp>
+        <p:nvSpPr>
+          <p:cNvPr id="460" name="Google Shape;460;g387ccd45540_0_304:notes"/>
+          <p:cNvSpPr txBox="1">
+            <a:spLocks noGrp="1"/>
+          </p:cNvSpPr>
+          <p:nvPr>
+            <p:ph type="body" idx="1"/>
+          </p:nvPr>
+        </p:nvSpPr>
+        <p:spPr>
+          <a:xfrm>
+            <a:off x="685800" y="4343400"/>
+            <a:ext cx="5486400" cy="4114800"/>
+          </a:xfrm>
+          <a:prstGeom prst="rect">
+            <a:avLst/>
+          </a:prstGeom>
+        </p:spPr>
+        <p:txBody>
+          <a:bodyPr spcFirstLastPara="1" wrap="square" lIns="91425" tIns="91425" rIns="91425" bIns="91425" anchor="t" anchorCtr="0">
+            <a:noAutofit/>
+          </a:bodyPr>
+          <a:lstStyle/>
+          <a:p>
+            <a:pPr marL="0" lvl="0" indent="0" algn="l" rtl="0">
+              <a:spcBef>
+                <a:spcPts val="0"/>
+              </a:spcBef>
+              <a:spcAft>
+                <a:spcPts val="0"/>
+              </a:spcAft>
+              <a:buNone/>
+            </a:pPr>
+            <a:endParaRPr/>
+          </a:p>
+        </p:txBody>
+      </p:sp>
+    </p:spTree>
+  </p:cSld>
+  <p:clrMapOvr>
+    <a:masterClrMapping/>
+  </p:clrMapOvr>
+</p:notes>
+</file>
+
+<file path=ppt/notesSlides/notesSlide58.xml><?xml version="1.0" encoding="utf-8"?>
+<p:notes xmlns:a="http://schemas.openxmlformats.org/drawingml/2006/main" xmlns:r="http://schemas.openxmlformats.org/officeDocument/2006/relationships" xmlns:p="http://schemas.openxmlformats.org/presentationml/2006/main" showMasterSp="0" showMasterPhAnim="0">
+  <p:cSld>
+    <p:spTree>
+      <p:nvGrpSpPr>
+        <p:cNvPr id="1" name="Shape 463"/>
+        <p:cNvGrpSpPr/>
+        <p:nvPr/>
+      </p:nvGrpSpPr>
+      <p:grpSpPr>
+        <a:xfrm>
+          <a:off x="0" y="0"/>
+          <a:ext cx="0" cy="0"/>
+          <a:chOff x="0" y="0"/>
+          <a:chExt cx="0" cy="0"/>
+        </a:xfrm>
+      </p:grpSpPr>
+      <p:sp>
+        <p:nvSpPr>
+          <p:cNvPr id="464" name="Google Shape;464;g387edecf516_0_5:notes"/>
+          <p:cNvSpPr>
+            <a:spLocks noGrp="1" noRot="1" noChangeAspect="1"/>
+          </p:cNvSpPr>
+          <p:nvPr>
+            <p:ph type="sldImg" idx="2"/>
+          </p:nvPr>
+        </p:nvSpPr>
+        <p:spPr>
+          <a:xfrm>
+            <a:off x="381300" y="685800"/>
+            <a:ext cx="6096000" cy="3429000"/>
+          </a:xfrm>
+          <a:custGeom>
+            <a:avLst/>
+            <a:gdLst/>
+            <a:ahLst/>
+            <a:cxnLst/>
+            <a:rect l="l" t="t" r="r" b="b"/>
+            <a:pathLst>
+              <a:path w="120000" h="120000" extrusionOk="0">
+                <a:moveTo>
+                  <a:pt x="0" y="0"/>
+                </a:moveTo>
+                <a:lnTo>
+                  <a:pt x="120000" y="0"/>
+                </a:lnTo>
+                <a:lnTo>
+                  <a:pt x="120000" y="120000"/>
+                </a:lnTo>
+                <a:lnTo>
+                  <a:pt x="0" y="120000"/>
+                </a:lnTo>
+                <a:close/>
+              </a:path>
+            </a:pathLst>
+          </a:custGeom>
+        </p:spPr>
+      </p:sp>
+      <p:sp>
+        <p:nvSpPr>
+          <p:cNvPr id="465" name="Google Shape;465;g387edecf516_0_5:notes"/>
+          <p:cNvSpPr txBox="1">
+            <a:spLocks noGrp="1"/>
+          </p:cNvSpPr>
+          <p:nvPr>
+            <p:ph type="body" idx="1"/>
+          </p:nvPr>
+        </p:nvSpPr>
+        <p:spPr>
+          <a:xfrm>
+            <a:off x="685800" y="4343400"/>
+            <a:ext cx="5486400" cy="4114800"/>
+          </a:xfrm>
+          <a:prstGeom prst="rect">
+            <a:avLst/>
+          </a:prstGeom>
+        </p:spPr>
+        <p:txBody>
+          <a:bodyPr spcFirstLastPara="1" wrap="square" lIns="91425" tIns="91425" rIns="91425" bIns="91425" anchor="t" anchorCtr="0">
+            <a:noAutofit/>
+          </a:bodyPr>
+          <a:lstStyle/>
+          <a:p>
+            <a:pPr marL="0" lvl="0" indent="0" algn="l" rtl="0">
+              <a:spcBef>
+                <a:spcPts val="0"/>
+              </a:spcBef>
+              <a:spcAft>
+                <a:spcPts val="0"/>
+              </a:spcAft>
+              <a:buNone/>
+            </a:pPr>
+            <a:endParaRPr/>
+          </a:p>
+        </p:txBody>
+      </p:sp>
+    </p:spTree>
+  </p:cSld>
+  <p:clrMapOvr>
+    <a:masterClrMapping/>
+  </p:clrMapOvr>
+</p:notes>
+</file>
+
+<file path=ppt/notesSlides/notesSlide59.xml><?xml version="1.0" encoding="utf-8"?>
+<p:notes xmlns:a="http://schemas.openxmlformats.org/drawingml/2006/main" xmlns:r="http://schemas.openxmlformats.org/officeDocument/2006/relationships" xmlns:p="http://schemas.openxmlformats.org/presentationml/2006/main" showMasterSp="0" showMasterPhAnim="0">
+  <p:cSld>
+    <p:spTree>
+      <p:nvGrpSpPr>
+        <p:cNvPr id="1" name="Shape 468"/>
+        <p:cNvGrpSpPr/>
+        <p:nvPr/>
+      </p:nvGrpSpPr>
+      <p:grpSpPr>
+        <a:xfrm>
+          <a:off x="0" y="0"/>
+          <a:ext cx="0" cy="0"/>
+          <a:chOff x="0" y="0"/>
+          <a:chExt cx="0" cy="0"/>
+        </a:xfrm>
+      </p:grpSpPr>
+      <p:sp>
+        <p:nvSpPr>
+          <p:cNvPr id="469" name="Google Shape;469;g387edecf516_0_0:notes"/>
+          <p:cNvSpPr>
+            <a:spLocks noGrp="1" noRot="1" noChangeAspect="1"/>
+          </p:cNvSpPr>
+          <p:nvPr>
+            <p:ph type="sldImg" idx="2"/>
+          </p:nvPr>
+        </p:nvSpPr>
+        <p:spPr>
+          <a:xfrm>
+            <a:off x="381300" y="685800"/>
+            <a:ext cx="6096000" cy="3429000"/>
+          </a:xfrm>
+          <a:custGeom>
+            <a:avLst/>
+            <a:gdLst/>
+            <a:ahLst/>
+            <a:cxnLst/>
+            <a:rect l="l" t="t" r="r" b="b"/>
+            <a:pathLst>
+              <a:path w="120000" h="120000" extrusionOk="0">
+                <a:moveTo>
+                  <a:pt x="0" y="0"/>
+                </a:moveTo>
+                <a:lnTo>
+                  <a:pt x="120000" y="0"/>
+                </a:lnTo>
+                <a:lnTo>
+                  <a:pt x="120000" y="120000"/>
+                </a:lnTo>
+                <a:lnTo>
+                  <a:pt x="0" y="120000"/>
+                </a:lnTo>
+                <a:close/>
+              </a:path>
+            </a:pathLst>
+          </a:custGeom>
+        </p:spPr>
+      </p:sp>
+      <p:sp>
+        <p:nvSpPr>
+          <p:cNvPr id="470" name="Google Shape;470;g387edecf516_0_0:notes"/>
+          <p:cNvSpPr txBox="1">
+            <a:spLocks noGrp="1"/>
+          </p:cNvSpPr>
+          <p:nvPr>
+            <p:ph type="body" idx="1"/>
+          </p:nvPr>
+        </p:nvSpPr>
+        <p:spPr>
+          <a:xfrm>
+            <a:off x="685800" y="4343400"/>
+            <a:ext cx="5486400" cy="4114800"/>
+          </a:xfrm>
+          <a:prstGeom prst="rect">
+            <a:avLst/>
+          </a:prstGeom>
+        </p:spPr>
+        <p:txBody>
+          <a:bodyPr spcFirstLastPara="1" wrap="square" lIns="91425" tIns="91425" rIns="91425" bIns="91425" anchor="t" anchorCtr="0">
+            <a:noAutofit/>
+          </a:bodyPr>
+          <a:lstStyle/>
+          <a:p>
+            <a:pPr marL="0" lvl="0" indent="0" algn="l" rtl="0">
+              <a:spcBef>
+                <a:spcPts val="0"/>
+              </a:spcBef>
+              <a:spcAft>
+                <a:spcPts val="0"/>
+              </a:spcAft>
+              <a:buNone/>
+            </a:pPr>
+            <a:endParaRPr/>
+          </a:p>
+        </p:txBody>
+      </p:sp>
+    </p:spTree>
+  </p:cSld>
+  <p:clrMapOvr>
+    <a:masterClrMapping/>
+  </p:clrMapOvr>
+</p:notes>
+</file>
+
+<file path=ppt/notesSlides/notesSlide6.xml><?xml version="1.0" encoding="utf-8"?>
 <p:notes xmlns:a="http://schemas.openxmlformats.org/drawingml/2006/main" xmlns:r="http://schemas.openxmlformats.org/officeDocument/2006/relationships" xmlns:p="http://schemas.openxmlformats.org/presentationml/2006/main" showMasterSp="0" showMasterPhAnim="0">
   <p:cSld>
     <p:spTree>
@@ -5470,943 +6615,7 @@
 </p:notes>
 </file>
 
-<file path=ppt/notesSlides/notesSlide50.xml><?xml version="1.0" encoding="utf-8"?>
-<p:notes xmlns:a="http://schemas.openxmlformats.org/drawingml/2006/main" xmlns:r="http://schemas.openxmlformats.org/officeDocument/2006/relationships" xmlns:p="http://schemas.openxmlformats.org/presentationml/2006/main" showMasterSp="0" showMasterPhAnim="0">
-  <p:cSld>
-    <p:spTree>
-      <p:nvGrpSpPr>
-        <p:cNvPr id="1" name="Shape 425"/>
-        <p:cNvGrpSpPr/>
-        <p:nvPr/>
-      </p:nvGrpSpPr>
-      <p:grpSpPr>
-        <a:xfrm>
-          <a:off x="0" y="0"/>
-          <a:ext cx="0" cy="0"/>
-          <a:chOff x="0" y="0"/>
-          <a:chExt cx="0" cy="0"/>
-        </a:xfrm>
-      </p:grpSpPr>
-      <p:sp>
-        <p:nvSpPr>
-          <p:cNvPr id="426" name="Google Shape;426;g387ccd45540_0_277:notes"/>
-          <p:cNvSpPr>
-            <a:spLocks noGrp="1" noRot="1" noChangeAspect="1"/>
-          </p:cNvSpPr>
-          <p:nvPr>
-            <p:ph type="sldImg" idx="2"/>
-          </p:nvPr>
-        </p:nvSpPr>
-        <p:spPr>
-          <a:xfrm>
-            <a:off x="381300" y="685800"/>
-            <a:ext cx="6096000" cy="3429000"/>
-          </a:xfrm>
-          <a:custGeom>
-            <a:avLst/>
-            <a:gdLst/>
-            <a:ahLst/>
-            <a:cxnLst/>
-            <a:rect l="l" t="t" r="r" b="b"/>
-            <a:pathLst>
-              <a:path w="120000" h="120000" extrusionOk="0">
-                <a:moveTo>
-                  <a:pt x="0" y="0"/>
-                </a:moveTo>
-                <a:lnTo>
-                  <a:pt x="120000" y="0"/>
-                </a:lnTo>
-                <a:lnTo>
-                  <a:pt x="120000" y="120000"/>
-                </a:lnTo>
-                <a:lnTo>
-                  <a:pt x="0" y="120000"/>
-                </a:lnTo>
-                <a:close/>
-              </a:path>
-            </a:pathLst>
-          </a:custGeom>
-        </p:spPr>
-      </p:sp>
-      <p:sp>
-        <p:nvSpPr>
-          <p:cNvPr id="427" name="Google Shape;427;g387ccd45540_0_277:notes"/>
-          <p:cNvSpPr txBox="1">
-            <a:spLocks noGrp="1"/>
-          </p:cNvSpPr>
-          <p:nvPr>
-            <p:ph type="body" idx="1"/>
-          </p:nvPr>
-        </p:nvSpPr>
-        <p:spPr>
-          <a:xfrm>
-            <a:off x="685800" y="4343400"/>
-            <a:ext cx="5486400" cy="4114800"/>
-          </a:xfrm>
-          <a:prstGeom prst="rect">
-            <a:avLst/>
-          </a:prstGeom>
-        </p:spPr>
-        <p:txBody>
-          <a:bodyPr spcFirstLastPara="1" wrap="square" lIns="91425" tIns="91425" rIns="91425" bIns="91425" anchor="t" anchorCtr="0">
-            <a:noAutofit/>
-          </a:bodyPr>
-          <a:lstStyle/>
-          <a:p>
-            <a:pPr marL="0" lvl="0" indent="0" algn="l" rtl="0">
-              <a:spcBef>
-                <a:spcPts val="0"/>
-              </a:spcBef>
-              <a:spcAft>
-                <a:spcPts val="0"/>
-              </a:spcAft>
-              <a:buNone/>
-            </a:pPr>
-            <a:endParaRPr/>
-          </a:p>
-        </p:txBody>
-      </p:sp>
-    </p:spTree>
-  </p:cSld>
-  <p:clrMapOvr>
-    <a:masterClrMapping/>
-  </p:clrMapOvr>
-</p:notes>
-</file>
-
-<file path=ppt/notesSlides/notesSlide51.xml><?xml version="1.0" encoding="utf-8"?>
-<p:notes xmlns:a="http://schemas.openxmlformats.org/drawingml/2006/main" xmlns:r="http://schemas.openxmlformats.org/officeDocument/2006/relationships" xmlns:p="http://schemas.openxmlformats.org/presentationml/2006/main" showMasterSp="0" showMasterPhAnim="0">
-  <p:cSld>
-    <p:spTree>
-      <p:nvGrpSpPr>
-        <p:cNvPr id="1" name="Shape 430"/>
-        <p:cNvGrpSpPr/>
-        <p:nvPr/>
-      </p:nvGrpSpPr>
-      <p:grpSpPr>
-        <a:xfrm>
-          <a:off x="0" y="0"/>
-          <a:ext cx="0" cy="0"/>
-          <a:chOff x="0" y="0"/>
-          <a:chExt cx="0" cy="0"/>
-        </a:xfrm>
-      </p:grpSpPr>
-      <p:sp>
-        <p:nvSpPr>
-          <p:cNvPr id="431" name="Google Shape;431;g387ccd45540_0_252:notes"/>
-          <p:cNvSpPr>
-            <a:spLocks noGrp="1" noRot="1" noChangeAspect="1"/>
-          </p:cNvSpPr>
-          <p:nvPr>
-            <p:ph type="sldImg" idx="2"/>
-          </p:nvPr>
-        </p:nvSpPr>
-        <p:spPr>
-          <a:xfrm>
-            <a:off x="381300" y="685800"/>
-            <a:ext cx="6096000" cy="3429000"/>
-          </a:xfrm>
-          <a:custGeom>
-            <a:avLst/>
-            <a:gdLst/>
-            <a:ahLst/>
-            <a:cxnLst/>
-            <a:rect l="l" t="t" r="r" b="b"/>
-            <a:pathLst>
-              <a:path w="120000" h="120000" extrusionOk="0">
-                <a:moveTo>
-                  <a:pt x="0" y="0"/>
-                </a:moveTo>
-                <a:lnTo>
-                  <a:pt x="120000" y="0"/>
-                </a:lnTo>
-                <a:lnTo>
-                  <a:pt x="120000" y="120000"/>
-                </a:lnTo>
-                <a:lnTo>
-                  <a:pt x="0" y="120000"/>
-                </a:lnTo>
-                <a:close/>
-              </a:path>
-            </a:pathLst>
-          </a:custGeom>
-        </p:spPr>
-      </p:sp>
-      <p:sp>
-        <p:nvSpPr>
-          <p:cNvPr id="432" name="Google Shape;432;g387ccd45540_0_252:notes"/>
-          <p:cNvSpPr txBox="1">
-            <a:spLocks noGrp="1"/>
-          </p:cNvSpPr>
-          <p:nvPr>
-            <p:ph type="body" idx="1"/>
-          </p:nvPr>
-        </p:nvSpPr>
-        <p:spPr>
-          <a:xfrm>
-            <a:off x="685800" y="4343400"/>
-            <a:ext cx="5486400" cy="4114800"/>
-          </a:xfrm>
-          <a:prstGeom prst="rect">
-            <a:avLst/>
-          </a:prstGeom>
-        </p:spPr>
-        <p:txBody>
-          <a:bodyPr spcFirstLastPara="1" wrap="square" lIns="91425" tIns="91425" rIns="91425" bIns="91425" anchor="t" anchorCtr="0">
-            <a:noAutofit/>
-          </a:bodyPr>
-          <a:lstStyle/>
-          <a:p>
-            <a:pPr marL="0" lvl="0" indent="0" algn="l" rtl="0">
-              <a:spcBef>
-                <a:spcPts val="0"/>
-              </a:spcBef>
-              <a:spcAft>
-                <a:spcPts val="0"/>
-              </a:spcAft>
-              <a:buNone/>
-            </a:pPr>
-            <a:endParaRPr/>
-          </a:p>
-        </p:txBody>
-      </p:sp>
-    </p:spTree>
-  </p:cSld>
-  <p:clrMapOvr>
-    <a:masterClrMapping/>
-  </p:clrMapOvr>
-</p:notes>
-</file>
-
-<file path=ppt/notesSlides/notesSlide52.xml><?xml version="1.0" encoding="utf-8"?>
-<p:notes xmlns:a="http://schemas.openxmlformats.org/drawingml/2006/main" xmlns:r="http://schemas.openxmlformats.org/officeDocument/2006/relationships" xmlns:p="http://schemas.openxmlformats.org/presentationml/2006/main" showMasterSp="0" showMasterPhAnim="0">
-  <p:cSld>
-    <p:spTree>
-      <p:nvGrpSpPr>
-        <p:cNvPr id="1" name="Shape 436"/>
-        <p:cNvGrpSpPr/>
-        <p:nvPr/>
-      </p:nvGrpSpPr>
-      <p:grpSpPr>
-        <a:xfrm>
-          <a:off x="0" y="0"/>
-          <a:ext cx="0" cy="0"/>
-          <a:chOff x="0" y="0"/>
-          <a:chExt cx="0" cy="0"/>
-        </a:xfrm>
-      </p:grpSpPr>
-      <p:sp>
-        <p:nvSpPr>
-          <p:cNvPr id="437" name="Google Shape;437;g387ccd45540_0_259:notes"/>
-          <p:cNvSpPr>
-            <a:spLocks noGrp="1" noRot="1" noChangeAspect="1"/>
-          </p:cNvSpPr>
-          <p:nvPr>
-            <p:ph type="sldImg" idx="2"/>
-          </p:nvPr>
-        </p:nvSpPr>
-        <p:spPr>
-          <a:xfrm>
-            <a:off x="381300" y="685800"/>
-            <a:ext cx="6096000" cy="3429000"/>
-          </a:xfrm>
-          <a:custGeom>
-            <a:avLst/>
-            <a:gdLst/>
-            <a:ahLst/>
-            <a:cxnLst/>
-            <a:rect l="l" t="t" r="r" b="b"/>
-            <a:pathLst>
-              <a:path w="120000" h="120000" extrusionOk="0">
-                <a:moveTo>
-                  <a:pt x="0" y="0"/>
-                </a:moveTo>
-                <a:lnTo>
-                  <a:pt x="120000" y="0"/>
-                </a:lnTo>
-                <a:lnTo>
-                  <a:pt x="120000" y="120000"/>
-                </a:lnTo>
-                <a:lnTo>
-                  <a:pt x="0" y="120000"/>
-                </a:lnTo>
-                <a:close/>
-              </a:path>
-            </a:pathLst>
-          </a:custGeom>
-        </p:spPr>
-      </p:sp>
-      <p:sp>
-        <p:nvSpPr>
-          <p:cNvPr id="438" name="Google Shape;438;g387ccd45540_0_259:notes"/>
-          <p:cNvSpPr txBox="1">
-            <a:spLocks noGrp="1"/>
-          </p:cNvSpPr>
-          <p:nvPr>
-            <p:ph type="body" idx="1"/>
-          </p:nvPr>
-        </p:nvSpPr>
-        <p:spPr>
-          <a:xfrm>
-            <a:off x="685800" y="4343400"/>
-            <a:ext cx="5486400" cy="4114800"/>
-          </a:xfrm>
-          <a:prstGeom prst="rect">
-            <a:avLst/>
-          </a:prstGeom>
-        </p:spPr>
-        <p:txBody>
-          <a:bodyPr spcFirstLastPara="1" wrap="square" lIns="91425" tIns="91425" rIns="91425" bIns="91425" anchor="t" anchorCtr="0">
-            <a:noAutofit/>
-          </a:bodyPr>
-          <a:lstStyle/>
-          <a:p>
-            <a:pPr marL="0" lvl="0" indent="0" algn="l" rtl="0">
-              <a:spcBef>
-                <a:spcPts val="0"/>
-              </a:spcBef>
-              <a:spcAft>
-                <a:spcPts val="0"/>
-              </a:spcAft>
-              <a:buNone/>
-            </a:pPr>
-            <a:endParaRPr/>
-          </a:p>
-        </p:txBody>
-      </p:sp>
-    </p:spTree>
-  </p:cSld>
-  <p:clrMapOvr>
-    <a:masterClrMapping/>
-  </p:clrMapOvr>
-</p:notes>
-</file>
-
-<file path=ppt/notesSlides/notesSlide53.xml><?xml version="1.0" encoding="utf-8"?>
-<p:notes xmlns:a="http://schemas.openxmlformats.org/drawingml/2006/main" xmlns:r="http://schemas.openxmlformats.org/officeDocument/2006/relationships" xmlns:p="http://schemas.openxmlformats.org/presentationml/2006/main" showMasterSp="0" showMasterPhAnim="0">
-  <p:cSld>
-    <p:spTree>
-      <p:nvGrpSpPr>
-        <p:cNvPr id="1" name="Shape 442"/>
-        <p:cNvGrpSpPr/>
-        <p:nvPr/>
-      </p:nvGrpSpPr>
-      <p:grpSpPr>
-        <a:xfrm>
-          <a:off x="0" y="0"/>
-          <a:ext cx="0" cy="0"/>
-          <a:chOff x="0" y="0"/>
-          <a:chExt cx="0" cy="0"/>
-        </a:xfrm>
-      </p:grpSpPr>
-      <p:sp>
-        <p:nvSpPr>
-          <p:cNvPr id="443" name="Google Shape;443;g387ccd45540_0_264:notes"/>
-          <p:cNvSpPr>
-            <a:spLocks noGrp="1" noRot="1" noChangeAspect="1"/>
-          </p:cNvSpPr>
-          <p:nvPr>
-            <p:ph type="sldImg" idx="2"/>
-          </p:nvPr>
-        </p:nvSpPr>
-        <p:spPr>
-          <a:xfrm>
-            <a:off x="381300" y="685800"/>
-            <a:ext cx="6096000" cy="3429000"/>
-          </a:xfrm>
-          <a:custGeom>
-            <a:avLst/>
-            <a:gdLst/>
-            <a:ahLst/>
-            <a:cxnLst/>
-            <a:rect l="l" t="t" r="r" b="b"/>
-            <a:pathLst>
-              <a:path w="120000" h="120000" extrusionOk="0">
-                <a:moveTo>
-                  <a:pt x="0" y="0"/>
-                </a:moveTo>
-                <a:lnTo>
-                  <a:pt x="120000" y="0"/>
-                </a:lnTo>
-                <a:lnTo>
-                  <a:pt x="120000" y="120000"/>
-                </a:lnTo>
-                <a:lnTo>
-                  <a:pt x="0" y="120000"/>
-                </a:lnTo>
-                <a:close/>
-              </a:path>
-            </a:pathLst>
-          </a:custGeom>
-        </p:spPr>
-      </p:sp>
-      <p:sp>
-        <p:nvSpPr>
-          <p:cNvPr id="444" name="Google Shape;444;g387ccd45540_0_264:notes"/>
-          <p:cNvSpPr txBox="1">
-            <a:spLocks noGrp="1"/>
-          </p:cNvSpPr>
-          <p:nvPr>
-            <p:ph type="body" idx="1"/>
-          </p:nvPr>
-        </p:nvSpPr>
-        <p:spPr>
-          <a:xfrm>
-            <a:off x="685800" y="4343400"/>
-            <a:ext cx="5486400" cy="4114800"/>
-          </a:xfrm>
-          <a:prstGeom prst="rect">
-            <a:avLst/>
-          </a:prstGeom>
-        </p:spPr>
-        <p:txBody>
-          <a:bodyPr spcFirstLastPara="1" wrap="square" lIns="91425" tIns="91425" rIns="91425" bIns="91425" anchor="t" anchorCtr="0">
-            <a:noAutofit/>
-          </a:bodyPr>
-          <a:lstStyle/>
-          <a:p>
-            <a:pPr marL="0" lvl="0" indent="0" algn="l" rtl="0">
-              <a:spcBef>
-                <a:spcPts val="0"/>
-              </a:spcBef>
-              <a:spcAft>
-                <a:spcPts val="0"/>
-              </a:spcAft>
-              <a:buNone/>
-            </a:pPr>
-            <a:endParaRPr/>
-          </a:p>
-        </p:txBody>
-      </p:sp>
-    </p:spTree>
-  </p:cSld>
-  <p:clrMapOvr>
-    <a:masterClrMapping/>
-  </p:clrMapOvr>
-</p:notes>
-</file>
-
-<file path=ppt/notesSlides/notesSlide54.xml><?xml version="1.0" encoding="utf-8"?>
-<p:notes xmlns:a="http://schemas.openxmlformats.org/drawingml/2006/main" xmlns:r="http://schemas.openxmlformats.org/officeDocument/2006/relationships" xmlns:p="http://schemas.openxmlformats.org/presentationml/2006/main" showMasterSp="0" showMasterPhAnim="0">
-  <p:cSld>
-    <p:spTree>
-      <p:nvGrpSpPr>
-        <p:cNvPr id="1" name="Shape 448"/>
-        <p:cNvGrpSpPr/>
-        <p:nvPr/>
-      </p:nvGrpSpPr>
-      <p:grpSpPr>
-        <a:xfrm>
-          <a:off x="0" y="0"/>
-          <a:ext cx="0" cy="0"/>
-          <a:chOff x="0" y="0"/>
-          <a:chExt cx="0" cy="0"/>
-        </a:xfrm>
-      </p:grpSpPr>
-      <p:sp>
-        <p:nvSpPr>
-          <p:cNvPr id="449" name="Google Shape;449;g387ccd45540_0_293:notes"/>
-          <p:cNvSpPr>
-            <a:spLocks noGrp="1" noRot="1" noChangeAspect="1"/>
-          </p:cNvSpPr>
-          <p:nvPr>
-            <p:ph type="sldImg" idx="2"/>
-          </p:nvPr>
-        </p:nvSpPr>
-        <p:spPr>
-          <a:xfrm>
-            <a:off x="381300" y="685800"/>
-            <a:ext cx="6096000" cy="3429000"/>
-          </a:xfrm>
-          <a:custGeom>
-            <a:avLst/>
-            <a:gdLst/>
-            <a:ahLst/>
-            <a:cxnLst/>
-            <a:rect l="l" t="t" r="r" b="b"/>
-            <a:pathLst>
-              <a:path w="120000" h="120000" extrusionOk="0">
-                <a:moveTo>
-                  <a:pt x="0" y="0"/>
-                </a:moveTo>
-                <a:lnTo>
-                  <a:pt x="120000" y="0"/>
-                </a:lnTo>
-                <a:lnTo>
-                  <a:pt x="120000" y="120000"/>
-                </a:lnTo>
-                <a:lnTo>
-                  <a:pt x="0" y="120000"/>
-                </a:lnTo>
-                <a:close/>
-              </a:path>
-            </a:pathLst>
-          </a:custGeom>
-        </p:spPr>
-      </p:sp>
-      <p:sp>
-        <p:nvSpPr>
-          <p:cNvPr id="450" name="Google Shape;450;g387ccd45540_0_293:notes"/>
-          <p:cNvSpPr txBox="1">
-            <a:spLocks noGrp="1"/>
-          </p:cNvSpPr>
-          <p:nvPr>
-            <p:ph type="body" idx="1"/>
-          </p:nvPr>
-        </p:nvSpPr>
-        <p:spPr>
-          <a:xfrm>
-            <a:off x="685800" y="4343400"/>
-            <a:ext cx="5486400" cy="4114800"/>
-          </a:xfrm>
-          <a:prstGeom prst="rect">
-            <a:avLst/>
-          </a:prstGeom>
-        </p:spPr>
-        <p:txBody>
-          <a:bodyPr spcFirstLastPara="1" wrap="square" lIns="91425" tIns="91425" rIns="91425" bIns="91425" anchor="t" anchorCtr="0">
-            <a:noAutofit/>
-          </a:bodyPr>
-          <a:lstStyle/>
-          <a:p>
-            <a:pPr marL="0" lvl="0" indent="0" algn="l" rtl="0">
-              <a:spcBef>
-                <a:spcPts val="0"/>
-              </a:spcBef>
-              <a:spcAft>
-                <a:spcPts val="0"/>
-              </a:spcAft>
-              <a:buNone/>
-            </a:pPr>
-            <a:endParaRPr/>
-          </a:p>
-        </p:txBody>
-      </p:sp>
-    </p:spTree>
-  </p:cSld>
-  <p:clrMapOvr>
-    <a:masterClrMapping/>
-  </p:clrMapOvr>
-</p:notes>
-</file>
-
-<file path=ppt/notesSlides/notesSlide55.xml><?xml version="1.0" encoding="utf-8"?>
-<p:notes xmlns:a="http://schemas.openxmlformats.org/drawingml/2006/main" xmlns:r="http://schemas.openxmlformats.org/officeDocument/2006/relationships" xmlns:p="http://schemas.openxmlformats.org/presentationml/2006/main" showMasterSp="0" showMasterPhAnim="0">
-  <p:cSld>
-    <p:spTree>
-      <p:nvGrpSpPr>
-        <p:cNvPr id="1" name="Shape 453"/>
-        <p:cNvGrpSpPr/>
-        <p:nvPr/>
-      </p:nvGrpSpPr>
-      <p:grpSpPr>
-        <a:xfrm>
-          <a:off x="0" y="0"/>
-          <a:ext cx="0" cy="0"/>
-          <a:chOff x="0" y="0"/>
-          <a:chExt cx="0" cy="0"/>
-        </a:xfrm>
-      </p:grpSpPr>
-      <p:sp>
-        <p:nvSpPr>
-          <p:cNvPr id="454" name="Google Shape;454;g387ccd45540_0_298:notes"/>
-          <p:cNvSpPr>
-            <a:spLocks noGrp="1" noRot="1" noChangeAspect="1"/>
-          </p:cNvSpPr>
-          <p:nvPr>
-            <p:ph type="sldImg" idx="2"/>
-          </p:nvPr>
-        </p:nvSpPr>
-        <p:spPr>
-          <a:xfrm>
-            <a:off x="381300" y="685800"/>
-            <a:ext cx="6096000" cy="3429000"/>
-          </a:xfrm>
-          <a:custGeom>
-            <a:avLst/>
-            <a:gdLst/>
-            <a:ahLst/>
-            <a:cxnLst/>
-            <a:rect l="l" t="t" r="r" b="b"/>
-            <a:pathLst>
-              <a:path w="120000" h="120000" extrusionOk="0">
-                <a:moveTo>
-                  <a:pt x="0" y="0"/>
-                </a:moveTo>
-                <a:lnTo>
-                  <a:pt x="120000" y="0"/>
-                </a:lnTo>
-                <a:lnTo>
-                  <a:pt x="120000" y="120000"/>
-                </a:lnTo>
-                <a:lnTo>
-                  <a:pt x="0" y="120000"/>
-                </a:lnTo>
-                <a:close/>
-              </a:path>
-            </a:pathLst>
-          </a:custGeom>
-        </p:spPr>
-      </p:sp>
-      <p:sp>
-        <p:nvSpPr>
-          <p:cNvPr id="455" name="Google Shape;455;g387ccd45540_0_298:notes"/>
-          <p:cNvSpPr txBox="1">
-            <a:spLocks noGrp="1"/>
-          </p:cNvSpPr>
-          <p:nvPr>
-            <p:ph type="body" idx="1"/>
-          </p:nvPr>
-        </p:nvSpPr>
-        <p:spPr>
-          <a:xfrm>
-            <a:off x="685800" y="4343400"/>
-            <a:ext cx="5486400" cy="4114800"/>
-          </a:xfrm>
-          <a:prstGeom prst="rect">
-            <a:avLst/>
-          </a:prstGeom>
-        </p:spPr>
-        <p:txBody>
-          <a:bodyPr spcFirstLastPara="1" wrap="square" lIns="91425" tIns="91425" rIns="91425" bIns="91425" anchor="t" anchorCtr="0">
-            <a:noAutofit/>
-          </a:bodyPr>
-          <a:lstStyle/>
-          <a:p>
-            <a:pPr marL="0" lvl="0" indent="0" algn="l" rtl="0">
-              <a:spcBef>
-                <a:spcPts val="0"/>
-              </a:spcBef>
-              <a:spcAft>
-                <a:spcPts val="0"/>
-              </a:spcAft>
-              <a:buNone/>
-            </a:pPr>
-            <a:endParaRPr/>
-          </a:p>
-        </p:txBody>
-      </p:sp>
-    </p:spTree>
-  </p:cSld>
-  <p:clrMapOvr>
-    <a:masterClrMapping/>
-  </p:clrMapOvr>
-</p:notes>
-</file>
-
-<file path=ppt/notesSlides/notesSlide56.xml><?xml version="1.0" encoding="utf-8"?>
-<p:notes xmlns:a="http://schemas.openxmlformats.org/drawingml/2006/main" xmlns:r="http://schemas.openxmlformats.org/officeDocument/2006/relationships" xmlns:p="http://schemas.openxmlformats.org/presentationml/2006/main" showMasterSp="0" showMasterPhAnim="0">
-  <p:cSld>
-    <p:spTree>
-      <p:nvGrpSpPr>
-        <p:cNvPr id="1" name="Shape 458"/>
-        <p:cNvGrpSpPr/>
-        <p:nvPr/>
-      </p:nvGrpSpPr>
-      <p:grpSpPr>
-        <a:xfrm>
-          <a:off x="0" y="0"/>
-          <a:ext cx="0" cy="0"/>
-          <a:chOff x="0" y="0"/>
-          <a:chExt cx="0" cy="0"/>
-        </a:xfrm>
-      </p:grpSpPr>
-      <p:sp>
-        <p:nvSpPr>
-          <p:cNvPr id="459" name="Google Shape;459;g387ccd45540_0_304:notes"/>
-          <p:cNvSpPr>
-            <a:spLocks noGrp="1" noRot="1" noChangeAspect="1"/>
-          </p:cNvSpPr>
-          <p:nvPr>
-            <p:ph type="sldImg" idx="2"/>
-          </p:nvPr>
-        </p:nvSpPr>
-        <p:spPr>
-          <a:xfrm>
-            <a:off x="381300" y="685800"/>
-            <a:ext cx="6096000" cy="3429000"/>
-          </a:xfrm>
-          <a:custGeom>
-            <a:avLst/>
-            <a:gdLst/>
-            <a:ahLst/>
-            <a:cxnLst/>
-            <a:rect l="l" t="t" r="r" b="b"/>
-            <a:pathLst>
-              <a:path w="120000" h="120000" extrusionOk="0">
-                <a:moveTo>
-                  <a:pt x="0" y="0"/>
-                </a:moveTo>
-                <a:lnTo>
-                  <a:pt x="120000" y="0"/>
-                </a:lnTo>
-                <a:lnTo>
-                  <a:pt x="120000" y="120000"/>
-                </a:lnTo>
-                <a:lnTo>
-                  <a:pt x="0" y="120000"/>
-                </a:lnTo>
-                <a:close/>
-              </a:path>
-            </a:pathLst>
-          </a:custGeom>
-        </p:spPr>
-      </p:sp>
-      <p:sp>
-        <p:nvSpPr>
-          <p:cNvPr id="460" name="Google Shape;460;g387ccd45540_0_304:notes"/>
-          <p:cNvSpPr txBox="1">
-            <a:spLocks noGrp="1"/>
-          </p:cNvSpPr>
-          <p:nvPr>
-            <p:ph type="body" idx="1"/>
-          </p:nvPr>
-        </p:nvSpPr>
-        <p:spPr>
-          <a:xfrm>
-            <a:off x="685800" y="4343400"/>
-            <a:ext cx="5486400" cy="4114800"/>
-          </a:xfrm>
-          <a:prstGeom prst="rect">
-            <a:avLst/>
-          </a:prstGeom>
-        </p:spPr>
-        <p:txBody>
-          <a:bodyPr spcFirstLastPara="1" wrap="square" lIns="91425" tIns="91425" rIns="91425" bIns="91425" anchor="t" anchorCtr="0">
-            <a:noAutofit/>
-          </a:bodyPr>
-          <a:lstStyle/>
-          <a:p>
-            <a:pPr marL="0" lvl="0" indent="0" algn="l" rtl="0">
-              <a:spcBef>
-                <a:spcPts val="0"/>
-              </a:spcBef>
-              <a:spcAft>
-                <a:spcPts val="0"/>
-              </a:spcAft>
-              <a:buNone/>
-            </a:pPr>
-            <a:endParaRPr/>
-          </a:p>
-        </p:txBody>
-      </p:sp>
-    </p:spTree>
-  </p:cSld>
-  <p:clrMapOvr>
-    <a:masterClrMapping/>
-  </p:clrMapOvr>
-</p:notes>
-</file>
-
-<file path=ppt/notesSlides/notesSlide57.xml><?xml version="1.0" encoding="utf-8"?>
-<p:notes xmlns:a="http://schemas.openxmlformats.org/drawingml/2006/main" xmlns:r="http://schemas.openxmlformats.org/officeDocument/2006/relationships" xmlns:p="http://schemas.openxmlformats.org/presentationml/2006/main" showMasterSp="0" showMasterPhAnim="0">
-  <p:cSld>
-    <p:spTree>
-      <p:nvGrpSpPr>
-        <p:cNvPr id="1" name="Shape 463"/>
-        <p:cNvGrpSpPr/>
-        <p:nvPr/>
-      </p:nvGrpSpPr>
-      <p:grpSpPr>
-        <a:xfrm>
-          <a:off x="0" y="0"/>
-          <a:ext cx="0" cy="0"/>
-          <a:chOff x="0" y="0"/>
-          <a:chExt cx="0" cy="0"/>
-        </a:xfrm>
-      </p:grpSpPr>
-      <p:sp>
-        <p:nvSpPr>
-          <p:cNvPr id="464" name="Google Shape;464;g387edecf516_0_5:notes"/>
-          <p:cNvSpPr>
-            <a:spLocks noGrp="1" noRot="1" noChangeAspect="1"/>
-          </p:cNvSpPr>
-          <p:nvPr>
-            <p:ph type="sldImg" idx="2"/>
-          </p:nvPr>
-        </p:nvSpPr>
-        <p:spPr>
-          <a:xfrm>
-            <a:off x="381300" y="685800"/>
-            <a:ext cx="6096000" cy="3429000"/>
-          </a:xfrm>
-          <a:custGeom>
-            <a:avLst/>
-            <a:gdLst/>
-            <a:ahLst/>
-            <a:cxnLst/>
-            <a:rect l="l" t="t" r="r" b="b"/>
-            <a:pathLst>
-              <a:path w="120000" h="120000" extrusionOk="0">
-                <a:moveTo>
-                  <a:pt x="0" y="0"/>
-                </a:moveTo>
-                <a:lnTo>
-                  <a:pt x="120000" y="0"/>
-                </a:lnTo>
-                <a:lnTo>
-                  <a:pt x="120000" y="120000"/>
-                </a:lnTo>
-                <a:lnTo>
-                  <a:pt x="0" y="120000"/>
-                </a:lnTo>
-                <a:close/>
-              </a:path>
-            </a:pathLst>
-          </a:custGeom>
-        </p:spPr>
-      </p:sp>
-      <p:sp>
-        <p:nvSpPr>
-          <p:cNvPr id="465" name="Google Shape;465;g387edecf516_0_5:notes"/>
-          <p:cNvSpPr txBox="1">
-            <a:spLocks noGrp="1"/>
-          </p:cNvSpPr>
-          <p:nvPr>
-            <p:ph type="body" idx="1"/>
-          </p:nvPr>
-        </p:nvSpPr>
-        <p:spPr>
-          <a:xfrm>
-            <a:off x="685800" y="4343400"/>
-            <a:ext cx="5486400" cy="4114800"/>
-          </a:xfrm>
-          <a:prstGeom prst="rect">
-            <a:avLst/>
-          </a:prstGeom>
-        </p:spPr>
-        <p:txBody>
-          <a:bodyPr spcFirstLastPara="1" wrap="square" lIns="91425" tIns="91425" rIns="91425" bIns="91425" anchor="t" anchorCtr="0">
-            <a:noAutofit/>
-          </a:bodyPr>
-          <a:lstStyle/>
-          <a:p>
-            <a:pPr marL="0" lvl="0" indent="0" algn="l" rtl="0">
-              <a:spcBef>
-                <a:spcPts val="0"/>
-              </a:spcBef>
-              <a:spcAft>
-                <a:spcPts val="0"/>
-              </a:spcAft>
-              <a:buNone/>
-            </a:pPr>
-            <a:endParaRPr/>
-          </a:p>
-        </p:txBody>
-      </p:sp>
-    </p:spTree>
-  </p:cSld>
-  <p:clrMapOvr>
-    <a:masterClrMapping/>
-  </p:clrMapOvr>
-</p:notes>
-</file>
-
-<file path=ppt/notesSlides/notesSlide58.xml><?xml version="1.0" encoding="utf-8"?>
-<p:notes xmlns:a="http://schemas.openxmlformats.org/drawingml/2006/main" xmlns:r="http://schemas.openxmlformats.org/officeDocument/2006/relationships" xmlns:p="http://schemas.openxmlformats.org/presentationml/2006/main" showMasterSp="0" showMasterPhAnim="0">
-  <p:cSld>
-    <p:spTree>
-      <p:nvGrpSpPr>
-        <p:cNvPr id="1" name="Shape 468"/>
-        <p:cNvGrpSpPr/>
-        <p:nvPr/>
-      </p:nvGrpSpPr>
-      <p:grpSpPr>
-        <a:xfrm>
-          <a:off x="0" y="0"/>
-          <a:ext cx="0" cy="0"/>
-          <a:chOff x="0" y="0"/>
-          <a:chExt cx="0" cy="0"/>
-        </a:xfrm>
-      </p:grpSpPr>
-      <p:sp>
-        <p:nvSpPr>
-          <p:cNvPr id="469" name="Google Shape;469;g387edecf516_0_0:notes"/>
-          <p:cNvSpPr>
-            <a:spLocks noGrp="1" noRot="1" noChangeAspect="1"/>
-          </p:cNvSpPr>
-          <p:nvPr>
-            <p:ph type="sldImg" idx="2"/>
-          </p:nvPr>
-        </p:nvSpPr>
-        <p:spPr>
-          <a:xfrm>
-            <a:off x="381300" y="685800"/>
-            <a:ext cx="6096000" cy="3429000"/>
-          </a:xfrm>
-          <a:custGeom>
-            <a:avLst/>
-            <a:gdLst/>
-            <a:ahLst/>
-            <a:cxnLst/>
-            <a:rect l="l" t="t" r="r" b="b"/>
-            <a:pathLst>
-              <a:path w="120000" h="120000" extrusionOk="0">
-                <a:moveTo>
-                  <a:pt x="0" y="0"/>
-                </a:moveTo>
-                <a:lnTo>
-                  <a:pt x="120000" y="0"/>
-                </a:lnTo>
-                <a:lnTo>
-                  <a:pt x="120000" y="120000"/>
-                </a:lnTo>
-                <a:lnTo>
-                  <a:pt x="0" y="120000"/>
-                </a:lnTo>
-                <a:close/>
-              </a:path>
-            </a:pathLst>
-          </a:custGeom>
-        </p:spPr>
-      </p:sp>
-      <p:sp>
-        <p:nvSpPr>
-          <p:cNvPr id="470" name="Google Shape;470;g387edecf516_0_0:notes"/>
-          <p:cNvSpPr txBox="1">
-            <a:spLocks noGrp="1"/>
-          </p:cNvSpPr>
-          <p:nvPr>
-            <p:ph type="body" idx="1"/>
-          </p:nvPr>
-        </p:nvSpPr>
-        <p:spPr>
-          <a:xfrm>
-            <a:off x="685800" y="4343400"/>
-            <a:ext cx="5486400" cy="4114800"/>
-          </a:xfrm>
-          <a:prstGeom prst="rect">
-            <a:avLst/>
-          </a:prstGeom>
-        </p:spPr>
-        <p:txBody>
-          <a:bodyPr spcFirstLastPara="1" wrap="square" lIns="91425" tIns="91425" rIns="91425" bIns="91425" anchor="t" anchorCtr="0">
-            <a:noAutofit/>
-          </a:bodyPr>
-          <a:lstStyle/>
-          <a:p>
-            <a:pPr marL="0" lvl="0" indent="0" algn="l" rtl="0">
-              <a:spcBef>
-                <a:spcPts val="0"/>
-              </a:spcBef>
-              <a:spcAft>
-                <a:spcPts val="0"/>
-              </a:spcAft>
-              <a:buNone/>
-            </a:pPr>
-            <a:endParaRPr/>
-          </a:p>
-        </p:txBody>
-      </p:sp>
-    </p:spTree>
-  </p:cSld>
-  <p:clrMapOvr>
-    <a:masterClrMapping/>
-  </p:clrMapOvr>
-</p:notes>
-</file>
-
-<file path=ppt/notesSlides/notesSlide59.xml><?xml version="1.0" encoding="utf-8"?>
+<file path=ppt/notesSlides/notesSlide60.xml><?xml version="1.0" encoding="utf-8"?>
 <p:notes xmlns:a="http://schemas.openxmlformats.org/drawingml/2006/main" xmlns:r="http://schemas.openxmlformats.org/officeDocument/2006/relationships" xmlns:p="http://schemas.openxmlformats.org/presentationml/2006/main" showMasterSp="0" showMasterPhAnim="0">
   <p:cSld>
     <p:spTree>
@@ -6435,7 +6644,7 @@
         </p:nvSpPr>
         <p:spPr>
           <a:xfrm>
-            <a:off x="381000" y="685800"/>
+            <a:off x="381300" y="685800"/>
             <a:ext cx="6096000" cy="3429000"/>
           </a:xfrm>
           <a:custGeom>
@@ -6510,7 +6719,111 @@
 </p:notes>
 </file>
 
-<file path=ppt/notesSlides/notesSlide6.xml><?xml version="1.0" encoding="utf-8"?>
+<file path=ppt/notesSlides/notesSlide61.xml><?xml version="1.0" encoding="utf-8"?>
+<p:notes xmlns:a="http://schemas.openxmlformats.org/drawingml/2006/main" xmlns:r="http://schemas.openxmlformats.org/officeDocument/2006/relationships" xmlns:p="http://schemas.openxmlformats.org/presentationml/2006/main" showMasterSp="0" showMasterPhAnim="0">
+  <p:cSld>
+    <p:spTree>
+      <p:nvGrpSpPr>
+        <p:cNvPr id="1" name="Shape 478"/>
+        <p:cNvGrpSpPr/>
+        <p:nvPr/>
+      </p:nvGrpSpPr>
+      <p:grpSpPr>
+        <a:xfrm>
+          <a:off x="0" y="0"/>
+          <a:ext cx="0" cy="0"/>
+          <a:chOff x="0" y="0"/>
+          <a:chExt cx="0" cy="0"/>
+        </a:xfrm>
+      </p:grpSpPr>
+      <p:sp>
+        <p:nvSpPr>
+          <p:cNvPr id="479" name="Google Shape;479;g387dbed02e7_0_4:notes"/>
+          <p:cNvSpPr>
+            <a:spLocks noGrp="1" noRot="1" noChangeAspect="1"/>
+          </p:cNvSpPr>
+          <p:nvPr>
+            <p:ph type="sldImg" idx="2"/>
+          </p:nvPr>
+        </p:nvSpPr>
+        <p:spPr>
+          <a:xfrm>
+            <a:off x="381300" y="685800"/>
+            <a:ext cx="6096000" cy="3429000"/>
+          </a:xfrm>
+          <a:custGeom>
+            <a:avLst/>
+            <a:gdLst/>
+            <a:ahLst/>
+            <a:cxnLst/>
+            <a:rect l="l" t="t" r="r" b="b"/>
+            <a:pathLst>
+              <a:path w="120000" h="120000" extrusionOk="0">
+                <a:moveTo>
+                  <a:pt x="0" y="0"/>
+                </a:moveTo>
+                <a:lnTo>
+                  <a:pt x="120000" y="0"/>
+                </a:lnTo>
+                <a:lnTo>
+                  <a:pt x="120000" y="120000"/>
+                </a:lnTo>
+                <a:lnTo>
+                  <a:pt x="0" y="120000"/>
+                </a:lnTo>
+                <a:close/>
+              </a:path>
+            </a:pathLst>
+          </a:custGeom>
+        </p:spPr>
+      </p:sp>
+      <p:sp>
+        <p:nvSpPr>
+          <p:cNvPr id="480" name="Google Shape;480;g387dbed02e7_0_4:notes"/>
+          <p:cNvSpPr txBox="1">
+            <a:spLocks noGrp="1"/>
+          </p:cNvSpPr>
+          <p:nvPr>
+            <p:ph type="body" idx="1"/>
+          </p:nvPr>
+        </p:nvSpPr>
+        <p:spPr>
+          <a:xfrm>
+            <a:off x="685800" y="4343400"/>
+            <a:ext cx="5486400" cy="4114800"/>
+          </a:xfrm>
+          <a:prstGeom prst="rect">
+            <a:avLst/>
+          </a:prstGeom>
+        </p:spPr>
+        <p:txBody>
+          <a:bodyPr spcFirstLastPara="1" wrap="square" lIns="91425" tIns="91425" rIns="91425" bIns="91425" anchor="t" anchorCtr="0">
+            <a:noAutofit/>
+          </a:bodyPr>
+          <a:lstStyle/>
+          <a:p>
+            <a:pPr marL="0" lvl="0" indent="0" algn="l" rtl="0">
+              <a:spcBef>
+                <a:spcPts val="0"/>
+              </a:spcBef>
+              <a:spcAft>
+                <a:spcPts val="0"/>
+              </a:spcAft>
+              <a:buNone/>
+            </a:pPr>
+            <a:endParaRPr/>
+          </a:p>
+        </p:txBody>
+      </p:sp>
+    </p:spTree>
+  </p:cSld>
+  <p:clrMapOvr>
+    <a:masterClrMapping/>
+  </p:clrMapOvr>
+</p:notes>
+</file>
+
+<file path=ppt/notesSlides/notesSlide7.xml><?xml version="1.0" encoding="utf-8"?>
 <p:notes xmlns:a="http://schemas.openxmlformats.org/drawingml/2006/main" xmlns:r="http://schemas.openxmlformats.org/officeDocument/2006/relationships" xmlns:p="http://schemas.openxmlformats.org/presentationml/2006/main" showMasterSp="0" showMasterPhAnim="0">
   <p:cSld>
     <p:spTree>
@@ -6614,111 +6927,7 @@
 </p:notes>
 </file>
 
-<file path=ppt/notesSlides/notesSlide60.xml><?xml version="1.0" encoding="utf-8"?>
-<p:notes xmlns:a="http://schemas.openxmlformats.org/drawingml/2006/main" xmlns:r="http://schemas.openxmlformats.org/officeDocument/2006/relationships" xmlns:p="http://schemas.openxmlformats.org/presentationml/2006/main" showMasterSp="0" showMasterPhAnim="0">
-  <p:cSld>
-    <p:spTree>
-      <p:nvGrpSpPr>
-        <p:cNvPr id="1" name="Shape 478"/>
-        <p:cNvGrpSpPr/>
-        <p:nvPr/>
-      </p:nvGrpSpPr>
-      <p:grpSpPr>
-        <a:xfrm>
-          <a:off x="0" y="0"/>
-          <a:ext cx="0" cy="0"/>
-          <a:chOff x="0" y="0"/>
-          <a:chExt cx="0" cy="0"/>
-        </a:xfrm>
-      </p:grpSpPr>
-      <p:sp>
-        <p:nvSpPr>
-          <p:cNvPr id="479" name="Google Shape;479;g387dbed02e7_0_4:notes"/>
-          <p:cNvSpPr>
-            <a:spLocks noGrp="1" noRot="1" noChangeAspect="1"/>
-          </p:cNvSpPr>
-          <p:nvPr>
-            <p:ph type="sldImg" idx="2"/>
-          </p:nvPr>
-        </p:nvSpPr>
-        <p:spPr>
-          <a:xfrm>
-            <a:off x="381000" y="685800"/>
-            <a:ext cx="6096000" cy="3429000"/>
-          </a:xfrm>
-          <a:custGeom>
-            <a:avLst/>
-            <a:gdLst/>
-            <a:ahLst/>
-            <a:cxnLst/>
-            <a:rect l="l" t="t" r="r" b="b"/>
-            <a:pathLst>
-              <a:path w="120000" h="120000" extrusionOk="0">
-                <a:moveTo>
-                  <a:pt x="0" y="0"/>
-                </a:moveTo>
-                <a:lnTo>
-                  <a:pt x="120000" y="0"/>
-                </a:lnTo>
-                <a:lnTo>
-                  <a:pt x="120000" y="120000"/>
-                </a:lnTo>
-                <a:lnTo>
-                  <a:pt x="0" y="120000"/>
-                </a:lnTo>
-                <a:close/>
-              </a:path>
-            </a:pathLst>
-          </a:custGeom>
-        </p:spPr>
-      </p:sp>
-      <p:sp>
-        <p:nvSpPr>
-          <p:cNvPr id="480" name="Google Shape;480;g387dbed02e7_0_4:notes"/>
-          <p:cNvSpPr txBox="1">
-            <a:spLocks noGrp="1"/>
-          </p:cNvSpPr>
-          <p:nvPr>
-            <p:ph type="body" idx="1"/>
-          </p:nvPr>
-        </p:nvSpPr>
-        <p:spPr>
-          <a:xfrm>
-            <a:off x="685800" y="4343400"/>
-            <a:ext cx="5486400" cy="4114800"/>
-          </a:xfrm>
-          <a:prstGeom prst="rect">
-            <a:avLst/>
-          </a:prstGeom>
-        </p:spPr>
-        <p:txBody>
-          <a:bodyPr spcFirstLastPara="1" wrap="square" lIns="91425" tIns="91425" rIns="91425" bIns="91425" anchor="t" anchorCtr="0">
-            <a:noAutofit/>
-          </a:bodyPr>
-          <a:lstStyle/>
-          <a:p>
-            <a:pPr marL="0" lvl="0" indent="0" algn="l" rtl="0">
-              <a:spcBef>
-                <a:spcPts val="0"/>
-              </a:spcBef>
-              <a:spcAft>
-                <a:spcPts val="0"/>
-              </a:spcAft>
-              <a:buNone/>
-            </a:pPr>
-            <a:endParaRPr/>
-          </a:p>
-        </p:txBody>
-      </p:sp>
-    </p:spTree>
-  </p:cSld>
-  <p:clrMapOvr>
-    <a:masterClrMapping/>
-  </p:clrMapOvr>
-</p:notes>
-</file>
-
-<file path=ppt/notesSlides/notesSlide7.xml><?xml version="1.0" encoding="utf-8"?>
+<file path=ppt/notesSlides/notesSlide8.xml><?xml version="1.0" encoding="utf-8"?>
 <p:notes xmlns:a="http://schemas.openxmlformats.org/drawingml/2006/main" xmlns:r="http://schemas.openxmlformats.org/officeDocument/2006/relationships" xmlns:p="http://schemas.openxmlformats.org/presentationml/2006/main" showMasterSp="0" showMasterPhAnim="0">
   <p:cSld>
     <p:spTree>
@@ -6822,7 +7031,7 @@
 </p:notes>
 </file>
 
-<file path=ppt/notesSlides/notesSlide8.xml><?xml version="1.0" encoding="utf-8"?>
+<file path=ppt/notesSlides/notesSlide9.xml><?xml version="1.0" encoding="utf-8"?>
 <p:notes xmlns:a="http://schemas.openxmlformats.org/drawingml/2006/main" xmlns:r="http://schemas.openxmlformats.org/officeDocument/2006/relationships" xmlns:p="http://schemas.openxmlformats.org/presentationml/2006/main" showMasterSp="0" showMasterPhAnim="0">
   <p:cSld>
     <p:spTree>
@@ -6883,110 +7092,6 @@
       <p:sp>
         <p:nvSpPr>
           <p:cNvPr id="180" name="Google Shape;180;g34ca80ebf23_0_11:notes"/>
-          <p:cNvSpPr txBox="1">
-            <a:spLocks noGrp="1"/>
-          </p:cNvSpPr>
-          <p:nvPr>
-            <p:ph type="body" idx="1"/>
-          </p:nvPr>
-        </p:nvSpPr>
-        <p:spPr>
-          <a:xfrm>
-            <a:off x="685800" y="4343400"/>
-            <a:ext cx="5486400" cy="4114800"/>
-          </a:xfrm>
-          <a:prstGeom prst="rect">
-            <a:avLst/>
-          </a:prstGeom>
-        </p:spPr>
-        <p:txBody>
-          <a:bodyPr spcFirstLastPara="1" wrap="square" lIns="91425" tIns="91425" rIns="91425" bIns="91425" anchor="t" anchorCtr="0">
-            <a:noAutofit/>
-          </a:bodyPr>
-          <a:lstStyle/>
-          <a:p>
-            <a:pPr marL="0" lvl="0" indent="0" algn="l" rtl="0">
-              <a:spcBef>
-                <a:spcPts val="0"/>
-              </a:spcBef>
-              <a:spcAft>
-                <a:spcPts val="0"/>
-              </a:spcAft>
-              <a:buNone/>
-            </a:pPr>
-            <a:endParaRPr/>
-          </a:p>
-        </p:txBody>
-      </p:sp>
-    </p:spTree>
-  </p:cSld>
-  <p:clrMapOvr>
-    <a:masterClrMapping/>
-  </p:clrMapOvr>
-</p:notes>
-</file>
-
-<file path=ppt/notesSlides/notesSlide9.xml><?xml version="1.0" encoding="utf-8"?>
-<p:notes xmlns:a="http://schemas.openxmlformats.org/drawingml/2006/main" xmlns:r="http://schemas.openxmlformats.org/officeDocument/2006/relationships" xmlns:p="http://schemas.openxmlformats.org/presentationml/2006/main" showMasterSp="0" showMasterPhAnim="0">
-  <p:cSld>
-    <p:spTree>
-      <p:nvGrpSpPr>
-        <p:cNvPr id="1" name="Shape 184"/>
-        <p:cNvGrpSpPr/>
-        <p:nvPr/>
-      </p:nvGrpSpPr>
-      <p:grpSpPr>
-        <a:xfrm>
-          <a:off x="0" y="0"/>
-          <a:ext cx="0" cy="0"/>
-          <a:chOff x="0" y="0"/>
-          <a:chExt cx="0" cy="0"/>
-        </a:xfrm>
-      </p:grpSpPr>
-      <p:sp>
-        <p:nvSpPr>
-          <p:cNvPr id="185" name="Google Shape;185;g34ca80ebf23_0_24:notes"/>
-          <p:cNvSpPr>
-            <a:spLocks noGrp="1" noRot="1" noChangeAspect="1"/>
-          </p:cNvSpPr>
-          <p:nvPr>
-            <p:ph type="sldImg" idx="2"/>
-          </p:nvPr>
-        </p:nvSpPr>
-        <p:spPr>
-          <a:xfrm>
-            <a:off x="381300" y="685800"/>
-            <a:ext cx="6096000" cy="3429000"/>
-          </a:xfrm>
-          <a:custGeom>
-            <a:avLst/>
-            <a:gdLst/>
-            <a:ahLst/>
-            <a:cxnLst/>
-            <a:rect l="l" t="t" r="r" b="b"/>
-            <a:pathLst>
-              <a:path w="120000" h="120000" extrusionOk="0">
-                <a:moveTo>
-                  <a:pt x="0" y="0"/>
-                </a:moveTo>
-                <a:lnTo>
-                  <a:pt x="120000" y="0"/>
-                </a:lnTo>
-                <a:lnTo>
-                  <a:pt x="120000" y="120000"/>
-                </a:lnTo>
-                <a:lnTo>
-                  <a:pt x="0" y="120000"/>
-                </a:lnTo>
-                <a:close/>
-              </a:path>
-            </a:pathLst>
-          </a:custGeom>
-        </p:spPr>
-      </p:sp>
-      <p:sp>
-        <p:nvSpPr>
-          <p:cNvPr id="186" name="Google Shape;186;g34ca80ebf23_0_24:notes"/>
           <p:cNvSpPr txBox="1">
             <a:spLocks noGrp="1"/>
           </p:cNvSpPr>
@@ -15197,10 +15302,25 @@
               <a:buNone/>
             </a:pPr>
             <a:r>
-              <a:rPr lang="es"/>
+              <a:rPr lang="es" dirty="0"/>
               <a:t>Antonio Cordero Serrano 2º CFGS DAM</a:t>
             </a:r>
-            <a:endParaRPr/>
+          </a:p>
+          <a:p>
+            <a:pPr marL="0" lvl="0" indent="0" algn="l" rtl="0">
+              <a:spcBef>
+                <a:spcPts val="0"/>
+              </a:spcBef>
+              <a:spcAft>
+                <a:spcPts val="0"/>
+              </a:spcAft>
+              <a:buNone/>
+            </a:pPr>
+            <a:r>
+              <a:rPr lang="es" dirty="0"/>
+              <a:t>Creación de la presentación: 10/10/2025</a:t>
+            </a:r>
+            <a:endParaRPr dirty="0"/>
           </a:p>
         </p:txBody>
       </p:sp>
@@ -15245,6 +15365,232 @@
   <p:cSld>
     <p:spTree>
       <p:nvGrpSpPr>
+        <p:cNvPr id="1" name="Shape 187"/>
+        <p:cNvGrpSpPr/>
+        <p:nvPr/>
+      </p:nvGrpSpPr>
+      <p:grpSpPr>
+        <a:xfrm>
+          <a:off x="0" y="0"/>
+          <a:ext cx="0" cy="0"/>
+          <a:chOff x="0" y="0"/>
+          <a:chExt cx="0" cy="0"/>
+        </a:xfrm>
+      </p:grpSpPr>
+      <p:sp>
+        <p:nvSpPr>
+          <p:cNvPr id="188" name="Google Shape;188;p22"/>
+          <p:cNvSpPr txBox="1">
+            <a:spLocks noGrp="1"/>
+          </p:cNvSpPr>
+          <p:nvPr>
+            <p:ph type="title"/>
+          </p:nvPr>
+        </p:nvSpPr>
+        <p:spPr>
+          <a:xfrm>
+            <a:off x="727650" y="630850"/>
+            <a:ext cx="7688700" cy="535200"/>
+          </a:xfrm>
+          <a:prstGeom prst="rect">
+            <a:avLst/>
+          </a:prstGeom>
+        </p:spPr>
+        <p:txBody>
+          <a:bodyPr spcFirstLastPara="1" wrap="square" lIns="91425" tIns="91425" rIns="91425" bIns="91425" anchor="t" anchorCtr="0">
+            <a:normAutofit fontScale="90000"/>
+          </a:bodyPr>
+          <a:lstStyle/>
+          <a:p>
+            <a:pPr marL="0" lvl="0" indent="0" algn="ctr" rtl="0">
+              <a:spcBef>
+                <a:spcPts val="0"/>
+              </a:spcBef>
+              <a:spcAft>
+                <a:spcPts val="0"/>
+              </a:spcAft>
+              <a:buNone/>
+            </a:pPr>
+            <a:r>
+              <a:rPr lang="es"/>
+              <a:t>Competencia</a:t>
+            </a:r>
+            <a:endParaRPr/>
+          </a:p>
+        </p:txBody>
+      </p:sp>
+      <p:sp>
+        <p:nvSpPr>
+          <p:cNvPr id="189" name="Google Shape;189;p22"/>
+          <p:cNvSpPr txBox="1">
+            <a:spLocks noGrp="1"/>
+          </p:cNvSpPr>
+          <p:nvPr>
+            <p:ph type="body" idx="1"/>
+          </p:nvPr>
+        </p:nvSpPr>
+        <p:spPr>
+          <a:xfrm>
+            <a:off x="727650" y="1249050"/>
+            <a:ext cx="7688700" cy="2261100"/>
+          </a:xfrm>
+          <a:prstGeom prst="rect">
+            <a:avLst/>
+          </a:prstGeom>
+        </p:spPr>
+        <p:txBody>
+          <a:bodyPr spcFirstLastPara="1" wrap="square" lIns="91425" tIns="91425" rIns="91425" bIns="91425" anchor="t" anchorCtr="0">
+            <a:normAutofit fontScale="25000" lnSpcReduction="20000"/>
+          </a:bodyPr>
+          <a:lstStyle/>
+          <a:p>
+            <a:pPr marL="0" lvl="0" indent="0" algn="ctr" rtl="0">
+              <a:spcBef>
+                <a:spcPts val="0"/>
+              </a:spcBef>
+              <a:spcAft>
+                <a:spcPts val="0"/>
+              </a:spcAft>
+              <a:buNone/>
+            </a:pPr>
+            <a:r>
+              <a:rPr lang="es" sz="12000"/>
+              <a:t>Listonic</a:t>
+            </a:r>
+            <a:endParaRPr sz="12000"/>
+          </a:p>
+          <a:p>
+            <a:pPr marL="0" lvl="0" indent="0" algn="l" rtl="0">
+              <a:spcBef>
+                <a:spcPts val="1200"/>
+              </a:spcBef>
+              <a:spcAft>
+                <a:spcPts val="0"/>
+              </a:spcAft>
+              <a:buNone/>
+            </a:pPr>
+            <a:r>
+              <a:rPr lang="es" sz="7200" b="1"/>
+              <a:t>Ventajas</a:t>
+            </a:r>
+            <a:endParaRPr sz="7200" b="1"/>
+          </a:p>
+          <a:p>
+            <a:pPr marL="457200" lvl="0" indent="-342900" algn="l" rtl="0">
+              <a:spcBef>
+                <a:spcPts val="1200"/>
+              </a:spcBef>
+              <a:spcAft>
+                <a:spcPts val="0"/>
+              </a:spcAft>
+              <a:buSzPct val="100000"/>
+              <a:buChar char="●"/>
+            </a:pPr>
+            <a:r>
+              <a:rPr lang="es" sz="7200"/>
+              <a:t>Sugerencias automáticas al escribir</a:t>
+            </a:r>
+            <a:endParaRPr sz="7200"/>
+          </a:p>
+          <a:p>
+            <a:pPr marL="457200" lvl="0" indent="-342900" algn="l" rtl="0">
+              <a:spcBef>
+                <a:spcPts val="0"/>
+              </a:spcBef>
+              <a:spcAft>
+                <a:spcPts val="0"/>
+              </a:spcAft>
+              <a:buSzPct val="100000"/>
+              <a:buChar char="●"/>
+            </a:pPr>
+            <a:r>
+              <a:rPr lang="es" sz="7200"/>
+              <a:t>Soporte en múltiples idiomas</a:t>
+            </a:r>
+            <a:endParaRPr sz="7200"/>
+          </a:p>
+          <a:p>
+            <a:pPr marL="457200" lvl="0" indent="-342900" algn="l" rtl="0">
+              <a:spcBef>
+                <a:spcPts val="0"/>
+              </a:spcBef>
+              <a:spcAft>
+                <a:spcPts val="0"/>
+              </a:spcAft>
+              <a:buSzPct val="100000"/>
+              <a:buChar char="●"/>
+            </a:pPr>
+            <a:r>
+              <a:rPr lang="es" sz="7200"/>
+              <a:t>Añadir precios a los productos</a:t>
+            </a:r>
+            <a:endParaRPr sz="7200"/>
+          </a:p>
+          <a:p>
+            <a:pPr marL="0" lvl="0" indent="0" algn="l" rtl="0">
+              <a:spcBef>
+                <a:spcPts val="1200"/>
+              </a:spcBef>
+              <a:spcAft>
+                <a:spcPts val="0"/>
+              </a:spcAft>
+              <a:buNone/>
+            </a:pPr>
+            <a:r>
+              <a:rPr lang="es" sz="7200" b="1"/>
+              <a:t>Desventajas</a:t>
+            </a:r>
+            <a:endParaRPr sz="7200" b="1"/>
+          </a:p>
+          <a:p>
+            <a:pPr marL="457200" lvl="0" indent="-342900" algn="l" rtl="0">
+              <a:spcBef>
+                <a:spcPts val="1200"/>
+              </a:spcBef>
+              <a:spcAft>
+                <a:spcPts val="0"/>
+              </a:spcAft>
+              <a:buSzPct val="100000"/>
+              <a:buChar char="●"/>
+            </a:pPr>
+            <a:r>
+              <a:rPr lang="es" sz="7200"/>
+              <a:t>No realiza cálculo colaborativo</a:t>
+            </a:r>
+            <a:endParaRPr sz="7200"/>
+          </a:p>
+          <a:p>
+            <a:pPr marL="457200" lvl="0" indent="-342900" algn="l" rtl="0">
+              <a:spcBef>
+                <a:spcPts val="0"/>
+              </a:spcBef>
+              <a:spcAft>
+                <a:spcPts val="0"/>
+              </a:spcAft>
+              <a:buSzPct val="100000"/>
+              <a:buChar char="●"/>
+            </a:pPr>
+            <a:r>
+              <a:rPr lang="es" sz="7200"/>
+              <a:t>No se refleja quien añadió/compró productos</a:t>
+            </a:r>
+            <a:endParaRPr/>
+          </a:p>
+        </p:txBody>
+      </p:sp>
+    </p:spTree>
+  </p:cSld>
+  <p:clrMapOvr>
+    <a:masterClrMapping/>
+  </p:clrMapOvr>
+</p:sld>
+</file>
+
+<file path=ppt/slides/slide11.xml><?xml version="1.0" encoding="utf-8"?>
+<p:sld xmlns:a="http://schemas.openxmlformats.org/drawingml/2006/main" xmlns:r="http://schemas.openxmlformats.org/officeDocument/2006/relationships" xmlns:p="http://schemas.openxmlformats.org/presentationml/2006/main">
+  <p:cSld>
+    <p:spTree>
+      <p:nvGrpSpPr>
         <p:cNvPr id="1" name="Shape 193"/>
         <p:cNvGrpSpPr/>
         <p:nvPr/>
@@ -15474,7 +15820,7 @@
 </p:sld>
 </file>
 
-<file path=ppt/slides/slide11.xml><?xml version="1.0" encoding="utf-8"?>
+<file path=ppt/slides/slide12.xml><?xml version="1.0" encoding="utf-8"?>
 <p:sld xmlns:a="http://schemas.openxmlformats.org/drawingml/2006/main" xmlns:r="http://schemas.openxmlformats.org/officeDocument/2006/relationships" xmlns:p="http://schemas.openxmlformats.org/presentationml/2006/main">
   <p:cSld>
     <p:spTree>
@@ -15691,7 +16037,7 @@
 </p:sld>
 </file>
 
-<file path=ppt/slides/slide12.xml><?xml version="1.0" encoding="utf-8"?>
+<file path=ppt/slides/slide13.xml><?xml version="1.0" encoding="utf-8"?>
 <p:sld xmlns:a="http://schemas.openxmlformats.org/drawingml/2006/main" xmlns:r="http://schemas.openxmlformats.org/officeDocument/2006/relationships" xmlns:p="http://schemas.openxmlformats.org/presentationml/2006/main">
   <p:cSld>
     <p:spTree>
@@ -15911,7 +16257,7 @@
 </p:sld>
 </file>
 
-<file path=ppt/slides/slide13.xml><?xml version="1.0" encoding="utf-8"?>
+<file path=ppt/slides/slide14.xml><?xml version="1.0" encoding="utf-8"?>
 <p:sld xmlns:a="http://schemas.openxmlformats.org/drawingml/2006/main" xmlns:r="http://schemas.openxmlformats.org/officeDocument/2006/relationships" xmlns:p="http://schemas.openxmlformats.org/presentationml/2006/main">
   <p:cSld>
     <p:spTree>
@@ -16173,7 +16519,7 @@
 </p:sld>
 </file>
 
-<file path=ppt/slides/slide14.xml><?xml version="1.0" encoding="utf-8"?>
+<file path=ppt/slides/slide15.xml><?xml version="1.0" encoding="utf-8"?>
 <p:sld xmlns:a="http://schemas.openxmlformats.org/drawingml/2006/main" xmlns:r="http://schemas.openxmlformats.org/officeDocument/2006/relationships" xmlns:p="http://schemas.openxmlformats.org/presentationml/2006/main">
   <p:cSld>
     <p:spTree>
@@ -16514,7 +16860,7 @@
 </p:sld>
 </file>
 
-<file path=ppt/slides/slide15.xml><?xml version="1.0" encoding="utf-8"?>
+<file path=ppt/slides/slide16.xml><?xml version="1.0" encoding="utf-8"?>
 <p:sld xmlns:a="http://schemas.openxmlformats.org/drawingml/2006/main" xmlns:r="http://schemas.openxmlformats.org/officeDocument/2006/relationships" xmlns:p="http://schemas.openxmlformats.org/presentationml/2006/main">
   <p:cSld>
     <p:spTree>
@@ -16859,7 +17205,7 @@
 </p:sld>
 </file>
 
-<file path=ppt/slides/slide16.xml><?xml version="1.0" encoding="utf-8"?>
+<file path=ppt/slides/slide17.xml><?xml version="1.0" encoding="utf-8"?>
 <p:sld xmlns:a="http://schemas.openxmlformats.org/drawingml/2006/main" xmlns:r="http://schemas.openxmlformats.org/officeDocument/2006/relationships" xmlns:p="http://schemas.openxmlformats.org/presentationml/2006/main">
   <p:cSld>
     <p:spTree>
@@ -16926,7 +17272,7 @@
 </p:sld>
 </file>
 
-<file path=ppt/slides/slide17.xml><?xml version="1.0" encoding="utf-8"?>
+<file path=ppt/slides/slide18.xml><?xml version="1.0" encoding="utf-8"?>
 <p:sld xmlns:a="http://schemas.openxmlformats.org/drawingml/2006/main" xmlns:r="http://schemas.openxmlformats.org/officeDocument/2006/relationships" xmlns:p="http://schemas.openxmlformats.org/presentationml/2006/main">
   <p:cSld>
     <p:spTree>
@@ -17099,7 +17445,7 @@
 </p:sld>
 </file>
 
-<file path=ppt/slides/slide18.xml><?xml version="1.0" encoding="utf-8"?>
+<file path=ppt/slides/slide19.xml><?xml version="1.0" encoding="utf-8"?>
 <p:sld xmlns:a="http://schemas.openxmlformats.org/drawingml/2006/main" xmlns:r="http://schemas.openxmlformats.org/officeDocument/2006/relationships" xmlns:p="http://schemas.openxmlformats.org/presentationml/2006/main">
   <p:cSld>
     <p:spTree>
@@ -17302,243 +17648,6 @@
               <a:buNone/>
             </a:pPr>
             <a:endParaRPr sz="1700"/>
-          </a:p>
-        </p:txBody>
-      </p:sp>
-    </p:spTree>
-  </p:cSld>
-  <p:clrMapOvr>
-    <a:masterClrMapping/>
-  </p:clrMapOvr>
-</p:sld>
-</file>
-
-<file path=ppt/slides/slide19.xml><?xml version="1.0" encoding="utf-8"?>
-<p:sld xmlns:a="http://schemas.openxmlformats.org/drawingml/2006/main" xmlns:r="http://schemas.openxmlformats.org/officeDocument/2006/relationships" xmlns:p="http://schemas.openxmlformats.org/presentationml/2006/main">
-  <p:cSld>
-    <p:spTree>
-      <p:nvGrpSpPr>
-        <p:cNvPr id="1" name="Shape 246"/>
-        <p:cNvGrpSpPr/>
-        <p:nvPr/>
-      </p:nvGrpSpPr>
-      <p:grpSpPr>
-        <a:xfrm>
-          <a:off x="0" y="0"/>
-          <a:ext cx="0" cy="0"/>
-          <a:chOff x="0" y="0"/>
-          <a:chExt cx="0" cy="0"/>
-        </a:xfrm>
-      </p:grpSpPr>
-      <p:sp>
-        <p:nvSpPr>
-          <p:cNvPr id="247" name="Google Shape;247;p32"/>
-          <p:cNvSpPr txBox="1">
-            <a:spLocks noGrp="1"/>
-          </p:cNvSpPr>
-          <p:nvPr>
-            <p:ph type="title"/>
-          </p:nvPr>
-        </p:nvSpPr>
-        <p:spPr>
-          <a:xfrm>
-            <a:off x="2651550" y="563575"/>
-            <a:ext cx="3844500" cy="535200"/>
-          </a:xfrm>
-          <a:prstGeom prst="rect">
-            <a:avLst/>
-          </a:prstGeom>
-        </p:spPr>
-        <p:txBody>
-          <a:bodyPr spcFirstLastPara="1" wrap="square" lIns="91425" tIns="91425" rIns="91425" bIns="91425" anchor="t" anchorCtr="0">
-            <a:normAutofit fontScale="90000"/>
-          </a:bodyPr>
-          <a:lstStyle/>
-          <a:p>
-            <a:pPr marL="0" lvl="0" indent="0" algn="l" rtl="0">
-              <a:spcBef>
-                <a:spcPts val="0"/>
-              </a:spcBef>
-              <a:spcAft>
-                <a:spcPts val="0"/>
-              </a:spcAft>
-              <a:buNone/>
-            </a:pPr>
-            <a:r>
-              <a:rPr lang="es"/>
-              <a:t>Requisitos de información</a:t>
-            </a:r>
-            <a:endParaRPr/>
-          </a:p>
-        </p:txBody>
-      </p:sp>
-      <p:sp>
-        <p:nvSpPr>
-          <p:cNvPr id="248" name="Google Shape;248;p32"/>
-          <p:cNvSpPr txBox="1">
-            <a:spLocks noGrp="1"/>
-          </p:cNvSpPr>
-          <p:nvPr>
-            <p:ph type="body" idx="1"/>
-          </p:nvPr>
-        </p:nvSpPr>
-        <p:spPr>
-          <a:xfrm>
-            <a:off x="729450" y="1323250"/>
-            <a:ext cx="7688700" cy="3016800"/>
-          </a:xfrm>
-          <a:prstGeom prst="rect">
-            <a:avLst/>
-          </a:prstGeom>
-        </p:spPr>
-        <p:txBody>
-          <a:bodyPr spcFirstLastPara="1" wrap="square" lIns="91425" tIns="91425" rIns="91425" bIns="91425" anchor="t" anchorCtr="0">
-            <a:normAutofit lnSpcReduction="20000"/>
-          </a:bodyPr>
-          <a:lstStyle/>
-          <a:p>
-            <a:pPr marL="0" lvl="0" indent="0" algn="l" rtl="0">
-              <a:spcBef>
-                <a:spcPts val="1200"/>
-              </a:spcBef>
-              <a:spcAft>
-                <a:spcPts val="0"/>
-              </a:spcAft>
-              <a:buNone/>
-            </a:pPr>
-            <a:r>
-              <a:rPr lang="es" sz="1500" b="1"/>
-              <a:t>Productos</a:t>
-            </a:r>
-            <a:r>
-              <a:rPr lang="es" sz="1500"/>
-              <a:t>:</a:t>
-            </a:r>
-            <a:endParaRPr sz="1500"/>
-          </a:p>
-          <a:p>
-            <a:pPr marL="457200" lvl="0" indent="-323850" algn="l" rtl="0">
-              <a:spcBef>
-                <a:spcPts val="1200"/>
-              </a:spcBef>
-              <a:spcAft>
-                <a:spcPts val="0"/>
-              </a:spcAft>
-              <a:buClr>
-                <a:schemeClr val="lt1"/>
-              </a:buClr>
-              <a:buSzPts val="1500"/>
-              <a:buChar char="●"/>
-            </a:pPr>
-            <a:r>
-              <a:rPr lang="es" sz="1500"/>
-              <a:t>Nombre del producto.</a:t>
-            </a:r>
-            <a:br>
-              <a:rPr lang="es" sz="1500"/>
-            </a:br>
-            <a:endParaRPr sz="1500"/>
-          </a:p>
-          <a:p>
-            <a:pPr marL="457200" lvl="0" indent="-323850" algn="l" rtl="0">
-              <a:spcBef>
-                <a:spcPts val="0"/>
-              </a:spcBef>
-              <a:spcAft>
-                <a:spcPts val="0"/>
-              </a:spcAft>
-              <a:buClr>
-                <a:schemeClr val="lt1"/>
-              </a:buClr>
-              <a:buSzPts val="1500"/>
-              <a:buChar char="●"/>
-            </a:pPr>
-            <a:r>
-              <a:rPr lang="es" sz="1500"/>
-              <a:t>Marca y modelo (si se añade por código de barras).</a:t>
-            </a:r>
-            <a:br>
-              <a:rPr lang="es" sz="1500"/>
-            </a:br>
-            <a:endParaRPr sz="1500"/>
-          </a:p>
-          <a:p>
-            <a:pPr marL="457200" lvl="0" indent="-323850" algn="l" rtl="0">
-              <a:spcBef>
-                <a:spcPts val="0"/>
-              </a:spcBef>
-              <a:spcAft>
-                <a:spcPts val="0"/>
-              </a:spcAft>
-              <a:buClr>
-                <a:schemeClr val="lt1"/>
-              </a:buClr>
-              <a:buSzPts val="1500"/>
-              <a:buChar char="●"/>
-            </a:pPr>
-            <a:r>
-              <a:rPr lang="es" sz="1500"/>
-              <a:t>Estado (pendiente o comprado).</a:t>
-            </a:r>
-            <a:br>
-              <a:rPr lang="es" sz="1500"/>
-            </a:br>
-            <a:endParaRPr sz="1500"/>
-          </a:p>
-          <a:p>
-            <a:pPr marL="457200" lvl="0" indent="-323850" algn="l" rtl="0">
-              <a:spcBef>
-                <a:spcPts val="0"/>
-              </a:spcBef>
-              <a:spcAft>
-                <a:spcPts val="0"/>
-              </a:spcAft>
-              <a:buClr>
-                <a:schemeClr val="lt1"/>
-              </a:buClr>
-              <a:buSzPts val="1500"/>
-              <a:buChar char="●"/>
-            </a:pPr>
-            <a:r>
-              <a:rPr lang="es" sz="1500"/>
-              <a:t>Usuario que lo añadió.</a:t>
-            </a:r>
-            <a:br>
-              <a:rPr lang="es" sz="1500"/>
-            </a:br>
-            <a:endParaRPr sz="1500"/>
-          </a:p>
-          <a:p>
-            <a:pPr marL="457200" lvl="0" indent="-323850" algn="l" rtl="0">
-              <a:spcBef>
-                <a:spcPts val="0"/>
-              </a:spcBef>
-              <a:spcAft>
-                <a:spcPts val="0"/>
-              </a:spcAft>
-              <a:buClr>
-                <a:schemeClr val="lt1"/>
-              </a:buClr>
-              <a:buSzPts val="1500"/>
-              <a:buChar char="●"/>
-            </a:pPr>
-            <a:r>
-              <a:rPr lang="es" sz="1500"/>
-              <a:t>Usuario que lo compró (si aplica).</a:t>
-            </a:r>
-            <a:endParaRPr sz="1500" b="1"/>
-          </a:p>
-          <a:p>
-            <a:pPr marL="0" lvl="0" indent="0" algn="l" rtl="0">
-              <a:spcBef>
-                <a:spcPts val="1200"/>
-              </a:spcBef>
-              <a:spcAft>
-                <a:spcPts val="1200"/>
-              </a:spcAft>
-              <a:buNone/>
-            </a:pPr>
-            <a:endParaRPr/>
           </a:p>
         </p:txBody>
       </p:sp>
@@ -17802,6 +17911,243 @@
   <p:cSld>
     <p:spTree>
       <p:nvGrpSpPr>
+        <p:cNvPr id="1" name="Shape 246"/>
+        <p:cNvGrpSpPr/>
+        <p:nvPr/>
+      </p:nvGrpSpPr>
+      <p:grpSpPr>
+        <a:xfrm>
+          <a:off x="0" y="0"/>
+          <a:ext cx="0" cy="0"/>
+          <a:chOff x="0" y="0"/>
+          <a:chExt cx="0" cy="0"/>
+        </a:xfrm>
+      </p:grpSpPr>
+      <p:sp>
+        <p:nvSpPr>
+          <p:cNvPr id="247" name="Google Shape;247;p32"/>
+          <p:cNvSpPr txBox="1">
+            <a:spLocks noGrp="1"/>
+          </p:cNvSpPr>
+          <p:nvPr>
+            <p:ph type="title"/>
+          </p:nvPr>
+        </p:nvSpPr>
+        <p:spPr>
+          <a:xfrm>
+            <a:off x="2651550" y="563575"/>
+            <a:ext cx="3844500" cy="535200"/>
+          </a:xfrm>
+          <a:prstGeom prst="rect">
+            <a:avLst/>
+          </a:prstGeom>
+        </p:spPr>
+        <p:txBody>
+          <a:bodyPr spcFirstLastPara="1" wrap="square" lIns="91425" tIns="91425" rIns="91425" bIns="91425" anchor="t" anchorCtr="0">
+            <a:normAutofit fontScale="90000"/>
+          </a:bodyPr>
+          <a:lstStyle/>
+          <a:p>
+            <a:pPr marL="0" lvl="0" indent="0" algn="l" rtl="0">
+              <a:spcBef>
+                <a:spcPts val="0"/>
+              </a:spcBef>
+              <a:spcAft>
+                <a:spcPts val="0"/>
+              </a:spcAft>
+              <a:buNone/>
+            </a:pPr>
+            <a:r>
+              <a:rPr lang="es"/>
+              <a:t>Requisitos de información</a:t>
+            </a:r>
+            <a:endParaRPr/>
+          </a:p>
+        </p:txBody>
+      </p:sp>
+      <p:sp>
+        <p:nvSpPr>
+          <p:cNvPr id="248" name="Google Shape;248;p32"/>
+          <p:cNvSpPr txBox="1">
+            <a:spLocks noGrp="1"/>
+          </p:cNvSpPr>
+          <p:nvPr>
+            <p:ph type="body" idx="1"/>
+          </p:nvPr>
+        </p:nvSpPr>
+        <p:spPr>
+          <a:xfrm>
+            <a:off x="729450" y="1323250"/>
+            <a:ext cx="7688700" cy="3016800"/>
+          </a:xfrm>
+          <a:prstGeom prst="rect">
+            <a:avLst/>
+          </a:prstGeom>
+        </p:spPr>
+        <p:txBody>
+          <a:bodyPr spcFirstLastPara="1" wrap="square" lIns="91425" tIns="91425" rIns="91425" bIns="91425" anchor="t" anchorCtr="0">
+            <a:normAutofit lnSpcReduction="20000"/>
+          </a:bodyPr>
+          <a:lstStyle/>
+          <a:p>
+            <a:pPr marL="0" lvl="0" indent="0" algn="l" rtl="0">
+              <a:spcBef>
+                <a:spcPts val="1200"/>
+              </a:spcBef>
+              <a:spcAft>
+                <a:spcPts val="0"/>
+              </a:spcAft>
+              <a:buNone/>
+            </a:pPr>
+            <a:r>
+              <a:rPr lang="es" sz="1500" b="1"/>
+              <a:t>Productos</a:t>
+            </a:r>
+            <a:r>
+              <a:rPr lang="es" sz="1500"/>
+              <a:t>:</a:t>
+            </a:r>
+            <a:endParaRPr sz="1500"/>
+          </a:p>
+          <a:p>
+            <a:pPr marL="457200" lvl="0" indent="-323850" algn="l" rtl="0">
+              <a:spcBef>
+                <a:spcPts val="1200"/>
+              </a:spcBef>
+              <a:spcAft>
+                <a:spcPts val="0"/>
+              </a:spcAft>
+              <a:buClr>
+                <a:schemeClr val="lt1"/>
+              </a:buClr>
+              <a:buSzPts val="1500"/>
+              <a:buChar char="●"/>
+            </a:pPr>
+            <a:r>
+              <a:rPr lang="es" sz="1500"/>
+              <a:t>Nombre del producto.</a:t>
+            </a:r>
+            <a:br>
+              <a:rPr lang="es" sz="1500"/>
+            </a:br>
+            <a:endParaRPr sz="1500"/>
+          </a:p>
+          <a:p>
+            <a:pPr marL="457200" lvl="0" indent="-323850" algn="l" rtl="0">
+              <a:spcBef>
+                <a:spcPts val="0"/>
+              </a:spcBef>
+              <a:spcAft>
+                <a:spcPts val="0"/>
+              </a:spcAft>
+              <a:buClr>
+                <a:schemeClr val="lt1"/>
+              </a:buClr>
+              <a:buSzPts val="1500"/>
+              <a:buChar char="●"/>
+            </a:pPr>
+            <a:r>
+              <a:rPr lang="es" sz="1500"/>
+              <a:t>Marca y modelo (si se añade por código de barras).</a:t>
+            </a:r>
+            <a:br>
+              <a:rPr lang="es" sz="1500"/>
+            </a:br>
+            <a:endParaRPr sz="1500"/>
+          </a:p>
+          <a:p>
+            <a:pPr marL="457200" lvl="0" indent="-323850" algn="l" rtl="0">
+              <a:spcBef>
+                <a:spcPts val="0"/>
+              </a:spcBef>
+              <a:spcAft>
+                <a:spcPts val="0"/>
+              </a:spcAft>
+              <a:buClr>
+                <a:schemeClr val="lt1"/>
+              </a:buClr>
+              <a:buSzPts val="1500"/>
+              <a:buChar char="●"/>
+            </a:pPr>
+            <a:r>
+              <a:rPr lang="es" sz="1500"/>
+              <a:t>Estado (pendiente o comprado).</a:t>
+            </a:r>
+            <a:br>
+              <a:rPr lang="es" sz="1500"/>
+            </a:br>
+            <a:endParaRPr sz="1500"/>
+          </a:p>
+          <a:p>
+            <a:pPr marL="457200" lvl="0" indent="-323850" algn="l" rtl="0">
+              <a:spcBef>
+                <a:spcPts val="0"/>
+              </a:spcBef>
+              <a:spcAft>
+                <a:spcPts val="0"/>
+              </a:spcAft>
+              <a:buClr>
+                <a:schemeClr val="lt1"/>
+              </a:buClr>
+              <a:buSzPts val="1500"/>
+              <a:buChar char="●"/>
+            </a:pPr>
+            <a:r>
+              <a:rPr lang="es" sz="1500"/>
+              <a:t>Usuario que lo añadió.</a:t>
+            </a:r>
+            <a:br>
+              <a:rPr lang="es" sz="1500"/>
+            </a:br>
+            <a:endParaRPr sz="1500"/>
+          </a:p>
+          <a:p>
+            <a:pPr marL="457200" lvl="0" indent="-323850" algn="l" rtl="0">
+              <a:spcBef>
+                <a:spcPts val="0"/>
+              </a:spcBef>
+              <a:spcAft>
+                <a:spcPts val="0"/>
+              </a:spcAft>
+              <a:buClr>
+                <a:schemeClr val="lt1"/>
+              </a:buClr>
+              <a:buSzPts val="1500"/>
+              <a:buChar char="●"/>
+            </a:pPr>
+            <a:r>
+              <a:rPr lang="es" sz="1500"/>
+              <a:t>Usuario que lo compró (si aplica).</a:t>
+            </a:r>
+            <a:endParaRPr sz="1500" b="1"/>
+          </a:p>
+          <a:p>
+            <a:pPr marL="0" lvl="0" indent="0" algn="l" rtl="0">
+              <a:spcBef>
+                <a:spcPts val="1200"/>
+              </a:spcBef>
+              <a:spcAft>
+                <a:spcPts val="1200"/>
+              </a:spcAft>
+              <a:buNone/>
+            </a:pPr>
+            <a:endParaRPr/>
+          </a:p>
+        </p:txBody>
+      </p:sp>
+    </p:spTree>
+  </p:cSld>
+  <p:clrMapOvr>
+    <a:masterClrMapping/>
+  </p:clrMapOvr>
+</p:sld>
+</file>
+
+<file path=ppt/slides/slide21.xml><?xml version="1.0" encoding="utf-8"?>
+<p:sld xmlns:a="http://schemas.openxmlformats.org/drawingml/2006/main" xmlns:r="http://schemas.openxmlformats.org/officeDocument/2006/relationships" xmlns:p="http://schemas.openxmlformats.org/presentationml/2006/main">
+  <p:cSld>
+    <p:spTree>
+      <p:nvGrpSpPr>
         <p:cNvPr id="1" name="Shape 252"/>
         <p:cNvGrpSpPr/>
         <p:nvPr/>
@@ -17988,7 +18334,7 @@
 </p:sld>
 </file>
 
-<file path=ppt/slides/slide21.xml><?xml version="1.0" encoding="utf-8"?>
+<file path=ppt/slides/slide22.xml><?xml version="1.0" encoding="utf-8"?>
 <p:sld xmlns:a="http://schemas.openxmlformats.org/drawingml/2006/main" xmlns:r="http://schemas.openxmlformats.org/officeDocument/2006/relationships" xmlns:p="http://schemas.openxmlformats.org/presentationml/2006/main">
   <p:cSld>
     <p:spTree>
@@ -18220,7 +18566,7 @@
 </p:sld>
 </file>
 
-<file path=ppt/slides/slide22.xml><?xml version="1.0" encoding="utf-8"?>
+<file path=ppt/slides/slide23.xml><?xml version="1.0" encoding="utf-8"?>
 <p:sld xmlns:a="http://schemas.openxmlformats.org/drawingml/2006/main" xmlns:r="http://schemas.openxmlformats.org/officeDocument/2006/relationships" xmlns:p="http://schemas.openxmlformats.org/presentationml/2006/main">
   <p:cSld>
     <p:spTree>
@@ -18377,7 +18723,7 @@
 </p:sld>
 </file>
 
-<file path=ppt/slides/slide23.xml><?xml version="1.0" encoding="utf-8"?>
+<file path=ppt/slides/slide24.xml><?xml version="1.0" encoding="utf-8"?>
 <p:sld xmlns:a="http://schemas.openxmlformats.org/drawingml/2006/main" xmlns:r="http://schemas.openxmlformats.org/officeDocument/2006/relationships" xmlns:p="http://schemas.openxmlformats.org/presentationml/2006/main">
   <p:cSld>
     <p:spTree>
@@ -18576,7 +18922,7 @@
 </p:sld>
 </file>
 
-<file path=ppt/slides/slide24.xml><?xml version="1.0" encoding="utf-8"?>
+<file path=ppt/slides/slide25.xml><?xml version="1.0" encoding="utf-8"?>
 <p:sld xmlns:a="http://schemas.openxmlformats.org/drawingml/2006/main" xmlns:r="http://schemas.openxmlformats.org/officeDocument/2006/relationships" xmlns:p="http://schemas.openxmlformats.org/presentationml/2006/main">
   <p:cSld>
     <p:spTree>
@@ -18874,7 +19220,7 @@
 </p:sld>
 </file>
 
-<file path=ppt/slides/slide25.xml><?xml version="1.0" encoding="utf-8"?>
+<file path=ppt/slides/slide26.xml><?xml version="1.0" encoding="utf-8"?>
 <p:sld xmlns:a="http://schemas.openxmlformats.org/drawingml/2006/main" xmlns:r="http://schemas.openxmlformats.org/officeDocument/2006/relationships" xmlns:p="http://schemas.openxmlformats.org/presentationml/2006/main">
   <p:cSld>
     <p:spTree>
@@ -19150,7 +19496,7 @@
 </p:sld>
 </file>
 
-<file path=ppt/slides/slide26.xml><?xml version="1.0" encoding="utf-8"?>
+<file path=ppt/slides/slide27.xml><?xml version="1.0" encoding="utf-8"?>
 <p:sld xmlns:a="http://schemas.openxmlformats.org/drawingml/2006/main" xmlns:r="http://schemas.openxmlformats.org/officeDocument/2006/relationships" xmlns:p="http://schemas.openxmlformats.org/presentationml/2006/main">
   <p:cSld>
     <p:spTree>
@@ -19349,7 +19695,7 @@
 </p:sld>
 </file>
 
-<file path=ppt/slides/slide27.xml><?xml version="1.0" encoding="utf-8"?>
+<file path=ppt/slides/slide28.xml><?xml version="1.0" encoding="utf-8"?>
 <p:sld xmlns:a="http://schemas.openxmlformats.org/drawingml/2006/main" xmlns:r="http://schemas.openxmlformats.org/officeDocument/2006/relationships" xmlns:p="http://schemas.openxmlformats.org/presentationml/2006/main">
   <p:cSld>
     <p:spTree>
@@ -19539,7 +19885,7 @@
 </p:sld>
 </file>
 
-<file path=ppt/slides/slide28.xml><?xml version="1.0" encoding="utf-8"?>
+<file path=ppt/slides/slide29.xml><?xml version="1.0" encoding="utf-8"?>
 <p:sld xmlns:a="http://schemas.openxmlformats.org/drawingml/2006/main" xmlns:r="http://schemas.openxmlformats.org/officeDocument/2006/relationships" xmlns:p="http://schemas.openxmlformats.org/presentationml/2006/main">
   <p:cSld>
     <p:spTree>
@@ -19715,383 +20061,6 @@
               <a:buNone/>
             </a:pPr>
             <a:endParaRPr/>
-          </a:p>
-        </p:txBody>
-      </p:sp>
-    </p:spTree>
-  </p:cSld>
-  <p:clrMapOvr>
-    <a:masterClrMapping/>
-  </p:clrMapOvr>
-</p:sld>
-</file>
-
-<file path=ppt/slides/slide29.xml><?xml version="1.0" encoding="utf-8"?>
-<p:sld xmlns:a="http://schemas.openxmlformats.org/drawingml/2006/main" xmlns:r="http://schemas.openxmlformats.org/officeDocument/2006/relationships" xmlns:p="http://schemas.openxmlformats.org/presentationml/2006/main">
-  <p:cSld>
-    <p:spTree>
-      <p:nvGrpSpPr>
-        <p:cNvPr id="1" name="Shape 306"/>
-        <p:cNvGrpSpPr/>
-        <p:nvPr/>
-      </p:nvGrpSpPr>
-      <p:grpSpPr>
-        <a:xfrm>
-          <a:off x="0" y="0"/>
-          <a:ext cx="0" cy="0"/>
-          <a:chOff x="0" y="0"/>
-          <a:chExt cx="0" cy="0"/>
-        </a:xfrm>
-      </p:grpSpPr>
-      <p:sp>
-        <p:nvSpPr>
-          <p:cNvPr id="307" name="Google Shape;307;p42"/>
-          <p:cNvSpPr txBox="1">
-            <a:spLocks noGrp="1"/>
-          </p:cNvSpPr>
-          <p:nvPr>
-            <p:ph type="title"/>
-          </p:nvPr>
-        </p:nvSpPr>
-        <p:spPr>
-          <a:xfrm>
-            <a:off x="1297500" y="393750"/>
-            <a:ext cx="7038900" cy="914100"/>
-          </a:xfrm>
-          <a:prstGeom prst="rect">
-            <a:avLst/>
-          </a:prstGeom>
-        </p:spPr>
-        <p:txBody>
-          <a:bodyPr spcFirstLastPara="1" wrap="square" lIns="91425" tIns="91425" rIns="91425" bIns="91425" anchor="t" anchorCtr="0">
-            <a:normAutofit/>
-          </a:bodyPr>
-          <a:lstStyle/>
-          <a:p>
-            <a:pPr marL="0" lvl="0" indent="0" algn="ctr" rtl="0">
-              <a:spcBef>
-                <a:spcPts val="0"/>
-              </a:spcBef>
-              <a:spcAft>
-                <a:spcPts val="0"/>
-              </a:spcAft>
-              <a:buNone/>
-            </a:pPr>
-            <a:r>
-              <a:rPr lang="es"/>
-              <a:t>Casos de uso</a:t>
-            </a:r>
-            <a:endParaRPr/>
-          </a:p>
-        </p:txBody>
-      </p:sp>
-      <p:sp>
-        <p:nvSpPr>
-          <p:cNvPr id="308" name="Google Shape;308;p42"/>
-          <p:cNvSpPr txBox="1">
-            <a:spLocks noGrp="1"/>
-          </p:cNvSpPr>
-          <p:nvPr>
-            <p:ph type="body" idx="1"/>
-          </p:nvPr>
-        </p:nvSpPr>
-        <p:spPr>
-          <a:xfrm>
-            <a:off x="311700" y="1307850"/>
-            <a:ext cx="8520600" cy="3835800"/>
-          </a:xfrm>
-          <a:prstGeom prst="rect">
-            <a:avLst/>
-          </a:prstGeom>
-        </p:spPr>
-        <p:txBody>
-          <a:bodyPr spcFirstLastPara="1" wrap="square" lIns="91425" tIns="91425" rIns="91425" bIns="91425" anchor="t" anchorCtr="0">
-            <a:noAutofit/>
-          </a:bodyPr>
-          <a:lstStyle/>
-          <a:p>
-            <a:pPr marL="0" lvl="0" indent="0" algn="l" rtl="0">
-              <a:lnSpc>
-                <a:spcPct val="95000"/>
-              </a:lnSpc>
-              <a:spcBef>
-                <a:spcPts val="1400"/>
-              </a:spcBef>
-              <a:spcAft>
-                <a:spcPts val="0"/>
-              </a:spcAft>
-              <a:buClr>
-                <a:schemeClr val="dk1"/>
-              </a:buClr>
-              <a:buSzPts val="605"/>
-              <a:buFont typeface="Arial"/>
-              <a:buNone/>
-            </a:pPr>
-            <a:r>
-              <a:rPr lang="es" sz="1381" b="1"/>
-              <a:t>CU-01 Crear lista</a:t>
-            </a:r>
-            <a:endParaRPr sz="1381" b="1"/>
-          </a:p>
-          <a:p>
-            <a:pPr marL="0" lvl="0" indent="0" algn="l" rtl="0">
-              <a:lnSpc>
-                <a:spcPct val="95000"/>
-              </a:lnSpc>
-              <a:spcBef>
-                <a:spcPts val="1200"/>
-              </a:spcBef>
-              <a:spcAft>
-                <a:spcPts val="0"/>
-              </a:spcAft>
-              <a:buClr>
-                <a:schemeClr val="dk1"/>
-              </a:buClr>
-              <a:buSzPts val="605"/>
-              <a:buFont typeface="Arial"/>
-              <a:buNone/>
-            </a:pPr>
-            <a:r>
-              <a:rPr lang="es" sz="1271" b="1"/>
-              <a:t>Actor</a:t>
-            </a:r>
-            <a:r>
-              <a:rPr lang="es" sz="1271"/>
-              <a:t>: Usuario registrado (propietario).</a:t>
-            </a:r>
-            <a:br>
-              <a:rPr lang="es" sz="1271"/>
-            </a:br>
-            <a:r>
-              <a:rPr lang="es" sz="1271"/>
-              <a:t> </a:t>
-            </a:r>
-            <a:r>
-              <a:rPr lang="es" sz="1271" b="1"/>
-              <a:t>Descripción</a:t>
-            </a:r>
-            <a:r>
-              <a:rPr lang="es" sz="1271"/>
-              <a:t>: El usuario crea una lista nueva, introduciendo un nombre identificativo.</a:t>
-            </a:r>
-            <a:endParaRPr sz="1271"/>
-          </a:p>
-          <a:p>
-            <a:pPr marL="0" lvl="0" indent="0" algn="l" rtl="0">
-              <a:lnSpc>
-                <a:spcPct val="95000"/>
-              </a:lnSpc>
-              <a:spcBef>
-                <a:spcPts val="1400"/>
-              </a:spcBef>
-              <a:spcAft>
-                <a:spcPts val="0"/>
-              </a:spcAft>
-              <a:buClr>
-                <a:schemeClr val="dk1"/>
-              </a:buClr>
-              <a:buSzPts val="605"/>
-              <a:buFont typeface="Arial"/>
-              <a:buNone/>
-            </a:pPr>
-            <a:r>
-              <a:rPr lang="es" sz="1381" b="1"/>
-              <a:t>CU-02 Compartir lista</a:t>
-            </a:r>
-            <a:endParaRPr sz="1381" b="1"/>
-          </a:p>
-          <a:p>
-            <a:pPr marL="0" lvl="0" indent="0" algn="l" rtl="0">
-              <a:lnSpc>
-                <a:spcPct val="95000"/>
-              </a:lnSpc>
-              <a:spcBef>
-                <a:spcPts val="1200"/>
-              </a:spcBef>
-              <a:spcAft>
-                <a:spcPts val="0"/>
-              </a:spcAft>
-              <a:buClr>
-                <a:schemeClr val="dk1"/>
-              </a:buClr>
-              <a:buSzPts val="605"/>
-              <a:buFont typeface="Arial"/>
-              <a:buNone/>
-            </a:pPr>
-            <a:r>
-              <a:rPr lang="es" sz="1271" b="1"/>
-              <a:t>Actor</a:t>
-            </a:r>
-            <a:r>
-              <a:rPr lang="es" sz="1271"/>
-              <a:t>: Usuario propietario.</a:t>
-            </a:r>
-            <a:br>
-              <a:rPr lang="es" sz="1271"/>
-            </a:br>
-            <a:r>
-              <a:rPr lang="es" sz="1271"/>
-              <a:t> </a:t>
-            </a:r>
-            <a:r>
-              <a:rPr lang="es" sz="1271" b="1"/>
-              <a:t>Descripción</a:t>
-            </a:r>
-            <a:r>
-              <a:rPr lang="es" sz="1271"/>
-              <a:t>: El propietario introduce el correo de otro usuario y le otorga acceso a la lista.</a:t>
-            </a:r>
-            <a:endParaRPr sz="1271"/>
-          </a:p>
-          <a:p>
-            <a:pPr marL="0" lvl="0" indent="0" algn="l" rtl="0">
-              <a:lnSpc>
-                <a:spcPct val="95000"/>
-              </a:lnSpc>
-              <a:spcBef>
-                <a:spcPts val="1400"/>
-              </a:spcBef>
-              <a:spcAft>
-                <a:spcPts val="0"/>
-              </a:spcAft>
-              <a:buClr>
-                <a:schemeClr val="dk1"/>
-              </a:buClr>
-              <a:buSzPts val="605"/>
-              <a:buFont typeface="Arial"/>
-              <a:buNone/>
-            </a:pPr>
-            <a:r>
-              <a:rPr lang="es" sz="1381" b="1"/>
-              <a:t>CU-03 Añadir producto manualmente</a:t>
-            </a:r>
-            <a:endParaRPr sz="1381" b="1"/>
-          </a:p>
-          <a:p>
-            <a:pPr marL="0" lvl="0" indent="0" algn="l" rtl="0">
-              <a:lnSpc>
-                <a:spcPct val="95000"/>
-              </a:lnSpc>
-              <a:spcBef>
-                <a:spcPts val="1200"/>
-              </a:spcBef>
-              <a:spcAft>
-                <a:spcPts val="0"/>
-              </a:spcAft>
-              <a:buClr>
-                <a:schemeClr val="dk1"/>
-              </a:buClr>
-              <a:buSzPts val="605"/>
-              <a:buFont typeface="Arial"/>
-              <a:buNone/>
-            </a:pPr>
-            <a:r>
-              <a:rPr lang="es" sz="1271" b="1"/>
-              <a:t>Actor</a:t>
-            </a:r>
-            <a:r>
-              <a:rPr lang="es" sz="1271"/>
-              <a:t>: Propietario o invitado.</a:t>
-            </a:r>
-            <a:br>
-              <a:rPr lang="es" sz="1271"/>
-            </a:br>
-            <a:r>
-              <a:rPr lang="es" sz="1271"/>
-              <a:t> </a:t>
-            </a:r>
-            <a:r>
-              <a:rPr lang="es" sz="1271" b="1"/>
-              <a:t>Descripción</a:t>
-            </a:r>
-            <a:r>
-              <a:rPr lang="es" sz="1271"/>
-              <a:t>: Se escribe el nombre de un producto y se añade a la lista seleccionada.</a:t>
-            </a:r>
-            <a:endParaRPr sz="1271"/>
-          </a:p>
-          <a:p>
-            <a:pPr marL="0" lvl="0" indent="0" algn="l" rtl="0">
-              <a:lnSpc>
-                <a:spcPct val="95000"/>
-              </a:lnSpc>
-              <a:spcBef>
-                <a:spcPts val="1400"/>
-              </a:spcBef>
-              <a:spcAft>
-                <a:spcPts val="0"/>
-              </a:spcAft>
-              <a:buClr>
-                <a:schemeClr val="dk1"/>
-              </a:buClr>
-              <a:buSzPts val="605"/>
-              <a:buFont typeface="Arial"/>
-              <a:buNone/>
-            </a:pPr>
-            <a:r>
-              <a:rPr lang="es" sz="1381" b="1"/>
-              <a:t>CU-04 Añadir producto por código de barras</a:t>
-            </a:r>
-            <a:endParaRPr sz="1381" b="1"/>
-          </a:p>
-          <a:p>
-            <a:pPr marL="0" lvl="0" indent="0" algn="l" rtl="0">
-              <a:lnSpc>
-                <a:spcPct val="95000"/>
-              </a:lnSpc>
-              <a:spcBef>
-                <a:spcPts val="1200"/>
-              </a:spcBef>
-              <a:spcAft>
-                <a:spcPts val="0"/>
-              </a:spcAft>
-              <a:buClr>
-                <a:schemeClr val="dk1"/>
-              </a:buClr>
-              <a:buSzPts val="605"/>
-              <a:buFont typeface="Arial"/>
-              <a:buNone/>
-            </a:pPr>
-            <a:r>
-              <a:rPr lang="es" sz="1271" b="1"/>
-              <a:t>Actor</a:t>
-            </a:r>
-            <a:r>
-              <a:rPr lang="es" sz="1271"/>
-              <a:t>: Propietario o invitado (solo en Android).</a:t>
-            </a:r>
-            <a:br>
-              <a:rPr lang="es" sz="1271"/>
-            </a:br>
-            <a:r>
-              <a:rPr lang="es" sz="1271"/>
-              <a:t> </a:t>
-            </a:r>
-            <a:r>
-              <a:rPr lang="es" sz="1271" b="1"/>
-              <a:t>Descripción</a:t>
-            </a:r>
-            <a:r>
-              <a:rPr lang="es" sz="1271"/>
-              <a:t>: Se escanea un producto, y la app registra su información (nombre, marca y modelo).</a:t>
-            </a:r>
-            <a:endParaRPr sz="1271"/>
-          </a:p>
-          <a:p>
-            <a:pPr marL="0" lvl="0" indent="0" algn="l" rtl="0">
-              <a:lnSpc>
-                <a:spcPct val="95000"/>
-              </a:lnSpc>
-              <a:spcBef>
-                <a:spcPts val="1200"/>
-              </a:spcBef>
-              <a:spcAft>
-                <a:spcPts val="1200"/>
-              </a:spcAft>
-              <a:buSzPts val="605"/>
-              <a:buNone/>
-            </a:pPr>
-            <a:endParaRPr sz="989"/>
           </a:p>
         </p:txBody>
       </p:sp>
@@ -20389,6 +20358,383 @@
   <p:cSld>
     <p:spTree>
       <p:nvGrpSpPr>
+        <p:cNvPr id="1" name="Shape 306"/>
+        <p:cNvGrpSpPr/>
+        <p:nvPr/>
+      </p:nvGrpSpPr>
+      <p:grpSpPr>
+        <a:xfrm>
+          <a:off x="0" y="0"/>
+          <a:ext cx="0" cy="0"/>
+          <a:chOff x="0" y="0"/>
+          <a:chExt cx="0" cy="0"/>
+        </a:xfrm>
+      </p:grpSpPr>
+      <p:sp>
+        <p:nvSpPr>
+          <p:cNvPr id="307" name="Google Shape;307;p42"/>
+          <p:cNvSpPr txBox="1">
+            <a:spLocks noGrp="1"/>
+          </p:cNvSpPr>
+          <p:nvPr>
+            <p:ph type="title"/>
+          </p:nvPr>
+        </p:nvSpPr>
+        <p:spPr>
+          <a:xfrm>
+            <a:off x="1297500" y="393750"/>
+            <a:ext cx="7038900" cy="914100"/>
+          </a:xfrm>
+          <a:prstGeom prst="rect">
+            <a:avLst/>
+          </a:prstGeom>
+        </p:spPr>
+        <p:txBody>
+          <a:bodyPr spcFirstLastPara="1" wrap="square" lIns="91425" tIns="91425" rIns="91425" bIns="91425" anchor="t" anchorCtr="0">
+            <a:normAutofit/>
+          </a:bodyPr>
+          <a:lstStyle/>
+          <a:p>
+            <a:pPr marL="0" lvl="0" indent="0" algn="ctr" rtl="0">
+              <a:spcBef>
+                <a:spcPts val="0"/>
+              </a:spcBef>
+              <a:spcAft>
+                <a:spcPts val="0"/>
+              </a:spcAft>
+              <a:buNone/>
+            </a:pPr>
+            <a:r>
+              <a:rPr lang="es"/>
+              <a:t>Casos de uso</a:t>
+            </a:r>
+            <a:endParaRPr/>
+          </a:p>
+        </p:txBody>
+      </p:sp>
+      <p:sp>
+        <p:nvSpPr>
+          <p:cNvPr id="308" name="Google Shape;308;p42"/>
+          <p:cNvSpPr txBox="1">
+            <a:spLocks noGrp="1"/>
+          </p:cNvSpPr>
+          <p:nvPr>
+            <p:ph type="body" idx="1"/>
+          </p:nvPr>
+        </p:nvSpPr>
+        <p:spPr>
+          <a:xfrm>
+            <a:off x="311700" y="1307850"/>
+            <a:ext cx="8520600" cy="3835800"/>
+          </a:xfrm>
+          <a:prstGeom prst="rect">
+            <a:avLst/>
+          </a:prstGeom>
+        </p:spPr>
+        <p:txBody>
+          <a:bodyPr spcFirstLastPara="1" wrap="square" lIns="91425" tIns="91425" rIns="91425" bIns="91425" anchor="t" anchorCtr="0">
+            <a:noAutofit/>
+          </a:bodyPr>
+          <a:lstStyle/>
+          <a:p>
+            <a:pPr marL="0" lvl="0" indent="0" algn="l" rtl="0">
+              <a:lnSpc>
+                <a:spcPct val="95000"/>
+              </a:lnSpc>
+              <a:spcBef>
+                <a:spcPts val="1400"/>
+              </a:spcBef>
+              <a:spcAft>
+                <a:spcPts val="0"/>
+              </a:spcAft>
+              <a:buClr>
+                <a:schemeClr val="dk1"/>
+              </a:buClr>
+              <a:buSzPts val="605"/>
+              <a:buFont typeface="Arial"/>
+              <a:buNone/>
+            </a:pPr>
+            <a:r>
+              <a:rPr lang="es" sz="1381" b="1"/>
+              <a:t>CU-01 Crear lista</a:t>
+            </a:r>
+            <a:endParaRPr sz="1381" b="1"/>
+          </a:p>
+          <a:p>
+            <a:pPr marL="0" lvl="0" indent="0" algn="l" rtl="0">
+              <a:lnSpc>
+                <a:spcPct val="95000"/>
+              </a:lnSpc>
+              <a:spcBef>
+                <a:spcPts val="1200"/>
+              </a:spcBef>
+              <a:spcAft>
+                <a:spcPts val="0"/>
+              </a:spcAft>
+              <a:buClr>
+                <a:schemeClr val="dk1"/>
+              </a:buClr>
+              <a:buSzPts val="605"/>
+              <a:buFont typeface="Arial"/>
+              <a:buNone/>
+            </a:pPr>
+            <a:r>
+              <a:rPr lang="es" sz="1271" b="1"/>
+              <a:t>Actor</a:t>
+            </a:r>
+            <a:r>
+              <a:rPr lang="es" sz="1271"/>
+              <a:t>: Usuario registrado (propietario).</a:t>
+            </a:r>
+            <a:br>
+              <a:rPr lang="es" sz="1271"/>
+            </a:br>
+            <a:r>
+              <a:rPr lang="es" sz="1271"/>
+              <a:t> </a:t>
+            </a:r>
+            <a:r>
+              <a:rPr lang="es" sz="1271" b="1"/>
+              <a:t>Descripción</a:t>
+            </a:r>
+            <a:r>
+              <a:rPr lang="es" sz="1271"/>
+              <a:t>: El usuario crea una lista nueva, introduciendo un nombre identificativo.</a:t>
+            </a:r>
+            <a:endParaRPr sz="1271"/>
+          </a:p>
+          <a:p>
+            <a:pPr marL="0" lvl="0" indent="0" algn="l" rtl="0">
+              <a:lnSpc>
+                <a:spcPct val="95000"/>
+              </a:lnSpc>
+              <a:spcBef>
+                <a:spcPts val="1400"/>
+              </a:spcBef>
+              <a:spcAft>
+                <a:spcPts val="0"/>
+              </a:spcAft>
+              <a:buClr>
+                <a:schemeClr val="dk1"/>
+              </a:buClr>
+              <a:buSzPts val="605"/>
+              <a:buFont typeface="Arial"/>
+              <a:buNone/>
+            </a:pPr>
+            <a:r>
+              <a:rPr lang="es" sz="1381" b="1"/>
+              <a:t>CU-02 Compartir lista</a:t>
+            </a:r>
+            <a:endParaRPr sz="1381" b="1"/>
+          </a:p>
+          <a:p>
+            <a:pPr marL="0" lvl="0" indent="0" algn="l" rtl="0">
+              <a:lnSpc>
+                <a:spcPct val="95000"/>
+              </a:lnSpc>
+              <a:spcBef>
+                <a:spcPts val="1200"/>
+              </a:spcBef>
+              <a:spcAft>
+                <a:spcPts val="0"/>
+              </a:spcAft>
+              <a:buClr>
+                <a:schemeClr val="dk1"/>
+              </a:buClr>
+              <a:buSzPts val="605"/>
+              <a:buFont typeface="Arial"/>
+              <a:buNone/>
+            </a:pPr>
+            <a:r>
+              <a:rPr lang="es" sz="1271" b="1"/>
+              <a:t>Actor</a:t>
+            </a:r>
+            <a:r>
+              <a:rPr lang="es" sz="1271"/>
+              <a:t>: Usuario propietario.</a:t>
+            </a:r>
+            <a:br>
+              <a:rPr lang="es" sz="1271"/>
+            </a:br>
+            <a:r>
+              <a:rPr lang="es" sz="1271"/>
+              <a:t> </a:t>
+            </a:r>
+            <a:r>
+              <a:rPr lang="es" sz="1271" b="1"/>
+              <a:t>Descripción</a:t>
+            </a:r>
+            <a:r>
+              <a:rPr lang="es" sz="1271"/>
+              <a:t>: El propietario introduce el correo de otro usuario y le otorga acceso a la lista.</a:t>
+            </a:r>
+            <a:endParaRPr sz="1271"/>
+          </a:p>
+          <a:p>
+            <a:pPr marL="0" lvl="0" indent="0" algn="l" rtl="0">
+              <a:lnSpc>
+                <a:spcPct val="95000"/>
+              </a:lnSpc>
+              <a:spcBef>
+                <a:spcPts val="1400"/>
+              </a:spcBef>
+              <a:spcAft>
+                <a:spcPts val="0"/>
+              </a:spcAft>
+              <a:buClr>
+                <a:schemeClr val="dk1"/>
+              </a:buClr>
+              <a:buSzPts val="605"/>
+              <a:buFont typeface="Arial"/>
+              <a:buNone/>
+            </a:pPr>
+            <a:r>
+              <a:rPr lang="es" sz="1381" b="1"/>
+              <a:t>CU-03 Añadir producto manualmente</a:t>
+            </a:r>
+            <a:endParaRPr sz="1381" b="1"/>
+          </a:p>
+          <a:p>
+            <a:pPr marL="0" lvl="0" indent="0" algn="l" rtl="0">
+              <a:lnSpc>
+                <a:spcPct val="95000"/>
+              </a:lnSpc>
+              <a:spcBef>
+                <a:spcPts val="1200"/>
+              </a:spcBef>
+              <a:spcAft>
+                <a:spcPts val="0"/>
+              </a:spcAft>
+              <a:buClr>
+                <a:schemeClr val="dk1"/>
+              </a:buClr>
+              <a:buSzPts val="605"/>
+              <a:buFont typeface="Arial"/>
+              <a:buNone/>
+            </a:pPr>
+            <a:r>
+              <a:rPr lang="es" sz="1271" b="1"/>
+              <a:t>Actor</a:t>
+            </a:r>
+            <a:r>
+              <a:rPr lang="es" sz="1271"/>
+              <a:t>: Propietario o invitado.</a:t>
+            </a:r>
+            <a:br>
+              <a:rPr lang="es" sz="1271"/>
+            </a:br>
+            <a:r>
+              <a:rPr lang="es" sz="1271"/>
+              <a:t> </a:t>
+            </a:r>
+            <a:r>
+              <a:rPr lang="es" sz="1271" b="1"/>
+              <a:t>Descripción</a:t>
+            </a:r>
+            <a:r>
+              <a:rPr lang="es" sz="1271"/>
+              <a:t>: Se escribe el nombre de un producto y se añade a la lista seleccionada.</a:t>
+            </a:r>
+            <a:endParaRPr sz="1271"/>
+          </a:p>
+          <a:p>
+            <a:pPr marL="0" lvl="0" indent="0" algn="l" rtl="0">
+              <a:lnSpc>
+                <a:spcPct val="95000"/>
+              </a:lnSpc>
+              <a:spcBef>
+                <a:spcPts val="1400"/>
+              </a:spcBef>
+              <a:spcAft>
+                <a:spcPts val="0"/>
+              </a:spcAft>
+              <a:buClr>
+                <a:schemeClr val="dk1"/>
+              </a:buClr>
+              <a:buSzPts val="605"/>
+              <a:buFont typeface="Arial"/>
+              <a:buNone/>
+            </a:pPr>
+            <a:r>
+              <a:rPr lang="es" sz="1381" b="1"/>
+              <a:t>CU-04 Añadir producto por código de barras</a:t>
+            </a:r>
+            <a:endParaRPr sz="1381" b="1"/>
+          </a:p>
+          <a:p>
+            <a:pPr marL="0" lvl="0" indent="0" algn="l" rtl="0">
+              <a:lnSpc>
+                <a:spcPct val="95000"/>
+              </a:lnSpc>
+              <a:spcBef>
+                <a:spcPts val="1200"/>
+              </a:spcBef>
+              <a:spcAft>
+                <a:spcPts val="0"/>
+              </a:spcAft>
+              <a:buClr>
+                <a:schemeClr val="dk1"/>
+              </a:buClr>
+              <a:buSzPts val="605"/>
+              <a:buFont typeface="Arial"/>
+              <a:buNone/>
+            </a:pPr>
+            <a:r>
+              <a:rPr lang="es" sz="1271" b="1"/>
+              <a:t>Actor</a:t>
+            </a:r>
+            <a:r>
+              <a:rPr lang="es" sz="1271"/>
+              <a:t>: Propietario o invitado (solo en Android).</a:t>
+            </a:r>
+            <a:br>
+              <a:rPr lang="es" sz="1271"/>
+            </a:br>
+            <a:r>
+              <a:rPr lang="es" sz="1271"/>
+              <a:t> </a:t>
+            </a:r>
+            <a:r>
+              <a:rPr lang="es" sz="1271" b="1"/>
+              <a:t>Descripción</a:t>
+            </a:r>
+            <a:r>
+              <a:rPr lang="es" sz="1271"/>
+              <a:t>: Se escanea un producto, y la app registra su información (nombre, marca y modelo).</a:t>
+            </a:r>
+            <a:endParaRPr sz="1271"/>
+          </a:p>
+          <a:p>
+            <a:pPr marL="0" lvl="0" indent="0" algn="l" rtl="0">
+              <a:lnSpc>
+                <a:spcPct val="95000"/>
+              </a:lnSpc>
+              <a:spcBef>
+                <a:spcPts val="1200"/>
+              </a:spcBef>
+              <a:spcAft>
+                <a:spcPts val="1200"/>
+              </a:spcAft>
+              <a:buSzPts val="605"/>
+              <a:buNone/>
+            </a:pPr>
+            <a:endParaRPr sz="989"/>
+          </a:p>
+        </p:txBody>
+      </p:sp>
+    </p:spTree>
+  </p:cSld>
+  <p:clrMapOvr>
+    <a:masterClrMapping/>
+  </p:clrMapOvr>
+</p:sld>
+</file>
+
+<file path=ppt/slides/slide31.xml><?xml version="1.0" encoding="utf-8"?>
+<p:sld xmlns:a="http://schemas.openxmlformats.org/drawingml/2006/main" xmlns:r="http://schemas.openxmlformats.org/officeDocument/2006/relationships" xmlns:p="http://schemas.openxmlformats.org/presentationml/2006/main">
+  <p:cSld>
+    <p:spTree>
+      <p:nvGrpSpPr>
         <p:cNvPr id="1" name="Shape 312"/>
         <p:cNvGrpSpPr/>
         <p:nvPr/>
@@ -20731,7 +21077,7 @@
 </p:sld>
 </file>
 
-<file path=ppt/slides/slide31.xml><?xml version="1.0" encoding="utf-8"?>
+<file path=ppt/slides/slide32.xml><?xml version="1.0" encoding="utf-8"?>
 <p:sld xmlns:a="http://schemas.openxmlformats.org/drawingml/2006/main" xmlns:r="http://schemas.openxmlformats.org/officeDocument/2006/relationships" xmlns:p="http://schemas.openxmlformats.org/presentationml/2006/main">
   <p:cSld>
     <p:spTree>
@@ -21052,7 +21398,7 @@
 </p:sld>
 </file>
 
-<file path=ppt/slides/slide32.xml><?xml version="1.0" encoding="utf-8"?>
+<file path=ppt/slides/slide33.xml><?xml version="1.0" encoding="utf-8"?>
 <p:sld xmlns:a="http://schemas.openxmlformats.org/drawingml/2006/main" xmlns:r="http://schemas.openxmlformats.org/officeDocument/2006/relationships" xmlns:p="http://schemas.openxmlformats.org/presentationml/2006/main">
   <p:cSld>
     <p:spTree>
@@ -21122,7 +21468,7 @@
 </p:sld>
 </file>
 
-<file path=ppt/slides/slide33.xml><?xml version="1.0" encoding="utf-8"?>
+<file path=ppt/slides/slide34.xml><?xml version="1.0" encoding="utf-8"?>
 <p:sld xmlns:a="http://schemas.openxmlformats.org/drawingml/2006/main" xmlns:r="http://schemas.openxmlformats.org/officeDocument/2006/relationships" xmlns:p="http://schemas.openxmlformats.org/presentationml/2006/main">
   <p:cSld>
     <p:spTree>
@@ -21455,7 +21801,7 @@
 </p:sld>
 </file>
 
-<file path=ppt/slides/slide34.xml><?xml version="1.0" encoding="utf-8"?>
+<file path=ppt/slides/slide35.xml><?xml version="1.0" encoding="utf-8"?>
 <p:sld xmlns:a="http://schemas.openxmlformats.org/drawingml/2006/main" xmlns:r="http://schemas.openxmlformats.org/officeDocument/2006/relationships" xmlns:p="http://schemas.openxmlformats.org/presentationml/2006/main">
   <p:cSld>
     <p:spTree>
@@ -21783,7 +22129,7 @@
 </p:sld>
 </file>
 
-<file path=ppt/slides/slide35.xml><?xml version="1.0" encoding="utf-8"?>
+<file path=ppt/slides/slide36.xml><?xml version="1.0" encoding="utf-8"?>
 <p:sld xmlns:a="http://schemas.openxmlformats.org/drawingml/2006/main" xmlns:r="http://schemas.openxmlformats.org/officeDocument/2006/relationships" xmlns:p="http://schemas.openxmlformats.org/presentationml/2006/main">
   <p:cSld>
     <p:spTree>
@@ -21931,7 +22277,7 @@
 </p:sld>
 </file>
 
-<file path=ppt/slides/slide36.xml><?xml version="1.0" encoding="utf-8"?>
+<file path=ppt/slides/slide37.xml><?xml version="1.0" encoding="utf-8"?>
 <p:sld xmlns:a="http://schemas.openxmlformats.org/drawingml/2006/main" xmlns:r="http://schemas.openxmlformats.org/officeDocument/2006/relationships" xmlns:p="http://schemas.openxmlformats.org/presentationml/2006/main">
   <p:cSld>
     <p:spTree>
@@ -22001,7 +22347,7 @@
 </p:sld>
 </file>
 
-<file path=ppt/slides/slide37.xml><?xml version="1.0" encoding="utf-8"?>
+<file path=ppt/slides/slide38.xml><?xml version="1.0" encoding="utf-8"?>
 <p:sld xmlns:a="http://schemas.openxmlformats.org/drawingml/2006/main" xmlns:r="http://schemas.openxmlformats.org/officeDocument/2006/relationships" xmlns:p="http://schemas.openxmlformats.org/presentationml/2006/main">
   <p:cSld>
     <p:spTree>
@@ -22341,7 +22687,7 @@
 </p:sld>
 </file>
 
-<file path=ppt/slides/slide38.xml><?xml version="1.0" encoding="utf-8"?>
+<file path=ppt/slides/slide39.xml><?xml version="1.0" encoding="utf-8"?>
 <p:sld xmlns:a="http://schemas.openxmlformats.org/drawingml/2006/main" xmlns:r="http://schemas.openxmlformats.org/officeDocument/2006/relationships" xmlns:p="http://schemas.openxmlformats.org/presentationml/2006/main">
   <p:cSld>
     <p:spTree>
@@ -22856,501 +23202,6 @@
             <a:r>
               <a:rPr lang="es" sz="1100"/>
               <a:t>(number, suma de todos los productos)</a:t>
-            </a:r>
-            <a:endParaRPr sz="1500" b="1"/>
-          </a:p>
-        </p:txBody>
-      </p:sp>
-    </p:spTree>
-  </p:cSld>
-  <p:clrMapOvr>
-    <a:masterClrMapping/>
-  </p:clrMapOvr>
-</p:sld>
-</file>
-
-<file path=ppt/slides/slide39.xml><?xml version="1.0" encoding="utf-8"?>
-<p:sld xmlns:a="http://schemas.openxmlformats.org/drawingml/2006/main" xmlns:r="http://schemas.openxmlformats.org/officeDocument/2006/relationships" xmlns:p="http://schemas.openxmlformats.org/presentationml/2006/main">
-  <p:cSld>
-    <p:spTree>
-      <p:nvGrpSpPr>
-        <p:cNvPr id="1" name="Shape 364"/>
-        <p:cNvGrpSpPr/>
-        <p:nvPr/>
-      </p:nvGrpSpPr>
-      <p:grpSpPr>
-        <a:xfrm>
-          <a:off x="0" y="0"/>
-          <a:ext cx="0" cy="0"/>
-          <a:chOff x="0" y="0"/>
-          <a:chExt cx="0" cy="0"/>
-        </a:xfrm>
-      </p:grpSpPr>
-      <p:sp>
-        <p:nvSpPr>
-          <p:cNvPr id="365" name="Google Shape;365;p52"/>
-          <p:cNvSpPr txBox="1">
-            <a:spLocks noGrp="1"/>
-          </p:cNvSpPr>
-          <p:nvPr>
-            <p:ph type="title"/>
-          </p:nvPr>
-        </p:nvSpPr>
-        <p:spPr>
-          <a:xfrm>
-            <a:off x="1297500" y="393750"/>
-            <a:ext cx="7038900" cy="914100"/>
-          </a:xfrm>
-          <a:prstGeom prst="rect">
-            <a:avLst/>
-          </a:prstGeom>
-        </p:spPr>
-        <p:txBody>
-          <a:bodyPr spcFirstLastPara="1" wrap="square" lIns="91425" tIns="91425" rIns="91425" bIns="91425" anchor="t" anchorCtr="0">
-            <a:normAutofit/>
-          </a:bodyPr>
-          <a:lstStyle/>
-          <a:p>
-            <a:pPr marL="0" lvl="0" indent="0" algn="ctr" rtl="0">
-              <a:lnSpc>
-                <a:spcPct val="115000"/>
-              </a:lnSpc>
-              <a:spcBef>
-                <a:spcPts val="1200"/>
-              </a:spcBef>
-              <a:spcAft>
-                <a:spcPts val="1200"/>
-              </a:spcAft>
-              <a:buNone/>
-            </a:pPr>
-            <a:r>
-              <a:rPr lang="es" sz="2500"/>
-              <a:t>Descripción de entidades</a:t>
-            </a:r>
-            <a:endParaRPr sz="2500"/>
-          </a:p>
-        </p:txBody>
-      </p:sp>
-      <p:sp>
-        <p:nvSpPr>
-          <p:cNvPr id="366" name="Google Shape;366;p52"/>
-          <p:cNvSpPr txBox="1">
-            <a:spLocks noGrp="1"/>
-          </p:cNvSpPr>
-          <p:nvPr>
-            <p:ph type="body" idx="1"/>
-          </p:nvPr>
-        </p:nvSpPr>
-        <p:spPr>
-          <a:xfrm>
-            <a:off x="1297500" y="1567550"/>
-            <a:ext cx="7038900" cy="2911200"/>
-          </a:xfrm>
-          <a:prstGeom prst="rect">
-            <a:avLst/>
-          </a:prstGeom>
-        </p:spPr>
-        <p:txBody>
-          <a:bodyPr spcFirstLastPara="1" wrap="square" lIns="91425" tIns="91425" rIns="91425" bIns="91425" anchor="t" anchorCtr="0">
-            <a:normAutofit lnSpcReduction="20000"/>
-          </a:bodyPr>
-          <a:lstStyle/>
-          <a:p>
-            <a:pPr marL="0" lvl="0" indent="0" algn="l" rtl="0">
-              <a:spcBef>
-                <a:spcPts val="1200"/>
-              </a:spcBef>
-              <a:spcAft>
-                <a:spcPts val="0"/>
-              </a:spcAft>
-              <a:buNone/>
-            </a:pPr>
-            <a:r>
-              <a:rPr lang="es" sz="1100" b="1"/>
-              <a:t>Productos (</a:t>
-            </a:r>
-            <a:r>
-              <a:rPr lang="es" sz="1100" b="1">
-                <a:solidFill>
-                  <a:srgbClr val="00FF00"/>
-                </a:solidFill>
-                <a:latin typeface="Roboto Mono"/>
-                <a:ea typeface="Roboto Mono"/>
-                <a:cs typeface="Roboto Mono"/>
-                <a:sym typeface="Roboto Mono"/>
-              </a:rPr>
-              <a:t>items</a:t>
-            </a:r>
-            <a:r>
-              <a:rPr lang="es" sz="1100" b="1"/>
-              <a:t>)</a:t>
-            </a:r>
-            <a:endParaRPr sz="1100" b="1"/>
-          </a:p>
-          <a:p>
-            <a:pPr marL="457200" lvl="0" indent="-298450" algn="l" rtl="0">
-              <a:spcBef>
-                <a:spcPts val="1200"/>
-              </a:spcBef>
-              <a:spcAft>
-                <a:spcPts val="0"/>
-              </a:spcAft>
-              <a:buClr>
-                <a:schemeClr val="lt1"/>
-              </a:buClr>
-              <a:buSzPts val="1100"/>
-              <a:buChar char="●"/>
-            </a:pPr>
-            <a:r>
-              <a:rPr lang="es" sz="1100">
-                <a:solidFill>
-                  <a:srgbClr val="00FF00"/>
-                </a:solidFill>
-                <a:latin typeface="Roboto Mono"/>
-                <a:ea typeface="Roboto Mono"/>
-                <a:cs typeface="Roboto Mono"/>
-                <a:sym typeface="Roboto Mono"/>
-              </a:rPr>
-              <a:t>listId</a:t>
-            </a:r>
-            <a:r>
-              <a:rPr lang="es" sz="1100">
-                <a:solidFill>
-                  <a:srgbClr val="00FF00"/>
-                </a:solidFill>
-              </a:rPr>
-              <a:t> </a:t>
-            </a:r>
-            <a:r>
-              <a:rPr lang="es" sz="1100"/>
-              <a:t>(string, referencia a </a:t>
-            </a:r>
-            <a:r>
-              <a:rPr lang="es" sz="1100">
-                <a:latin typeface="Roboto Mono"/>
-                <a:ea typeface="Roboto Mono"/>
-                <a:cs typeface="Roboto Mono"/>
-                <a:sym typeface="Roboto Mono"/>
-              </a:rPr>
-              <a:t>lists</a:t>
-            </a:r>
-            <a:r>
-              <a:rPr lang="es" sz="1100"/>
-              <a:t>)</a:t>
-            </a:r>
-            <a:br>
-              <a:rPr lang="es" sz="1100"/>
-            </a:br>
-            <a:endParaRPr sz="1100"/>
-          </a:p>
-          <a:p>
-            <a:pPr marL="457200" lvl="0" indent="-298450" algn="l" rtl="0">
-              <a:spcBef>
-                <a:spcPts val="0"/>
-              </a:spcBef>
-              <a:spcAft>
-                <a:spcPts val="0"/>
-              </a:spcAft>
-              <a:buClr>
-                <a:schemeClr val="lt1"/>
-              </a:buClr>
-              <a:buSzPts val="1100"/>
-              <a:buChar char="●"/>
-            </a:pPr>
-            <a:r>
-              <a:rPr lang="es" sz="1100">
-                <a:solidFill>
-                  <a:srgbClr val="00FF00"/>
-                </a:solidFill>
-                <a:latin typeface="Roboto Mono"/>
-                <a:ea typeface="Roboto Mono"/>
-                <a:cs typeface="Roboto Mono"/>
-                <a:sym typeface="Roboto Mono"/>
-              </a:rPr>
-              <a:t>text</a:t>
-            </a:r>
-            <a:r>
-              <a:rPr lang="es" sz="1100">
-                <a:solidFill>
-                  <a:srgbClr val="00FF00"/>
-                </a:solidFill>
-              </a:rPr>
-              <a:t> </a:t>
-            </a:r>
-            <a:r>
-              <a:rPr lang="es" sz="1100"/>
-              <a:t>(string, nombre del producto)</a:t>
-            </a:r>
-            <a:br>
-              <a:rPr lang="es" sz="1100"/>
-            </a:br>
-            <a:endParaRPr sz="1100"/>
-          </a:p>
-          <a:p>
-            <a:pPr marL="457200" lvl="0" indent="-298450" algn="l" rtl="0">
-              <a:spcBef>
-                <a:spcPts val="0"/>
-              </a:spcBef>
-              <a:spcAft>
-                <a:spcPts val="0"/>
-              </a:spcAft>
-              <a:buClr>
-                <a:schemeClr val="lt1"/>
-              </a:buClr>
-              <a:buSzPts val="1100"/>
-              <a:buChar char="●"/>
-            </a:pPr>
-            <a:r>
-              <a:rPr lang="es" sz="1100">
-                <a:solidFill>
-                  <a:srgbClr val="00FF00"/>
-                </a:solidFill>
-                <a:latin typeface="Roboto Mono"/>
-                <a:ea typeface="Roboto Mono"/>
-                <a:cs typeface="Roboto Mono"/>
-                <a:sym typeface="Roboto Mono"/>
-              </a:rPr>
-              <a:t>category</a:t>
-            </a:r>
-            <a:r>
-              <a:rPr lang="es" sz="1100">
-                <a:solidFill>
-                  <a:srgbClr val="00FF00"/>
-                </a:solidFill>
-              </a:rPr>
-              <a:t> </a:t>
-            </a:r>
-            <a:r>
-              <a:rPr lang="es" sz="1100"/>
-              <a:t>(string, categoría general, ej. DAIRY)</a:t>
-            </a:r>
-            <a:br>
-              <a:rPr lang="es" sz="1100"/>
-            </a:br>
-            <a:endParaRPr sz="1100"/>
-          </a:p>
-          <a:p>
-            <a:pPr marL="457200" lvl="0" indent="-298450" algn="l" rtl="0">
-              <a:spcBef>
-                <a:spcPts val="0"/>
-              </a:spcBef>
-              <a:spcAft>
-                <a:spcPts val="0"/>
-              </a:spcAft>
-              <a:buClr>
-                <a:schemeClr val="lt1"/>
-              </a:buClr>
-              <a:buSzPts val="1100"/>
-              <a:buChar char="●"/>
-            </a:pPr>
-            <a:r>
-              <a:rPr lang="es" sz="1100">
-                <a:solidFill>
-                  <a:srgbClr val="00FF00"/>
-                </a:solidFill>
-                <a:latin typeface="Roboto Mono"/>
-                <a:ea typeface="Roboto Mono"/>
-                <a:cs typeface="Roboto Mono"/>
-                <a:sym typeface="Roboto Mono"/>
-              </a:rPr>
-              <a:t>completed</a:t>
-            </a:r>
-            <a:r>
-              <a:rPr lang="es" sz="1100">
-                <a:solidFill>
-                  <a:srgbClr val="00FF00"/>
-                </a:solidFill>
-              </a:rPr>
-              <a:t> </a:t>
-            </a:r>
-            <a:r>
-              <a:rPr lang="es" sz="1100"/>
-              <a:t>(boolean, comprado o no)</a:t>
-            </a:r>
-            <a:br>
-              <a:rPr lang="es" sz="1100"/>
-            </a:br>
-            <a:endParaRPr sz="1100"/>
-          </a:p>
-          <a:p>
-            <a:pPr marL="457200" lvl="0" indent="-298450" algn="l" rtl="0">
-              <a:spcBef>
-                <a:spcPts val="0"/>
-              </a:spcBef>
-              <a:spcAft>
-                <a:spcPts val="0"/>
-              </a:spcAft>
-              <a:buClr>
-                <a:schemeClr val="lt1"/>
-              </a:buClr>
-              <a:buSzPts val="1100"/>
-              <a:buChar char="●"/>
-            </a:pPr>
-            <a:r>
-              <a:rPr lang="es" sz="1100">
-                <a:solidFill>
-                  <a:srgbClr val="00FF00"/>
-                </a:solidFill>
-                <a:latin typeface="Roboto Mono"/>
-                <a:ea typeface="Roboto Mono"/>
-                <a:cs typeface="Roboto Mono"/>
-                <a:sym typeface="Roboto Mono"/>
-              </a:rPr>
-              <a:t>addedBy</a:t>
-            </a:r>
-            <a:r>
-              <a:rPr lang="es" sz="1100">
-                <a:solidFill>
-                  <a:srgbClr val="00FF00"/>
-                </a:solidFill>
-              </a:rPr>
-              <a:t> </a:t>
-            </a:r>
-            <a:r>
-              <a:rPr lang="es" sz="1100"/>
-              <a:t>(string, correo del usuario)</a:t>
-            </a:r>
-            <a:br>
-              <a:rPr lang="es" sz="1100"/>
-            </a:br>
-            <a:endParaRPr sz="1100"/>
-          </a:p>
-          <a:p>
-            <a:pPr marL="457200" lvl="0" indent="-298450" algn="l" rtl="0">
-              <a:spcBef>
-                <a:spcPts val="0"/>
-              </a:spcBef>
-              <a:spcAft>
-                <a:spcPts val="0"/>
-              </a:spcAft>
-              <a:buClr>
-                <a:schemeClr val="lt1"/>
-              </a:buClr>
-              <a:buSzPts val="1100"/>
-              <a:buChar char="●"/>
-            </a:pPr>
-            <a:r>
-              <a:rPr lang="es" sz="1100">
-                <a:solidFill>
-                  <a:srgbClr val="00FF00"/>
-                </a:solidFill>
-                <a:latin typeface="Roboto Mono"/>
-                <a:ea typeface="Roboto Mono"/>
-                <a:cs typeface="Roboto Mono"/>
-                <a:sym typeface="Roboto Mono"/>
-              </a:rPr>
-              <a:t>purchasedBy</a:t>
-            </a:r>
-            <a:r>
-              <a:rPr lang="es" sz="1100">
-                <a:solidFill>
-                  <a:srgbClr val="00FF00"/>
-                </a:solidFill>
-              </a:rPr>
-              <a:t> </a:t>
-            </a:r>
-            <a:r>
-              <a:rPr lang="es" sz="1100"/>
-              <a:t>(string, correo del comprador, opcional)</a:t>
-            </a:r>
-            <a:br>
-              <a:rPr lang="es" sz="1100"/>
-            </a:br>
-            <a:endParaRPr sz="1100"/>
-          </a:p>
-          <a:p>
-            <a:pPr marL="457200" lvl="0" indent="-298450" algn="l" rtl="0">
-              <a:spcBef>
-                <a:spcPts val="0"/>
-              </a:spcBef>
-              <a:spcAft>
-                <a:spcPts val="0"/>
-              </a:spcAft>
-              <a:buClr>
-                <a:schemeClr val="lt1"/>
-              </a:buClr>
-              <a:buSzPts val="1100"/>
-              <a:buChar char="●"/>
-            </a:pPr>
-            <a:r>
-              <a:rPr lang="es" sz="1100">
-                <a:solidFill>
-                  <a:srgbClr val="00FF00"/>
-                </a:solidFill>
-                <a:latin typeface="Roboto Mono"/>
-                <a:ea typeface="Roboto Mono"/>
-                <a:cs typeface="Roboto Mono"/>
-                <a:sym typeface="Roboto Mono"/>
-              </a:rPr>
-              <a:t>createdAt</a:t>
-            </a:r>
-            <a:r>
-              <a:rPr lang="es" sz="1100">
-                <a:solidFill>
-                  <a:srgbClr val="00FF00"/>
-                </a:solidFill>
-              </a:rPr>
-              <a:t> </a:t>
-            </a:r>
-            <a:r>
-              <a:rPr lang="es" sz="1100"/>
-              <a:t>(timestamp)</a:t>
-            </a:r>
-            <a:br>
-              <a:rPr lang="es" sz="1100"/>
-            </a:br>
-            <a:endParaRPr sz="1100"/>
-          </a:p>
-          <a:p>
-            <a:pPr marL="457200" lvl="0" indent="-298450" algn="l" rtl="0">
-              <a:spcBef>
-                <a:spcPts val="0"/>
-              </a:spcBef>
-              <a:spcAft>
-                <a:spcPts val="0"/>
-              </a:spcAft>
-              <a:buClr>
-                <a:schemeClr val="lt1"/>
-              </a:buClr>
-              <a:buSzPts val="1100"/>
-              <a:buChar char="●"/>
-            </a:pPr>
-            <a:r>
-              <a:rPr lang="es" sz="1100">
-                <a:solidFill>
-                  <a:srgbClr val="00FF00"/>
-                </a:solidFill>
-                <a:latin typeface="Roboto Mono"/>
-                <a:ea typeface="Roboto Mono"/>
-                <a:cs typeface="Roboto Mono"/>
-                <a:sym typeface="Roboto Mono"/>
-              </a:rPr>
-              <a:t>userId</a:t>
-            </a:r>
-            <a:r>
-              <a:rPr lang="es" sz="1100">
-                <a:solidFill>
-                  <a:srgbClr val="00FF00"/>
-                </a:solidFill>
-              </a:rPr>
-              <a:t> </a:t>
-            </a:r>
-            <a:r>
-              <a:rPr lang="es" sz="1100"/>
-              <a:t>(string, referencia a </a:t>
-            </a:r>
-            <a:r>
-              <a:rPr lang="es" sz="1100">
-                <a:latin typeface="Roboto Mono"/>
-                <a:ea typeface="Roboto Mono"/>
-                <a:cs typeface="Roboto Mono"/>
-                <a:sym typeface="Roboto Mono"/>
-              </a:rPr>
-              <a:t>users</a:t>
-            </a:r>
-            <a:r>
-              <a:rPr lang="es" sz="1100"/>
-              <a:t>)</a:t>
             </a:r>
             <a:endParaRPr sz="1500" b="1"/>
           </a:p>
@@ -23459,7 +23310,7 @@
               <a:buChar char="●"/>
             </a:pPr>
             <a:r>
-              <a:rPr lang="es" sz="3100" b="1" baseline="-25000" dirty="0">
+              <a:rPr lang="es" sz="3100" b="1" baseline="-25000">
                 <a:uFill>
                   <a:noFill/>
                 </a:uFill>
@@ -23468,10 +23319,10 @@
               <a:t>Interfaz de usuario</a:t>
             </a:r>
             <a:r>
-              <a:rPr lang="es" sz="3100" b="1" baseline="-25000" dirty="0"/>
+              <a:rPr lang="es" sz="3100" b="1" baseline="-25000"/>
               <a:t> (55 - 61)</a:t>
             </a:r>
-            <a:endParaRPr sz="3100" b="1" baseline="-25000" dirty="0"/>
+            <a:endParaRPr sz="3100" b="1" baseline="-25000"/>
           </a:p>
           <a:p>
             <a:pPr marL="914400" lvl="1" indent="-425450" algn="l" rtl="0">
@@ -23485,10 +23336,10 @@
               <a:buChar char="○"/>
             </a:pPr>
             <a:r>
-              <a:rPr lang="es" sz="3100" baseline="-25000" dirty="0"/>
+              <a:rPr lang="es" sz="3100" baseline="-25000"/>
               <a:t>Definición de pantallas (Figma) (56 - 59)</a:t>
             </a:r>
-            <a:endParaRPr sz="3100" baseline="-25000" dirty="0"/>
+            <a:endParaRPr sz="3100" baseline="-25000"/>
           </a:p>
           <a:p>
             <a:pPr marL="914400" lvl="1" indent="-425450" algn="l" rtl="0">
@@ -23502,14 +23353,70 @@
               <a:buChar char="○"/>
             </a:pPr>
             <a:r>
-              <a:rPr lang="es" sz="3100" baseline="-25000" dirty="0"/>
-              <a:t>Mapa de navegación (60 - </a:t>
-            </a:r>
-            <a:r>
               <a:rPr lang="es" sz="3100" baseline="-25000"/>
-              <a:t>61)</a:t>
-            </a:r>
-            <a:endParaRPr lang="es" sz="3100" baseline="-25000" dirty="0"/>
+              <a:t>Mapa de navegación (60 - 61)</a:t>
+            </a:r>
+            <a:endParaRPr sz="3100" baseline="-25000"/>
+          </a:p>
+          <a:p>
+            <a:pPr marL="457200" lvl="0" indent="-425450" algn="l" rtl="0">
+              <a:spcBef>
+                <a:spcPts val="0"/>
+              </a:spcBef>
+              <a:spcAft>
+                <a:spcPts val="0"/>
+              </a:spcAft>
+              <a:buSzPts val="3100"/>
+              <a:buChar char="●"/>
+            </a:pPr>
+            <a:r>
+              <a:rPr lang="es" sz="3100" b="1" baseline="-25000">
+                <a:uFill>
+                  <a:noFill/>
+                </a:uFill>
+                <a:hlinkClick r:id="" action="ppaction://noaction"/>
+              </a:rPr>
+              <a:t>Desarrollo del proyecto del sistema</a:t>
+            </a:r>
+            <a:r>
+              <a:rPr lang="es" sz="3100" b="1" baseline="-25000"/>
+              <a:t> (62 - 66)</a:t>
+            </a:r>
+            <a:endParaRPr sz="3100" b="1" baseline="-25000"/>
+          </a:p>
+          <a:p>
+            <a:pPr marL="914400" lvl="1" indent="-425450" algn="l" rtl="0">
+              <a:spcBef>
+                <a:spcPts val="0"/>
+              </a:spcBef>
+              <a:spcAft>
+                <a:spcPts val="0"/>
+              </a:spcAft>
+              <a:buSzPts val="3100"/>
+              <a:buChar char="○"/>
+            </a:pPr>
+            <a:r>
+              <a:rPr lang="es" sz="3100" baseline="-25000"/>
+              <a:t>Fase 1: Funcionalidades a desarrollar y plan de pruebas (63 - 64)</a:t>
+            </a:r>
+            <a:endParaRPr sz="3100" baseline="-25000"/>
+          </a:p>
+          <a:p>
+            <a:pPr marL="914400" lvl="1" indent="-425450" algn="l" rtl="0">
+              <a:spcBef>
+                <a:spcPts val="0"/>
+              </a:spcBef>
+              <a:spcAft>
+                <a:spcPts val="0"/>
+              </a:spcAft>
+              <a:buSzPts val="3100"/>
+              <a:buChar char="○"/>
+            </a:pPr>
+            <a:r>
+              <a:rPr lang="es" sz="3100" baseline="-25000"/>
+              <a:t>Fase N: Funcionalidades a desarrollar y plan de pruebas (65 - 66)</a:t>
+            </a:r>
+            <a:endParaRPr sz="3100" baseline="-25000"/>
           </a:p>
         </p:txBody>
       </p:sp>
@@ -23522,6 +23429,501 @@
 </file>
 
 <file path=ppt/slides/slide40.xml><?xml version="1.0" encoding="utf-8"?>
+<p:sld xmlns:a="http://schemas.openxmlformats.org/drawingml/2006/main" xmlns:r="http://schemas.openxmlformats.org/officeDocument/2006/relationships" xmlns:p="http://schemas.openxmlformats.org/presentationml/2006/main">
+  <p:cSld>
+    <p:spTree>
+      <p:nvGrpSpPr>
+        <p:cNvPr id="1" name="Shape 364"/>
+        <p:cNvGrpSpPr/>
+        <p:nvPr/>
+      </p:nvGrpSpPr>
+      <p:grpSpPr>
+        <a:xfrm>
+          <a:off x="0" y="0"/>
+          <a:ext cx="0" cy="0"/>
+          <a:chOff x="0" y="0"/>
+          <a:chExt cx="0" cy="0"/>
+        </a:xfrm>
+      </p:grpSpPr>
+      <p:sp>
+        <p:nvSpPr>
+          <p:cNvPr id="365" name="Google Shape;365;p52"/>
+          <p:cNvSpPr txBox="1">
+            <a:spLocks noGrp="1"/>
+          </p:cNvSpPr>
+          <p:nvPr>
+            <p:ph type="title"/>
+          </p:nvPr>
+        </p:nvSpPr>
+        <p:spPr>
+          <a:xfrm>
+            <a:off x="1297500" y="393750"/>
+            <a:ext cx="7038900" cy="914100"/>
+          </a:xfrm>
+          <a:prstGeom prst="rect">
+            <a:avLst/>
+          </a:prstGeom>
+        </p:spPr>
+        <p:txBody>
+          <a:bodyPr spcFirstLastPara="1" wrap="square" lIns="91425" tIns="91425" rIns="91425" bIns="91425" anchor="t" anchorCtr="0">
+            <a:normAutofit/>
+          </a:bodyPr>
+          <a:lstStyle/>
+          <a:p>
+            <a:pPr marL="0" lvl="0" indent="0" algn="ctr" rtl="0">
+              <a:lnSpc>
+                <a:spcPct val="115000"/>
+              </a:lnSpc>
+              <a:spcBef>
+                <a:spcPts val="1200"/>
+              </a:spcBef>
+              <a:spcAft>
+                <a:spcPts val="1200"/>
+              </a:spcAft>
+              <a:buNone/>
+            </a:pPr>
+            <a:r>
+              <a:rPr lang="es" sz="2500"/>
+              <a:t>Descripción de entidades</a:t>
+            </a:r>
+            <a:endParaRPr sz="2500"/>
+          </a:p>
+        </p:txBody>
+      </p:sp>
+      <p:sp>
+        <p:nvSpPr>
+          <p:cNvPr id="366" name="Google Shape;366;p52"/>
+          <p:cNvSpPr txBox="1">
+            <a:spLocks noGrp="1"/>
+          </p:cNvSpPr>
+          <p:nvPr>
+            <p:ph type="body" idx="1"/>
+          </p:nvPr>
+        </p:nvSpPr>
+        <p:spPr>
+          <a:xfrm>
+            <a:off x="1297500" y="1567550"/>
+            <a:ext cx="7038900" cy="2911200"/>
+          </a:xfrm>
+          <a:prstGeom prst="rect">
+            <a:avLst/>
+          </a:prstGeom>
+        </p:spPr>
+        <p:txBody>
+          <a:bodyPr spcFirstLastPara="1" wrap="square" lIns="91425" tIns="91425" rIns="91425" bIns="91425" anchor="t" anchorCtr="0">
+            <a:normAutofit lnSpcReduction="20000"/>
+          </a:bodyPr>
+          <a:lstStyle/>
+          <a:p>
+            <a:pPr marL="0" lvl="0" indent="0" algn="l" rtl="0">
+              <a:spcBef>
+                <a:spcPts val="1200"/>
+              </a:spcBef>
+              <a:spcAft>
+                <a:spcPts val="0"/>
+              </a:spcAft>
+              <a:buNone/>
+            </a:pPr>
+            <a:r>
+              <a:rPr lang="es" sz="1100" b="1"/>
+              <a:t>Productos (</a:t>
+            </a:r>
+            <a:r>
+              <a:rPr lang="es" sz="1100" b="1">
+                <a:solidFill>
+                  <a:srgbClr val="00FF00"/>
+                </a:solidFill>
+                <a:latin typeface="Roboto Mono"/>
+                <a:ea typeface="Roboto Mono"/>
+                <a:cs typeface="Roboto Mono"/>
+                <a:sym typeface="Roboto Mono"/>
+              </a:rPr>
+              <a:t>items</a:t>
+            </a:r>
+            <a:r>
+              <a:rPr lang="es" sz="1100" b="1"/>
+              <a:t>)</a:t>
+            </a:r>
+            <a:endParaRPr sz="1100" b="1"/>
+          </a:p>
+          <a:p>
+            <a:pPr marL="457200" lvl="0" indent="-298450" algn="l" rtl="0">
+              <a:spcBef>
+                <a:spcPts val="1200"/>
+              </a:spcBef>
+              <a:spcAft>
+                <a:spcPts val="0"/>
+              </a:spcAft>
+              <a:buClr>
+                <a:schemeClr val="lt1"/>
+              </a:buClr>
+              <a:buSzPts val="1100"/>
+              <a:buChar char="●"/>
+            </a:pPr>
+            <a:r>
+              <a:rPr lang="es" sz="1100">
+                <a:solidFill>
+                  <a:srgbClr val="00FF00"/>
+                </a:solidFill>
+                <a:latin typeface="Roboto Mono"/>
+                <a:ea typeface="Roboto Mono"/>
+                <a:cs typeface="Roboto Mono"/>
+                <a:sym typeface="Roboto Mono"/>
+              </a:rPr>
+              <a:t>listId</a:t>
+            </a:r>
+            <a:r>
+              <a:rPr lang="es" sz="1100">
+                <a:solidFill>
+                  <a:srgbClr val="00FF00"/>
+                </a:solidFill>
+              </a:rPr>
+              <a:t> </a:t>
+            </a:r>
+            <a:r>
+              <a:rPr lang="es" sz="1100"/>
+              <a:t>(string, referencia a </a:t>
+            </a:r>
+            <a:r>
+              <a:rPr lang="es" sz="1100">
+                <a:latin typeface="Roboto Mono"/>
+                <a:ea typeface="Roboto Mono"/>
+                <a:cs typeface="Roboto Mono"/>
+                <a:sym typeface="Roboto Mono"/>
+              </a:rPr>
+              <a:t>lists</a:t>
+            </a:r>
+            <a:r>
+              <a:rPr lang="es" sz="1100"/>
+              <a:t>)</a:t>
+            </a:r>
+            <a:br>
+              <a:rPr lang="es" sz="1100"/>
+            </a:br>
+            <a:endParaRPr sz="1100"/>
+          </a:p>
+          <a:p>
+            <a:pPr marL="457200" lvl="0" indent="-298450" algn="l" rtl="0">
+              <a:spcBef>
+                <a:spcPts val="0"/>
+              </a:spcBef>
+              <a:spcAft>
+                <a:spcPts val="0"/>
+              </a:spcAft>
+              <a:buClr>
+                <a:schemeClr val="lt1"/>
+              </a:buClr>
+              <a:buSzPts val="1100"/>
+              <a:buChar char="●"/>
+            </a:pPr>
+            <a:r>
+              <a:rPr lang="es" sz="1100">
+                <a:solidFill>
+                  <a:srgbClr val="00FF00"/>
+                </a:solidFill>
+                <a:latin typeface="Roboto Mono"/>
+                <a:ea typeface="Roboto Mono"/>
+                <a:cs typeface="Roboto Mono"/>
+                <a:sym typeface="Roboto Mono"/>
+              </a:rPr>
+              <a:t>text</a:t>
+            </a:r>
+            <a:r>
+              <a:rPr lang="es" sz="1100">
+                <a:solidFill>
+                  <a:srgbClr val="00FF00"/>
+                </a:solidFill>
+              </a:rPr>
+              <a:t> </a:t>
+            </a:r>
+            <a:r>
+              <a:rPr lang="es" sz="1100"/>
+              <a:t>(string, nombre del producto)</a:t>
+            </a:r>
+            <a:br>
+              <a:rPr lang="es" sz="1100"/>
+            </a:br>
+            <a:endParaRPr sz="1100"/>
+          </a:p>
+          <a:p>
+            <a:pPr marL="457200" lvl="0" indent="-298450" algn="l" rtl="0">
+              <a:spcBef>
+                <a:spcPts val="0"/>
+              </a:spcBef>
+              <a:spcAft>
+                <a:spcPts val="0"/>
+              </a:spcAft>
+              <a:buClr>
+                <a:schemeClr val="lt1"/>
+              </a:buClr>
+              <a:buSzPts val="1100"/>
+              <a:buChar char="●"/>
+            </a:pPr>
+            <a:r>
+              <a:rPr lang="es" sz="1100">
+                <a:solidFill>
+                  <a:srgbClr val="00FF00"/>
+                </a:solidFill>
+                <a:latin typeface="Roboto Mono"/>
+                <a:ea typeface="Roboto Mono"/>
+                <a:cs typeface="Roboto Mono"/>
+                <a:sym typeface="Roboto Mono"/>
+              </a:rPr>
+              <a:t>category</a:t>
+            </a:r>
+            <a:r>
+              <a:rPr lang="es" sz="1100">
+                <a:solidFill>
+                  <a:srgbClr val="00FF00"/>
+                </a:solidFill>
+              </a:rPr>
+              <a:t> </a:t>
+            </a:r>
+            <a:r>
+              <a:rPr lang="es" sz="1100"/>
+              <a:t>(string, categoría general, ej. DAIRY)</a:t>
+            </a:r>
+            <a:br>
+              <a:rPr lang="es" sz="1100"/>
+            </a:br>
+            <a:endParaRPr sz="1100"/>
+          </a:p>
+          <a:p>
+            <a:pPr marL="457200" lvl="0" indent="-298450" algn="l" rtl="0">
+              <a:spcBef>
+                <a:spcPts val="0"/>
+              </a:spcBef>
+              <a:spcAft>
+                <a:spcPts val="0"/>
+              </a:spcAft>
+              <a:buClr>
+                <a:schemeClr val="lt1"/>
+              </a:buClr>
+              <a:buSzPts val="1100"/>
+              <a:buChar char="●"/>
+            </a:pPr>
+            <a:r>
+              <a:rPr lang="es" sz="1100">
+                <a:solidFill>
+                  <a:srgbClr val="00FF00"/>
+                </a:solidFill>
+                <a:latin typeface="Roboto Mono"/>
+                <a:ea typeface="Roboto Mono"/>
+                <a:cs typeface="Roboto Mono"/>
+                <a:sym typeface="Roboto Mono"/>
+              </a:rPr>
+              <a:t>completed</a:t>
+            </a:r>
+            <a:r>
+              <a:rPr lang="es" sz="1100">
+                <a:solidFill>
+                  <a:srgbClr val="00FF00"/>
+                </a:solidFill>
+              </a:rPr>
+              <a:t> </a:t>
+            </a:r>
+            <a:r>
+              <a:rPr lang="es" sz="1100"/>
+              <a:t>(boolean, comprado o no)</a:t>
+            </a:r>
+            <a:br>
+              <a:rPr lang="es" sz="1100"/>
+            </a:br>
+            <a:endParaRPr sz="1100"/>
+          </a:p>
+          <a:p>
+            <a:pPr marL="457200" lvl="0" indent="-298450" algn="l" rtl="0">
+              <a:spcBef>
+                <a:spcPts val="0"/>
+              </a:spcBef>
+              <a:spcAft>
+                <a:spcPts val="0"/>
+              </a:spcAft>
+              <a:buClr>
+                <a:schemeClr val="lt1"/>
+              </a:buClr>
+              <a:buSzPts val="1100"/>
+              <a:buChar char="●"/>
+            </a:pPr>
+            <a:r>
+              <a:rPr lang="es" sz="1100">
+                <a:solidFill>
+                  <a:srgbClr val="00FF00"/>
+                </a:solidFill>
+                <a:latin typeface="Roboto Mono"/>
+                <a:ea typeface="Roboto Mono"/>
+                <a:cs typeface="Roboto Mono"/>
+                <a:sym typeface="Roboto Mono"/>
+              </a:rPr>
+              <a:t>addedBy</a:t>
+            </a:r>
+            <a:r>
+              <a:rPr lang="es" sz="1100">
+                <a:solidFill>
+                  <a:srgbClr val="00FF00"/>
+                </a:solidFill>
+              </a:rPr>
+              <a:t> </a:t>
+            </a:r>
+            <a:r>
+              <a:rPr lang="es" sz="1100"/>
+              <a:t>(string, correo del usuario)</a:t>
+            </a:r>
+            <a:br>
+              <a:rPr lang="es" sz="1100"/>
+            </a:br>
+            <a:endParaRPr sz="1100"/>
+          </a:p>
+          <a:p>
+            <a:pPr marL="457200" lvl="0" indent="-298450" algn="l" rtl="0">
+              <a:spcBef>
+                <a:spcPts val="0"/>
+              </a:spcBef>
+              <a:spcAft>
+                <a:spcPts val="0"/>
+              </a:spcAft>
+              <a:buClr>
+                <a:schemeClr val="lt1"/>
+              </a:buClr>
+              <a:buSzPts val="1100"/>
+              <a:buChar char="●"/>
+            </a:pPr>
+            <a:r>
+              <a:rPr lang="es" sz="1100">
+                <a:solidFill>
+                  <a:srgbClr val="00FF00"/>
+                </a:solidFill>
+                <a:latin typeface="Roboto Mono"/>
+                <a:ea typeface="Roboto Mono"/>
+                <a:cs typeface="Roboto Mono"/>
+                <a:sym typeface="Roboto Mono"/>
+              </a:rPr>
+              <a:t>purchasedBy</a:t>
+            </a:r>
+            <a:r>
+              <a:rPr lang="es" sz="1100">
+                <a:solidFill>
+                  <a:srgbClr val="00FF00"/>
+                </a:solidFill>
+              </a:rPr>
+              <a:t> </a:t>
+            </a:r>
+            <a:r>
+              <a:rPr lang="es" sz="1100"/>
+              <a:t>(string, correo del comprador, opcional)</a:t>
+            </a:r>
+            <a:br>
+              <a:rPr lang="es" sz="1100"/>
+            </a:br>
+            <a:endParaRPr sz="1100"/>
+          </a:p>
+          <a:p>
+            <a:pPr marL="457200" lvl="0" indent="-298450" algn="l" rtl="0">
+              <a:spcBef>
+                <a:spcPts val="0"/>
+              </a:spcBef>
+              <a:spcAft>
+                <a:spcPts val="0"/>
+              </a:spcAft>
+              <a:buClr>
+                <a:schemeClr val="lt1"/>
+              </a:buClr>
+              <a:buSzPts val="1100"/>
+              <a:buChar char="●"/>
+            </a:pPr>
+            <a:r>
+              <a:rPr lang="es" sz="1100">
+                <a:solidFill>
+                  <a:srgbClr val="00FF00"/>
+                </a:solidFill>
+                <a:latin typeface="Roboto Mono"/>
+                <a:ea typeface="Roboto Mono"/>
+                <a:cs typeface="Roboto Mono"/>
+                <a:sym typeface="Roboto Mono"/>
+              </a:rPr>
+              <a:t>createdAt</a:t>
+            </a:r>
+            <a:r>
+              <a:rPr lang="es" sz="1100">
+                <a:solidFill>
+                  <a:srgbClr val="00FF00"/>
+                </a:solidFill>
+              </a:rPr>
+              <a:t> </a:t>
+            </a:r>
+            <a:r>
+              <a:rPr lang="es" sz="1100"/>
+              <a:t>(timestamp)</a:t>
+            </a:r>
+            <a:br>
+              <a:rPr lang="es" sz="1100"/>
+            </a:br>
+            <a:endParaRPr sz="1100"/>
+          </a:p>
+          <a:p>
+            <a:pPr marL="457200" lvl="0" indent="-298450" algn="l" rtl="0">
+              <a:spcBef>
+                <a:spcPts val="0"/>
+              </a:spcBef>
+              <a:spcAft>
+                <a:spcPts val="0"/>
+              </a:spcAft>
+              <a:buClr>
+                <a:schemeClr val="lt1"/>
+              </a:buClr>
+              <a:buSzPts val="1100"/>
+              <a:buChar char="●"/>
+            </a:pPr>
+            <a:r>
+              <a:rPr lang="es" sz="1100">
+                <a:solidFill>
+                  <a:srgbClr val="00FF00"/>
+                </a:solidFill>
+                <a:latin typeface="Roboto Mono"/>
+                <a:ea typeface="Roboto Mono"/>
+                <a:cs typeface="Roboto Mono"/>
+                <a:sym typeface="Roboto Mono"/>
+              </a:rPr>
+              <a:t>userId</a:t>
+            </a:r>
+            <a:r>
+              <a:rPr lang="es" sz="1100">
+                <a:solidFill>
+                  <a:srgbClr val="00FF00"/>
+                </a:solidFill>
+              </a:rPr>
+              <a:t> </a:t>
+            </a:r>
+            <a:r>
+              <a:rPr lang="es" sz="1100"/>
+              <a:t>(string, referencia a </a:t>
+            </a:r>
+            <a:r>
+              <a:rPr lang="es" sz="1100">
+                <a:latin typeface="Roboto Mono"/>
+                <a:ea typeface="Roboto Mono"/>
+                <a:cs typeface="Roboto Mono"/>
+                <a:sym typeface="Roboto Mono"/>
+              </a:rPr>
+              <a:t>users</a:t>
+            </a:r>
+            <a:r>
+              <a:rPr lang="es" sz="1100"/>
+              <a:t>)</a:t>
+            </a:r>
+            <a:endParaRPr sz="1500" b="1"/>
+          </a:p>
+        </p:txBody>
+      </p:sp>
+    </p:spTree>
+  </p:cSld>
+  <p:clrMapOvr>
+    <a:masterClrMapping/>
+  </p:clrMapOvr>
+</p:sld>
+</file>
+
+<file path=ppt/slides/slide41.xml><?xml version="1.0" encoding="utf-8"?>
 <p:sld xmlns:a="http://schemas.openxmlformats.org/drawingml/2006/main" xmlns:r="http://schemas.openxmlformats.org/officeDocument/2006/relationships" xmlns:p="http://schemas.openxmlformats.org/presentationml/2006/main">
   <p:cSld>
     <p:spTree>
@@ -23775,7 +24177,7 @@
 </p:sld>
 </file>
 
-<file path=ppt/slides/slide41.xml><?xml version="1.0" encoding="utf-8"?>
+<file path=ppt/slides/slide42.xml><?xml version="1.0" encoding="utf-8"?>
 <p:sld xmlns:a="http://schemas.openxmlformats.org/drawingml/2006/main" xmlns:r="http://schemas.openxmlformats.org/officeDocument/2006/relationships" xmlns:p="http://schemas.openxmlformats.org/presentationml/2006/main">
   <p:cSld>
     <p:spTree>
@@ -24131,7 +24533,7 @@
 </p:sld>
 </file>
 
-<file path=ppt/slides/slide42.xml><?xml version="1.0" encoding="utf-8"?>
+<file path=ppt/slides/slide43.xml><?xml version="1.0" encoding="utf-8"?>
 <p:sld xmlns:a="http://schemas.openxmlformats.org/drawingml/2006/main" xmlns:r="http://schemas.openxmlformats.org/officeDocument/2006/relationships" xmlns:p="http://schemas.openxmlformats.org/presentationml/2006/main">
   <p:cSld>
     <p:spTree>
@@ -24203,7 +24605,7 @@
 </p:sld>
 </file>
 
-<file path=ppt/slides/slide43.xml><?xml version="1.0" encoding="utf-8"?>
+<file path=ppt/slides/slide44.xml><?xml version="1.0" encoding="utf-8"?>
 <p:sld xmlns:a="http://schemas.openxmlformats.org/drawingml/2006/main" xmlns:r="http://schemas.openxmlformats.org/officeDocument/2006/relationships" xmlns:p="http://schemas.openxmlformats.org/presentationml/2006/main">
   <p:cSld>
     <p:spTree>
@@ -24492,7 +24894,7 @@
 </p:sld>
 </file>
 
-<file path=ppt/slides/slide44.xml><?xml version="1.0" encoding="utf-8"?>
+<file path=ppt/slides/slide45.xml><?xml version="1.0" encoding="utf-8"?>
 <p:sld xmlns:a="http://schemas.openxmlformats.org/drawingml/2006/main" xmlns:r="http://schemas.openxmlformats.org/officeDocument/2006/relationships" xmlns:p="http://schemas.openxmlformats.org/presentationml/2006/main">
   <p:cSld>
     <p:spTree>
@@ -24559,7 +24961,7 @@
 </p:sld>
 </file>
 
-<file path=ppt/slides/slide45.xml><?xml version="1.0" encoding="utf-8"?>
+<file path=ppt/slides/slide46.xml><?xml version="1.0" encoding="utf-8"?>
 <p:sld xmlns:a="http://schemas.openxmlformats.org/drawingml/2006/main" xmlns:r="http://schemas.openxmlformats.org/officeDocument/2006/relationships" xmlns:p="http://schemas.openxmlformats.org/presentationml/2006/main">
   <p:cSld>
     <p:spTree>
@@ -24790,7 +25192,7 @@
 </p:sld>
 </file>
 
-<file path=ppt/slides/slide46.xml><?xml version="1.0" encoding="utf-8"?>
+<file path=ppt/slides/slide47.xml><?xml version="1.0" encoding="utf-8"?>
 <p:sld xmlns:a="http://schemas.openxmlformats.org/drawingml/2006/main" xmlns:r="http://schemas.openxmlformats.org/officeDocument/2006/relationships" xmlns:p="http://schemas.openxmlformats.org/presentationml/2006/main">
   <p:cSld>
     <p:spTree>
@@ -25159,7 +25561,7 @@
 </p:sld>
 </file>
 
-<file path=ppt/slides/slide47.xml><?xml version="1.0" encoding="utf-8"?>
+<file path=ppt/slides/slide48.xml><?xml version="1.0" encoding="utf-8"?>
 <p:sld xmlns:a="http://schemas.openxmlformats.org/drawingml/2006/main" xmlns:r="http://schemas.openxmlformats.org/officeDocument/2006/relationships" xmlns:p="http://schemas.openxmlformats.org/presentationml/2006/main">
   <p:cSld>
     <p:spTree>
@@ -25452,7 +25854,7 @@
 </p:sld>
 </file>
 
-<file path=ppt/slides/slide48.xml><?xml version="1.0" encoding="utf-8"?>
+<file path=ppt/slides/slide49.xml><?xml version="1.0" encoding="utf-8"?>
 <p:sld xmlns:a="http://schemas.openxmlformats.org/drawingml/2006/main" xmlns:r="http://schemas.openxmlformats.org/officeDocument/2006/relationships" xmlns:p="http://schemas.openxmlformats.org/presentationml/2006/main">
   <p:cSld>
     <p:spTree>
@@ -25641,7 +26043,220 @@
 </p:sld>
 </file>
 
-<file path=ppt/slides/slide49.xml><?xml version="1.0" encoding="utf-8"?>
+<file path=ppt/slides/slide5.xml><?xml version="1.0" encoding="utf-8"?>
+<p:sld xmlns:a="http://schemas.openxmlformats.org/drawingml/2006/main" xmlns:r="http://schemas.openxmlformats.org/officeDocument/2006/relationships" xmlns:p="http://schemas.openxmlformats.org/presentationml/2006/main">
+  <p:cSld>
+    <p:spTree>
+      <p:nvGrpSpPr>
+        <p:cNvPr id="1" name="Shape 158"/>
+        <p:cNvGrpSpPr/>
+        <p:nvPr/>
+      </p:nvGrpSpPr>
+      <p:grpSpPr>
+        <a:xfrm>
+          <a:off x="0" y="0"/>
+          <a:ext cx="0" cy="0"/>
+          <a:chOff x="0" y="0"/>
+          <a:chExt cx="0" cy="0"/>
+        </a:xfrm>
+      </p:grpSpPr>
+      <p:sp>
+        <p:nvSpPr>
+          <p:cNvPr id="159" name="Google Shape;159;p17"/>
+          <p:cNvSpPr txBox="1">
+            <a:spLocks noGrp="1"/>
+          </p:cNvSpPr>
+          <p:nvPr>
+            <p:ph type="title"/>
+          </p:nvPr>
+        </p:nvSpPr>
+        <p:spPr>
+          <a:xfrm>
+            <a:off x="727650" y="578525"/>
+            <a:ext cx="7688700" cy="535200"/>
+          </a:xfrm>
+          <a:prstGeom prst="rect">
+            <a:avLst/>
+          </a:prstGeom>
+        </p:spPr>
+        <p:txBody>
+          <a:bodyPr spcFirstLastPara="1" wrap="square" lIns="91425" tIns="91425" rIns="91425" bIns="91425" anchor="t" anchorCtr="0">
+            <a:normAutofit fontScale="90000"/>
+          </a:bodyPr>
+          <a:lstStyle/>
+          <a:p>
+            <a:pPr marL="0" lvl="0" indent="0" algn="ctr" rtl="0">
+              <a:spcBef>
+                <a:spcPts val="0"/>
+              </a:spcBef>
+              <a:spcAft>
+                <a:spcPts val="0"/>
+              </a:spcAft>
+              <a:buNone/>
+            </a:pPr>
+            <a:r>
+              <a:rPr lang="es"/>
+              <a:t>Índice</a:t>
+            </a:r>
+            <a:endParaRPr/>
+          </a:p>
+        </p:txBody>
+      </p:sp>
+      <p:sp>
+        <p:nvSpPr>
+          <p:cNvPr id="160" name="Google Shape;160;p17"/>
+          <p:cNvSpPr txBox="1">
+            <a:spLocks noGrp="1"/>
+          </p:cNvSpPr>
+          <p:nvPr>
+            <p:ph type="body" idx="1"/>
+          </p:nvPr>
+        </p:nvSpPr>
+        <p:spPr>
+          <a:xfrm>
+            <a:off x="311700" y="1285875"/>
+            <a:ext cx="8520600" cy="3526800"/>
+          </a:xfrm>
+          <a:prstGeom prst="rect">
+            <a:avLst/>
+          </a:prstGeom>
+        </p:spPr>
+        <p:txBody>
+          <a:bodyPr spcFirstLastPara="1" wrap="square" lIns="91425" tIns="91425" rIns="91425" bIns="91425" anchor="t" anchorCtr="0">
+            <a:normAutofit/>
+          </a:bodyPr>
+          <a:lstStyle/>
+          <a:p>
+            <a:pPr marL="457200" lvl="0" indent="-406400" algn="l" rtl="0">
+              <a:spcBef>
+                <a:spcPts val="0"/>
+              </a:spcBef>
+              <a:spcAft>
+                <a:spcPts val="0"/>
+              </a:spcAft>
+              <a:buSzPts val="2800"/>
+              <a:buChar char="●"/>
+            </a:pPr>
+            <a:r>
+              <a:rPr lang="es" sz="2800" b="1" baseline="-25000">
+                <a:uFill>
+                  <a:noFill/>
+                </a:uFill>
+                <a:hlinkClick r:id="" action="ppaction://noaction"/>
+              </a:rPr>
+              <a:t>Información para el cliente</a:t>
+            </a:r>
+            <a:r>
+              <a:rPr lang="es" sz="2800" b="1" baseline="-25000"/>
+              <a:t> (67 - 75)</a:t>
+            </a:r>
+            <a:endParaRPr sz="2800" b="1" baseline="-25000"/>
+          </a:p>
+          <a:p>
+            <a:pPr marL="914400" lvl="1" indent="-406400" algn="l" rtl="0">
+              <a:spcBef>
+                <a:spcPts val="0"/>
+              </a:spcBef>
+              <a:spcAft>
+                <a:spcPts val="0"/>
+              </a:spcAft>
+              <a:buSzPts val="2800"/>
+              <a:buChar char="○"/>
+            </a:pPr>
+            <a:r>
+              <a:rPr lang="es" sz="2800" baseline="-25000"/>
+              <a:t>Requisitos físicos y de hardware (68)</a:t>
+            </a:r>
+            <a:endParaRPr sz="2800" baseline="-25000"/>
+          </a:p>
+          <a:p>
+            <a:pPr marL="914400" lvl="1" indent="-406400" algn="l" rtl="0">
+              <a:spcBef>
+                <a:spcPts val="0"/>
+              </a:spcBef>
+              <a:spcAft>
+                <a:spcPts val="0"/>
+              </a:spcAft>
+              <a:buSzPts val="2800"/>
+              <a:buChar char="○"/>
+            </a:pPr>
+            <a:r>
+              <a:rPr lang="es" sz="2800" baseline="-25000"/>
+              <a:t>Requisitos software (69)</a:t>
+            </a:r>
+            <a:endParaRPr sz="2800" baseline="-25000"/>
+          </a:p>
+          <a:p>
+            <a:pPr marL="914400" lvl="1" indent="-406400" algn="l" rtl="0">
+              <a:spcBef>
+                <a:spcPts val="0"/>
+              </a:spcBef>
+              <a:spcAft>
+                <a:spcPts val="0"/>
+              </a:spcAft>
+              <a:buSzPts val="2800"/>
+              <a:buChar char="○"/>
+            </a:pPr>
+            <a:r>
+              <a:rPr lang="es" sz="2800" baseline="-25000"/>
+              <a:t>Manual de instalación, configuración y administración (70 - 72)</a:t>
+            </a:r>
+            <a:endParaRPr sz="2800" baseline="-25000"/>
+          </a:p>
+          <a:p>
+            <a:pPr marL="914400" lvl="1" indent="-406400" algn="l" rtl="0">
+              <a:spcBef>
+                <a:spcPts val="0"/>
+              </a:spcBef>
+              <a:spcAft>
+                <a:spcPts val="0"/>
+              </a:spcAft>
+              <a:buSzPts val="2800"/>
+              <a:buChar char="○"/>
+            </a:pPr>
+            <a:r>
+              <a:rPr lang="es" sz="2800" baseline="-25000"/>
+              <a:t>Manual de usuario (73 - 75)</a:t>
+            </a:r>
+            <a:endParaRPr sz="2800" baseline="-25000"/>
+          </a:p>
+          <a:p>
+            <a:pPr marL="457200" lvl="0" indent="-406400" algn="l" rtl="0">
+              <a:spcBef>
+                <a:spcPts val="0"/>
+              </a:spcBef>
+              <a:spcAft>
+                <a:spcPts val="0"/>
+              </a:spcAft>
+              <a:buSzPts val="2800"/>
+              <a:buChar char="●"/>
+            </a:pPr>
+            <a:r>
+              <a:rPr lang="es" sz="2800" b="1" baseline="-25000">
+                <a:uFill>
+                  <a:noFill/>
+                </a:uFill>
+                <a:hlinkClick r:id="" action="ppaction://noaction"/>
+              </a:rPr>
+              <a:t>Bibliografía y fuentes de información</a:t>
+            </a:r>
+            <a:r>
+              <a:rPr lang="es" sz="2800" b="1" baseline="-25000"/>
+              <a:t> (76)</a:t>
+            </a:r>
+            <a:endParaRPr sz="3100" b="1" baseline="-25000"/>
+          </a:p>
+        </p:txBody>
+      </p:sp>
+    </p:spTree>
+  </p:cSld>
+  <p:clrMapOvr>
+    <a:masterClrMapping/>
+  </p:clrMapOvr>
+</p:sld>
+</file>
+
+<file path=ppt/slides/slide50.xml><?xml version="1.0" encoding="utf-8"?>
 <p:sld xmlns:a="http://schemas.openxmlformats.org/drawingml/2006/main" xmlns:r="http://schemas.openxmlformats.org/officeDocument/2006/relationships" xmlns:p="http://schemas.openxmlformats.org/presentationml/2006/main">
   <p:cSld>
     <p:spTree>
@@ -25914,116 +26529,7 @@
 </p:sld>
 </file>
 
-<file path=ppt/slides/slide5.xml><?xml version="1.0" encoding="utf-8"?>
-<p:sld xmlns:a="http://schemas.openxmlformats.org/drawingml/2006/main" xmlns:r="http://schemas.openxmlformats.org/officeDocument/2006/relationships" xmlns:p="http://schemas.openxmlformats.org/presentationml/2006/main">
-  <p:cSld>
-    <p:spTree>
-      <p:nvGrpSpPr>
-        <p:cNvPr id="1" name="Shape 164"/>
-        <p:cNvGrpSpPr/>
-        <p:nvPr/>
-      </p:nvGrpSpPr>
-      <p:grpSpPr>
-        <a:xfrm>
-          <a:off x="0" y="0"/>
-          <a:ext cx="0" cy="0"/>
-          <a:chOff x="0" y="0"/>
-          <a:chExt cx="0" cy="0"/>
-        </a:xfrm>
-      </p:grpSpPr>
-      <p:sp>
-        <p:nvSpPr>
-          <p:cNvPr id="165" name="Google Shape;165;p18"/>
-          <p:cNvSpPr txBox="1">
-            <a:spLocks noGrp="1"/>
-          </p:cNvSpPr>
-          <p:nvPr>
-            <p:ph type="title"/>
-          </p:nvPr>
-        </p:nvSpPr>
-        <p:spPr>
-          <a:xfrm>
-            <a:off x="1297500" y="393750"/>
-            <a:ext cx="7038900" cy="914100"/>
-          </a:xfrm>
-          <a:prstGeom prst="rect">
-            <a:avLst/>
-          </a:prstGeom>
-        </p:spPr>
-        <p:txBody>
-          <a:bodyPr spcFirstLastPara="1" wrap="square" lIns="91425" tIns="91425" rIns="91425" bIns="91425" anchor="t" anchorCtr="0">
-            <a:normAutofit/>
-          </a:bodyPr>
-          <a:lstStyle/>
-          <a:p>
-            <a:pPr marL="0" lvl="0" indent="0" algn="ctr" rtl="0">
-              <a:spcBef>
-                <a:spcPts val="0"/>
-              </a:spcBef>
-              <a:spcAft>
-                <a:spcPts val="0"/>
-              </a:spcAft>
-              <a:buNone/>
-            </a:pPr>
-            <a:r>
-              <a:rPr lang="es"/>
-              <a:t>Introducción</a:t>
-            </a:r>
-            <a:endParaRPr/>
-          </a:p>
-        </p:txBody>
-      </p:sp>
-      <p:sp>
-        <p:nvSpPr>
-          <p:cNvPr id="166" name="Google Shape;166;p18"/>
-          <p:cNvSpPr txBox="1">
-            <a:spLocks noGrp="1"/>
-          </p:cNvSpPr>
-          <p:nvPr>
-            <p:ph type="body" idx="1"/>
-          </p:nvPr>
-        </p:nvSpPr>
-        <p:spPr>
-          <a:xfrm>
-            <a:off x="1297500" y="1567550"/>
-            <a:ext cx="7038900" cy="2911200"/>
-          </a:xfrm>
-          <a:prstGeom prst="rect">
-            <a:avLst/>
-          </a:prstGeom>
-        </p:spPr>
-        <p:txBody>
-          <a:bodyPr spcFirstLastPara="1" wrap="square" lIns="91425" tIns="91425" rIns="91425" bIns="91425" anchor="t" anchorCtr="0">
-            <a:normAutofit/>
-          </a:bodyPr>
-          <a:lstStyle/>
-          <a:p>
-            <a:pPr marL="0" lvl="0" indent="0" algn="l" rtl="0">
-              <a:spcBef>
-                <a:spcPts val="0"/>
-              </a:spcBef>
-              <a:spcAft>
-                <a:spcPts val="1200"/>
-              </a:spcAft>
-              <a:buNone/>
-            </a:pPr>
-            <a:r>
-              <a:rPr lang="es"/>
-              <a:t>Un software para crear y gestionar listas de la compra, tanto individuales como compartidas. Permite añadir productos, incluir observaciones, marcar compras completadas, registrar el precio total y dividir automáticamente el gasto entre los usuarios. En Android, los productos también pueden añadirse mediante código de barras para agilizar la captura de información.</a:t>
-            </a:r>
-            <a:endParaRPr/>
-          </a:p>
-        </p:txBody>
-      </p:sp>
-    </p:spTree>
-  </p:cSld>
-  <p:clrMapOvr>
-    <a:masterClrMapping/>
-  </p:clrMapOvr>
-</p:sld>
-</file>
-
-<file path=ppt/slides/slide50.xml><?xml version="1.0" encoding="utf-8"?>
+<file path=ppt/slides/slide51.xml><?xml version="1.0" encoding="utf-8"?>
 <p:sld xmlns:a="http://schemas.openxmlformats.org/drawingml/2006/main" xmlns:r="http://schemas.openxmlformats.org/officeDocument/2006/relationships" xmlns:p="http://schemas.openxmlformats.org/presentationml/2006/main">
   <p:cSld>
     <p:spTree>
@@ -26090,7 +26596,7 @@
 </p:sld>
 </file>
 
-<file path=ppt/slides/slide51.xml><?xml version="1.0" encoding="utf-8"?>
+<file path=ppt/slides/slide52.xml><?xml version="1.0" encoding="utf-8"?>
 <p:sld xmlns:a="http://schemas.openxmlformats.org/drawingml/2006/main" xmlns:r="http://schemas.openxmlformats.org/officeDocument/2006/relationships" xmlns:p="http://schemas.openxmlformats.org/presentationml/2006/main">
   <p:cSld>
     <p:spTree>
@@ -26389,7 +26895,7 @@
 </p:sld>
 </file>
 
-<file path=ppt/slides/slide52.xml><?xml version="1.0" encoding="utf-8"?>
+<file path=ppt/slides/slide53.xml><?xml version="1.0" encoding="utf-8"?>
 <p:sld xmlns:a="http://schemas.openxmlformats.org/drawingml/2006/main" xmlns:r="http://schemas.openxmlformats.org/officeDocument/2006/relationships" xmlns:p="http://schemas.openxmlformats.org/presentationml/2006/main">
   <p:cSld>
     <p:spTree>
@@ -26576,7 +27082,7 @@
 </p:sld>
 </file>
 
-<file path=ppt/slides/slide53.xml><?xml version="1.0" encoding="utf-8"?>
+<file path=ppt/slides/slide54.xml><?xml version="1.0" encoding="utf-8"?>
 <p:sld xmlns:a="http://schemas.openxmlformats.org/drawingml/2006/main" xmlns:r="http://schemas.openxmlformats.org/officeDocument/2006/relationships" xmlns:p="http://schemas.openxmlformats.org/presentationml/2006/main">
   <p:cSld>
     <p:spTree>
@@ -26956,7 +27462,7 @@
 </p:sld>
 </file>
 
-<file path=ppt/slides/slide54.xml><?xml version="1.0" encoding="utf-8"?>
+<file path=ppt/slides/slide55.xml><?xml version="1.0" encoding="utf-8"?>
 <p:sld xmlns:a="http://schemas.openxmlformats.org/drawingml/2006/main" xmlns:r="http://schemas.openxmlformats.org/officeDocument/2006/relationships" xmlns:p="http://schemas.openxmlformats.org/presentationml/2006/main">
   <p:cSld>
     <p:spTree>
@@ -27026,7 +27532,7 @@
 </p:sld>
 </file>
 
-<file path=ppt/slides/slide55.xml><?xml version="1.0" encoding="utf-8"?>
+<file path=ppt/slides/slide56.xml><?xml version="1.0" encoding="utf-8"?>
 <p:sld xmlns:a="http://schemas.openxmlformats.org/drawingml/2006/main" xmlns:r="http://schemas.openxmlformats.org/officeDocument/2006/relationships" xmlns:p="http://schemas.openxmlformats.org/presentationml/2006/main">
   <p:cSld>
     <p:spTree>
@@ -27079,7 +27585,7 @@
 </p:sld>
 </file>
 
-<file path=ppt/slides/slide56.xml><?xml version="1.0" encoding="utf-8"?>
+<file path=ppt/slides/slide57.xml><?xml version="1.0" encoding="utf-8"?>
 <p:sld xmlns:a="http://schemas.openxmlformats.org/drawingml/2006/main" xmlns:r="http://schemas.openxmlformats.org/officeDocument/2006/relationships" xmlns:p="http://schemas.openxmlformats.org/presentationml/2006/main">
   <p:cSld>
     <p:spTree>
@@ -27132,7 +27638,7 @@
 </p:sld>
 </file>
 
-<file path=ppt/slides/slide57.xml><?xml version="1.0" encoding="utf-8"?>
+<file path=ppt/slides/slide58.xml><?xml version="1.0" encoding="utf-8"?>
 <p:sld xmlns:a="http://schemas.openxmlformats.org/drawingml/2006/main" xmlns:r="http://schemas.openxmlformats.org/officeDocument/2006/relationships" xmlns:p="http://schemas.openxmlformats.org/presentationml/2006/main">
   <p:cSld>
     <p:spTree>
@@ -27185,7 +27691,7 @@
 </p:sld>
 </file>
 
-<file path=ppt/slides/slide58.xml><?xml version="1.0" encoding="utf-8"?>
+<file path=ppt/slides/slide59.xml><?xml version="1.0" encoding="utf-8"?>
 <p:sld xmlns:a="http://schemas.openxmlformats.org/drawingml/2006/main" xmlns:r="http://schemas.openxmlformats.org/officeDocument/2006/relationships" xmlns:p="http://schemas.openxmlformats.org/presentationml/2006/main">
   <p:cSld>
     <p:spTree>
@@ -27238,7 +27744,116 @@
 </p:sld>
 </file>
 
-<file path=ppt/slides/slide59.xml><?xml version="1.0" encoding="utf-8"?>
+<file path=ppt/slides/slide6.xml><?xml version="1.0" encoding="utf-8"?>
+<p:sld xmlns:a="http://schemas.openxmlformats.org/drawingml/2006/main" xmlns:r="http://schemas.openxmlformats.org/officeDocument/2006/relationships" xmlns:p="http://schemas.openxmlformats.org/presentationml/2006/main">
+  <p:cSld>
+    <p:spTree>
+      <p:nvGrpSpPr>
+        <p:cNvPr id="1" name="Shape 164"/>
+        <p:cNvGrpSpPr/>
+        <p:nvPr/>
+      </p:nvGrpSpPr>
+      <p:grpSpPr>
+        <a:xfrm>
+          <a:off x="0" y="0"/>
+          <a:ext cx="0" cy="0"/>
+          <a:chOff x="0" y="0"/>
+          <a:chExt cx="0" cy="0"/>
+        </a:xfrm>
+      </p:grpSpPr>
+      <p:sp>
+        <p:nvSpPr>
+          <p:cNvPr id="165" name="Google Shape;165;p18"/>
+          <p:cNvSpPr txBox="1">
+            <a:spLocks noGrp="1"/>
+          </p:cNvSpPr>
+          <p:nvPr>
+            <p:ph type="title"/>
+          </p:nvPr>
+        </p:nvSpPr>
+        <p:spPr>
+          <a:xfrm>
+            <a:off x="1297500" y="393750"/>
+            <a:ext cx="7038900" cy="914100"/>
+          </a:xfrm>
+          <a:prstGeom prst="rect">
+            <a:avLst/>
+          </a:prstGeom>
+        </p:spPr>
+        <p:txBody>
+          <a:bodyPr spcFirstLastPara="1" wrap="square" lIns="91425" tIns="91425" rIns="91425" bIns="91425" anchor="t" anchorCtr="0">
+            <a:normAutofit/>
+          </a:bodyPr>
+          <a:lstStyle/>
+          <a:p>
+            <a:pPr marL="0" lvl="0" indent="0" algn="ctr" rtl="0">
+              <a:spcBef>
+                <a:spcPts val="0"/>
+              </a:spcBef>
+              <a:spcAft>
+                <a:spcPts val="0"/>
+              </a:spcAft>
+              <a:buNone/>
+            </a:pPr>
+            <a:r>
+              <a:rPr lang="es"/>
+              <a:t>Introducción</a:t>
+            </a:r>
+            <a:endParaRPr/>
+          </a:p>
+        </p:txBody>
+      </p:sp>
+      <p:sp>
+        <p:nvSpPr>
+          <p:cNvPr id="166" name="Google Shape;166;p18"/>
+          <p:cNvSpPr txBox="1">
+            <a:spLocks noGrp="1"/>
+          </p:cNvSpPr>
+          <p:nvPr>
+            <p:ph type="body" idx="1"/>
+          </p:nvPr>
+        </p:nvSpPr>
+        <p:spPr>
+          <a:xfrm>
+            <a:off x="1297500" y="1567550"/>
+            <a:ext cx="7038900" cy="2911200"/>
+          </a:xfrm>
+          <a:prstGeom prst="rect">
+            <a:avLst/>
+          </a:prstGeom>
+        </p:spPr>
+        <p:txBody>
+          <a:bodyPr spcFirstLastPara="1" wrap="square" lIns="91425" tIns="91425" rIns="91425" bIns="91425" anchor="t" anchorCtr="0">
+            <a:normAutofit/>
+          </a:bodyPr>
+          <a:lstStyle/>
+          <a:p>
+            <a:pPr marL="0" lvl="0" indent="0" algn="l" rtl="0">
+              <a:spcBef>
+                <a:spcPts val="0"/>
+              </a:spcBef>
+              <a:spcAft>
+                <a:spcPts val="1200"/>
+              </a:spcAft>
+              <a:buNone/>
+            </a:pPr>
+            <a:r>
+              <a:rPr lang="es"/>
+              <a:t>Un software para crear y gestionar listas de la compra, tanto individuales como compartidas. Permite añadir productos, incluir observaciones, marcar compras completadas, registrar el precio total y dividir automáticamente el gasto entre los usuarios. En Android, los productos también pueden añadirse mediante código de barras para agilizar la captura de información.</a:t>
+            </a:r>
+            <a:endParaRPr/>
+          </a:p>
+        </p:txBody>
+      </p:sp>
+    </p:spTree>
+  </p:cSld>
+  <p:clrMapOvr>
+    <a:masterClrMapping/>
+  </p:clrMapOvr>
+</p:sld>
+</file>
+
+<file path=ppt/slides/slide60.xml><?xml version="1.0" encoding="utf-8"?>
 <p:sld xmlns:a="http://schemas.openxmlformats.org/drawingml/2006/main" xmlns:r="http://schemas.openxmlformats.org/officeDocument/2006/relationships" xmlns:p="http://schemas.openxmlformats.org/presentationml/2006/main">
   <p:cSld>
     <p:spTree>
@@ -27305,74 +27920,7 @@
 </p:sld>
 </file>
 
-<file path=ppt/slides/slide6.xml><?xml version="1.0" encoding="utf-8"?>
-<p:sld xmlns:a="http://schemas.openxmlformats.org/drawingml/2006/main" xmlns:r="http://schemas.openxmlformats.org/officeDocument/2006/relationships" xmlns:p="http://schemas.openxmlformats.org/presentationml/2006/main">
-  <p:cSld>
-    <p:spTree>
-      <p:nvGrpSpPr>
-        <p:cNvPr id="1" name="Shape 170"/>
-        <p:cNvGrpSpPr/>
-        <p:nvPr/>
-      </p:nvGrpSpPr>
-      <p:grpSpPr>
-        <a:xfrm>
-          <a:off x="0" y="0"/>
-          <a:ext cx="0" cy="0"/>
-          <a:chOff x="0" y="0"/>
-          <a:chExt cx="0" cy="0"/>
-        </a:xfrm>
-      </p:grpSpPr>
-      <p:sp>
-        <p:nvSpPr>
-          <p:cNvPr id="171" name="Google Shape;171;p19"/>
-          <p:cNvSpPr txBox="1">
-            <a:spLocks noGrp="1"/>
-          </p:cNvSpPr>
-          <p:nvPr>
-            <p:ph type="title"/>
-          </p:nvPr>
-        </p:nvSpPr>
-        <p:spPr>
-          <a:xfrm>
-            <a:off x="823850" y="2053000"/>
-            <a:ext cx="4587000" cy="1148700"/>
-          </a:xfrm>
-          <a:prstGeom prst="rect">
-            <a:avLst/>
-          </a:prstGeom>
-        </p:spPr>
-        <p:txBody>
-          <a:bodyPr spcFirstLastPara="1" wrap="square" lIns="91425" tIns="91425" rIns="91425" bIns="91425" anchor="ctr" anchorCtr="0">
-            <a:normAutofit/>
-          </a:bodyPr>
-          <a:lstStyle/>
-          <a:p>
-            <a:pPr marL="0" lvl="0" indent="0" algn="l" rtl="0">
-              <a:spcBef>
-                <a:spcPts val="0"/>
-              </a:spcBef>
-              <a:spcAft>
-                <a:spcPts val="0"/>
-              </a:spcAft>
-              <a:buNone/>
-            </a:pPr>
-            <a:r>
-              <a:rPr lang="es"/>
-              <a:t>Plan de viabilidad</a:t>
-            </a:r>
-            <a:endParaRPr/>
-          </a:p>
-        </p:txBody>
-      </p:sp>
-    </p:spTree>
-  </p:cSld>
-  <p:clrMapOvr>
-    <a:masterClrMapping/>
-  </p:clrMapOvr>
-</p:sld>
-</file>
-
-<file path=ppt/slides/slide60.xml><?xml version="1.0" encoding="utf-8"?>
+<file path=ppt/slides/slide61.xml><?xml version="1.0" encoding="utf-8"?>
 <p:sld xmlns:a="http://schemas.openxmlformats.org/drawingml/2006/main" xmlns:r="http://schemas.openxmlformats.org/officeDocument/2006/relationships" xmlns:p="http://schemas.openxmlformats.org/presentationml/2006/main">
   <p:cSld>
     <p:spTree>
@@ -27429,6 +27977,73 @@
   <p:cSld>
     <p:spTree>
       <p:nvGrpSpPr>
+        <p:cNvPr id="1" name="Shape 170"/>
+        <p:cNvGrpSpPr/>
+        <p:nvPr/>
+      </p:nvGrpSpPr>
+      <p:grpSpPr>
+        <a:xfrm>
+          <a:off x="0" y="0"/>
+          <a:ext cx="0" cy="0"/>
+          <a:chOff x="0" y="0"/>
+          <a:chExt cx="0" cy="0"/>
+        </a:xfrm>
+      </p:grpSpPr>
+      <p:sp>
+        <p:nvSpPr>
+          <p:cNvPr id="171" name="Google Shape;171;p19"/>
+          <p:cNvSpPr txBox="1">
+            <a:spLocks noGrp="1"/>
+          </p:cNvSpPr>
+          <p:nvPr>
+            <p:ph type="title"/>
+          </p:nvPr>
+        </p:nvSpPr>
+        <p:spPr>
+          <a:xfrm>
+            <a:off x="823850" y="2053000"/>
+            <a:ext cx="4587000" cy="1148700"/>
+          </a:xfrm>
+          <a:prstGeom prst="rect">
+            <a:avLst/>
+          </a:prstGeom>
+        </p:spPr>
+        <p:txBody>
+          <a:bodyPr spcFirstLastPara="1" wrap="square" lIns="91425" tIns="91425" rIns="91425" bIns="91425" anchor="ctr" anchorCtr="0">
+            <a:normAutofit/>
+          </a:bodyPr>
+          <a:lstStyle/>
+          <a:p>
+            <a:pPr marL="0" lvl="0" indent="0" algn="l" rtl="0">
+              <a:spcBef>
+                <a:spcPts val="0"/>
+              </a:spcBef>
+              <a:spcAft>
+                <a:spcPts val="0"/>
+              </a:spcAft>
+              <a:buNone/>
+            </a:pPr>
+            <a:r>
+              <a:rPr lang="es"/>
+              <a:t>Plan de viabilidad</a:t>
+            </a:r>
+            <a:endParaRPr/>
+          </a:p>
+        </p:txBody>
+      </p:sp>
+    </p:spTree>
+  </p:cSld>
+  <p:clrMapOvr>
+    <a:masterClrMapping/>
+  </p:clrMapOvr>
+</p:sld>
+</file>
+
+<file path=ppt/slides/slide8.xml><?xml version="1.0" encoding="utf-8"?>
+<p:sld xmlns:a="http://schemas.openxmlformats.org/drawingml/2006/main" xmlns:r="http://schemas.openxmlformats.org/officeDocument/2006/relationships" xmlns:p="http://schemas.openxmlformats.org/presentationml/2006/main">
+  <p:cSld>
+    <p:spTree>
+      <p:nvGrpSpPr>
         <p:cNvPr id="1" name="Shape 175"/>
         <p:cNvGrpSpPr/>
         <p:nvPr/>
@@ -27644,7 +28259,7 @@
 </p:sld>
 </file>
 
-<file path=ppt/slides/slide8.xml><?xml version="1.0" encoding="utf-8"?>
+<file path=ppt/slides/slide9.xml><?xml version="1.0" encoding="utf-8"?>
 <p:sld xmlns:a="http://schemas.openxmlformats.org/drawingml/2006/main" xmlns:r="http://schemas.openxmlformats.org/officeDocument/2006/relationships" xmlns:p="http://schemas.openxmlformats.org/presentationml/2006/main">
   <p:cSld>
     <p:spTree>
@@ -27870,232 +28485,6 @@
               </a:spcAft>
               <a:buNone/>
             </a:pPr>
-            <a:endParaRPr/>
-          </a:p>
-        </p:txBody>
-      </p:sp>
-    </p:spTree>
-  </p:cSld>
-  <p:clrMapOvr>
-    <a:masterClrMapping/>
-  </p:clrMapOvr>
-</p:sld>
-</file>
-
-<file path=ppt/slides/slide9.xml><?xml version="1.0" encoding="utf-8"?>
-<p:sld xmlns:a="http://schemas.openxmlformats.org/drawingml/2006/main" xmlns:r="http://schemas.openxmlformats.org/officeDocument/2006/relationships" xmlns:p="http://schemas.openxmlformats.org/presentationml/2006/main">
-  <p:cSld>
-    <p:spTree>
-      <p:nvGrpSpPr>
-        <p:cNvPr id="1" name="Shape 187"/>
-        <p:cNvGrpSpPr/>
-        <p:nvPr/>
-      </p:nvGrpSpPr>
-      <p:grpSpPr>
-        <a:xfrm>
-          <a:off x="0" y="0"/>
-          <a:ext cx="0" cy="0"/>
-          <a:chOff x="0" y="0"/>
-          <a:chExt cx="0" cy="0"/>
-        </a:xfrm>
-      </p:grpSpPr>
-      <p:sp>
-        <p:nvSpPr>
-          <p:cNvPr id="188" name="Google Shape;188;p22"/>
-          <p:cNvSpPr txBox="1">
-            <a:spLocks noGrp="1"/>
-          </p:cNvSpPr>
-          <p:nvPr>
-            <p:ph type="title"/>
-          </p:nvPr>
-        </p:nvSpPr>
-        <p:spPr>
-          <a:xfrm>
-            <a:off x="727650" y="630850"/>
-            <a:ext cx="7688700" cy="535200"/>
-          </a:xfrm>
-          <a:prstGeom prst="rect">
-            <a:avLst/>
-          </a:prstGeom>
-        </p:spPr>
-        <p:txBody>
-          <a:bodyPr spcFirstLastPara="1" wrap="square" lIns="91425" tIns="91425" rIns="91425" bIns="91425" anchor="t" anchorCtr="0">
-            <a:normAutofit fontScale="90000"/>
-          </a:bodyPr>
-          <a:lstStyle/>
-          <a:p>
-            <a:pPr marL="0" lvl="0" indent="0" algn="ctr" rtl="0">
-              <a:spcBef>
-                <a:spcPts val="0"/>
-              </a:spcBef>
-              <a:spcAft>
-                <a:spcPts val="0"/>
-              </a:spcAft>
-              <a:buNone/>
-            </a:pPr>
-            <a:r>
-              <a:rPr lang="es"/>
-              <a:t>Competencia</a:t>
-            </a:r>
-            <a:endParaRPr/>
-          </a:p>
-        </p:txBody>
-      </p:sp>
-      <p:sp>
-        <p:nvSpPr>
-          <p:cNvPr id="189" name="Google Shape;189;p22"/>
-          <p:cNvSpPr txBox="1">
-            <a:spLocks noGrp="1"/>
-          </p:cNvSpPr>
-          <p:nvPr>
-            <p:ph type="body" idx="1"/>
-          </p:nvPr>
-        </p:nvSpPr>
-        <p:spPr>
-          <a:xfrm>
-            <a:off x="727650" y="1249050"/>
-            <a:ext cx="7688700" cy="2261100"/>
-          </a:xfrm>
-          <a:prstGeom prst="rect">
-            <a:avLst/>
-          </a:prstGeom>
-        </p:spPr>
-        <p:txBody>
-          <a:bodyPr spcFirstLastPara="1" wrap="square" lIns="91425" tIns="91425" rIns="91425" bIns="91425" anchor="t" anchorCtr="0">
-            <a:normAutofit fontScale="25000" lnSpcReduction="20000"/>
-          </a:bodyPr>
-          <a:lstStyle/>
-          <a:p>
-            <a:pPr marL="0" lvl="0" indent="0" algn="ctr" rtl="0">
-              <a:spcBef>
-                <a:spcPts val="0"/>
-              </a:spcBef>
-              <a:spcAft>
-                <a:spcPts val="0"/>
-              </a:spcAft>
-              <a:buNone/>
-            </a:pPr>
-            <a:r>
-              <a:rPr lang="es" sz="12000"/>
-              <a:t>Listonic</a:t>
-            </a:r>
-            <a:endParaRPr sz="12000"/>
-          </a:p>
-          <a:p>
-            <a:pPr marL="0" lvl="0" indent="0" algn="l" rtl="0">
-              <a:spcBef>
-                <a:spcPts val="1200"/>
-              </a:spcBef>
-              <a:spcAft>
-                <a:spcPts val="0"/>
-              </a:spcAft>
-              <a:buNone/>
-            </a:pPr>
-            <a:r>
-              <a:rPr lang="es" sz="7200" b="1"/>
-              <a:t>Ventajas</a:t>
-            </a:r>
-            <a:endParaRPr sz="7200" b="1"/>
-          </a:p>
-          <a:p>
-            <a:pPr marL="457200" lvl="0" indent="-342900" algn="l" rtl="0">
-              <a:spcBef>
-                <a:spcPts val="1200"/>
-              </a:spcBef>
-              <a:spcAft>
-                <a:spcPts val="0"/>
-              </a:spcAft>
-              <a:buSzPct val="100000"/>
-              <a:buChar char="●"/>
-            </a:pPr>
-            <a:r>
-              <a:rPr lang="es" sz="7200"/>
-              <a:t>Sugerencias automáticas al escribir</a:t>
-            </a:r>
-            <a:endParaRPr sz="7200"/>
-          </a:p>
-          <a:p>
-            <a:pPr marL="457200" lvl="0" indent="-342900" algn="l" rtl="0">
-              <a:spcBef>
-                <a:spcPts val="0"/>
-              </a:spcBef>
-              <a:spcAft>
-                <a:spcPts val="0"/>
-              </a:spcAft>
-              <a:buSzPct val="100000"/>
-              <a:buChar char="●"/>
-            </a:pPr>
-            <a:r>
-              <a:rPr lang="es" sz="7200"/>
-              <a:t>Soporte en múltiples idiomas</a:t>
-            </a:r>
-            <a:endParaRPr sz="7200"/>
-          </a:p>
-          <a:p>
-            <a:pPr marL="457200" lvl="0" indent="-342900" algn="l" rtl="0">
-              <a:spcBef>
-                <a:spcPts val="0"/>
-              </a:spcBef>
-              <a:spcAft>
-                <a:spcPts val="0"/>
-              </a:spcAft>
-              <a:buSzPct val="100000"/>
-              <a:buChar char="●"/>
-            </a:pPr>
-            <a:r>
-              <a:rPr lang="es" sz="7200"/>
-              <a:t>Añadir precios a los productos</a:t>
-            </a:r>
-            <a:endParaRPr sz="7200"/>
-          </a:p>
-          <a:p>
-            <a:pPr marL="0" lvl="0" indent="0" algn="l" rtl="0">
-              <a:spcBef>
-                <a:spcPts val="1200"/>
-              </a:spcBef>
-              <a:spcAft>
-                <a:spcPts val="0"/>
-              </a:spcAft>
-              <a:buNone/>
-            </a:pPr>
-            <a:r>
-              <a:rPr lang="es" sz="7200" b="1"/>
-              <a:t>Desventajas</a:t>
-            </a:r>
-            <a:endParaRPr sz="7200" b="1"/>
-          </a:p>
-          <a:p>
-            <a:pPr marL="457200" lvl="0" indent="-342900" algn="l" rtl="0">
-              <a:spcBef>
-                <a:spcPts val="1200"/>
-              </a:spcBef>
-              <a:spcAft>
-                <a:spcPts val="0"/>
-              </a:spcAft>
-              <a:buSzPct val="100000"/>
-              <a:buChar char="●"/>
-            </a:pPr>
-            <a:r>
-              <a:rPr lang="es" sz="7200"/>
-              <a:t>No realiza cálculo colaborativo</a:t>
-            </a:r>
-            <a:endParaRPr sz="7200"/>
-          </a:p>
-          <a:p>
-            <a:pPr marL="457200" lvl="0" indent="-342900" algn="l" rtl="0">
-              <a:spcBef>
-                <a:spcPts val="0"/>
-              </a:spcBef>
-              <a:spcAft>
-                <a:spcPts val="0"/>
-              </a:spcAft>
-              <a:buSzPct val="100000"/>
-              <a:buChar char="●"/>
-            </a:pPr>
-            <a:r>
-              <a:rPr lang="es" sz="7200"/>
-              <a:t>No se refleja quien añadió/compró productos</a:t>
-            </a:r>
             <a:endParaRPr/>
           </a:p>
         </p:txBody>
